--- a/assets/lectures/cshl/2019/mini/RNASeq_MiniLecture_02_04_alignmentQC.pptx
+++ b/assets/lectures/cshl/2019/mini/RNASeq_MiniLecture_02_04_alignmentQC.pptx
@@ -210,7 +210,7 @@
           <a:p>
             <a:fld id="{6AEFB71E-F1C4-D746-9C58-AFA29060B4FF}" type="datetimeFigureOut">
               <a:rPr lang="en-US" smtClean="0"/>
-              <a:t>11/5/19</a:t>
+              <a:t>11/9/19</a:t>
             </a:fld>
             <a:endParaRPr lang="en-US"/>
           </a:p>
@@ -516,14 +516,14 @@
           </a:ln>
           <a:extLst>
             <a:ext uri="{909E8E84-426E-40dd-AFC4-6F175D3DCCD1}">
-              <a14:hiddenFill xmlns="" xmlns:a14="http://schemas.microsoft.com/office/drawing/2010/main">
+              <a14:hiddenFill xmlns:a14="http://schemas.microsoft.com/office/drawing/2010/main" xmlns="">
                 <a:solidFill>
                   <a:srgbClr val="FFFFFF"/>
                 </a:solidFill>
               </a14:hiddenFill>
             </a:ext>
             <a:ext uri="{FAA26D3D-D897-4be2-8F04-BA451C77F1D7}">
-              <ma14:placeholderFlag xmlns="" xmlns:ma14="http://schemas.microsoft.com/office/mac/drawingml/2011/main" val="1"/>
+              <ma14:placeholderFlag xmlns:ma14="http://schemas.microsoft.com/office/mac/drawingml/2011/main" xmlns="" val="1"/>
             </a:ext>
           </a:extLst>
         </p:spPr>
@@ -542,14 +542,14 @@
           <a:noFill/>
           <a:extLst>
             <a:ext uri="{909E8E84-426E-40dd-AFC4-6F175D3DCCD1}">
-              <a14:hiddenFill xmlns="" xmlns:a14="http://schemas.microsoft.com/office/drawing/2010/main">
+              <a14:hiddenFill xmlns:a14="http://schemas.microsoft.com/office/drawing/2010/main" xmlns="">
                 <a:solidFill>
                   <a:srgbClr val="FFFFFF"/>
                 </a:solidFill>
               </a14:hiddenFill>
             </a:ext>
             <a:ext uri="{91240B29-F687-4f45-9708-019B960494DF}">
-              <a14:hiddenLine xmlns="" xmlns:a14="http://schemas.microsoft.com/office/drawing/2010/main" w="9525">
+              <a14:hiddenLine xmlns:a14="http://schemas.microsoft.com/office/drawing/2010/main" xmlns="" w="9525">
                 <a:solidFill>
                   <a:srgbClr val="000000"/>
                 </a:solidFill>
@@ -559,7 +559,7 @@
               </a14:hiddenLine>
             </a:ext>
             <a:ext uri="{FAA26D3D-D897-4be2-8F04-BA451C77F1D7}">
-              <ma14:placeholderFlag xmlns="" xmlns:ma14="http://schemas.microsoft.com/office/mac/drawingml/2011/main" val="1"/>
+              <ma14:placeholderFlag xmlns:ma14="http://schemas.microsoft.com/office/mac/drawingml/2011/main" xmlns="" val="1"/>
             </a:ext>
           </a:extLst>
         </p:spPr>
@@ -593,14 +593,14 @@
           <a:noFill/>
           <a:extLst>
             <a:ext uri="{909E8E84-426E-40dd-AFC4-6F175D3DCCD1}">
-              <a14:hiddenFill xmlns="" xmlns:a14="http://schemas.microsoft.com/office/drawing/2010/main">
+              <a14:hiddenFill xmlns:a14="http://schemas.microsoft.com/office/drawing/2010/main" xmlns="">
                 <a:solidFill>
                   <a:srgbClr val="FFFFFF"/>
                 </a:solidFill>
               </a14:hiddenFill>
             </a:ext>
             <a:ext uri="{91240B29-F687-4f45-9708-019B960494DF}">
-              <a14:hiddenLine xmlns="" xmlns:a14="http://schemas.microsoft.com/office/drawing/2010/main" w="9525">
+              <a14:hiddenLine xmlns:a14="http://schemas.microsoft.com/office/drawing/2010/main" xmlns="" w="9525">
                 <a:solidFill>
                   <a:srgbClr val="000000"/>
                 </a:solidFill>
@@ -1055,14 +1055,14 @@
           </a:ln>
           <a:extLst>
             <a:ext uri="{909E8E84-426E-40dd-AFC4-6F175D3DCCD1}">
-              <a14:hiddenFill xmlns="" xmlns:a14="http://schemas.microsoft.com/office/drawing/2010/main">
+              <a14:hiddenFill xmlns:a14="http://schemas.microsoft.com/office/drawing/2010/main" xmlns="">
                 <a:solidFill>
                   <a:srgbClr val="FFFFFF"/>
                 </a:solidFill>
               </a14:hiddenFill>
             </a:ext>
             <a:ext uri="{91240B29-F687-4f45-9708-019B960494DF}">
-              <a14:hiddenLine xmlns="" xmlns:a14="http://schemas.microsoft.com/office/drawing/2010/main" w="9525">
+              <a14:hiddenLine xmlns:a14="http://schemas.microsoft.com/office/drawing/2010/main" xmlns="" w="9525">
                 <a:solidFill>
                   <a:srgbClr val="000000"/>
                 </a:solidFill>
@@ -1953,14 +1953,14 @@
           </a:ln>
           <a:extLst>
             <a:ext uri="{909E8E84-426E-40dd-AFC4-6F175D3DCCD1}">
-              <a14:hiddenFill xmlns:a14="http://schemas.microsoft.com/office/drawing/2010/main" xmlns="">
+              <a14:hiddenFill xmlns="" xmlns:a14="http://schemas.microsoft.com/office/drawing/2010/main">
                 <a:solidFill>
                   <a:srgbClr val="FFFFFF"/>
                 </a:solidFill>
               </a14:hiddenFill>
             </a:ext>
             <a:ext uri="{91240B29-F687-4f45-9708-019B960494DF}">
-              <a14:hiddenLine xmlns:a14="http://schemas.microsoft.com/office/drawing/2010/main" xmlns="" w="9525">
+              <a14:hiddenLine xmlns="" xmlns:a14="http://schemas.microsoft.com/office/drawing/2010/main" w="9525">
                 <a:solidFill>
                   <a:srgbClr val="000000"/>
                 </a:solidFill>
@@ -3957,14 +3957,14 @@
           </a:ln>
           <a:extLst>
             <a:ext uri="{909E8E84-426E-40dd-AFC4-6F175D3DCCD1}">
-              <a14:hiddenFill xmlns="" xmlns:a14="http://schemas.microsoft.com/office/drawing/2010/main">
+              <a14:hiddenFill xmlns:a14="http://schemas.microsoft.com/office/drawing/2010/main" xmlns="">
                 <a:solidFill>
                   <a:srgbClr val="FFFFFF"/>
                 </a:solidFill>
               </a14:hiddenFill>
             </a:ext>
             <a:ext uri="{91240B29-F687-4f45-9708-019B960494DF}">
-              <a14:hiddenLine xmlns="" xmlns:a14="http://schemas.microsoft.com/office/drawing/2010/main" w="9525">
+              <a14:hiddenLine xmlns:a14="http://schemas.microsoft.com/office/drawing/2010/main" xmlns="" w="9525">
                 <a:solidFill>
                   <a:srgbClr val="000000"/>
                 </a:solidFill>
@@ -4667,14 +4667,14 @@
           </a:ln>
           <a:extLst>
             <a:ext uri="{909E8E84-426E-40dd-AFC4-6F175D3DCCD1}">
-              <a14:hiddenFill xmlns:a14="http://schemas.microsoft.com/office/drawing/2010/main" xmlns="">
+              <a14:hiddenFill xmlns="" xmlns:a14="http://schemas.microsoft.com/office/drawing/2010/main">
                 <a:solidFill>
                   <a:srgbClr val="FFFFFF"/>
                 </a:solidFill>
               </a14:hiddenFill>
             </a:ext>
             <a:ext uri="{91240B29-F687-4f45-9708-019B960494DF}">
-              <a14:hiddenLine xmlns:a14="http://schemas.microsoft.com/office/drawing/2010/main" xmlns="" w="9525">
+              <a14:hiddenLine xmlns="" xmlns:a14="http://schemas.microsoft.com/office/drawing/2010/main" w="9525">
                 <a:solidFill>
                   <a:srgbClr val="000000"/>
                 </a:solidFill>
@@ -4772,7 +4772,17 @@
                 <a:latin typeface="Calibri" charset="0"/>
                 <a:cs typeface="Segoe UI" charset="0"/>
               </a:rPr>
-              <a:t>RNA-Seq Module 3</a:t>
+              <a:t>RNA-Seq </a:t>
+            </a:r>
+            <a:r>
+              <a:rPr lang="en-US" sz="3200">
+                <a:solidFill>
+                  <a:schemeClr val="bg1"/>
+                </a:solidFill>
+                <a:latin typeface="Calibri" charset="0"/>
+                <a:cs typeface="Segoe UI" charset="0"/>
+              </a:rPr>
+              <a:t>Module 2</a:t>
             </a:r>
             <a:br>
               <a:rPr lang="en-US" sz="3200" dirty="0">
@@ -5330,7 +5340,7 @@
           <a:effectLst/>
           <a:extLst>
             <a:ext uri="{909E8E84-426E-40dd-AFC4-6F175D3DCCD1}">
-              <a14:hiddenFill xmlns:a14="http://schemas.microsoft.com/office/drawing/2010/main" xmlns="">
+              <a14:hiddenFill xmlns="" xmlns:a14="http://schemas.microsoft.com/office/drawing/2010/main">
                 <a:blipFill dpi="0" rotWithShape="0">
                   <a:blip/>
                   <a:srcRect/>
@@ -5341,7 +5351,7 @@
               </a14:hiddenFill>
             </a:ext>
             <a:ext uri="{91240B29-F687-4f45-9708-019B960494DF}">
-              <a14:hiddenLine xmlns:a14="http://schemas.microsoft.com/office/drawing/2010/main" xmlns="" w="9525" cap="flat">
+              <a14:hiddenLine xmlns="" xmlns:a14="http://schemas.microsoft.com/office/drawing/2010/main" w="9525" cap="flat">
                 <a:solidFill>
                   <a:srgbClr val="3465A4"/>
                 </a:solidFill>
@@ -5351,7 +5361,7 @@
               </a14:hiddenLine>
             </a:ext>
             <a:ext uri="{AF507438-7753-43e0-B8FC-AC1667EBCBE1}">
-              <a14:hiddenEffects xmlns:a14="http://schemas.microsoft.com/office/drawing/2010/main" xmlns="">
+              <a14:hiddenEffects xmlns="" xmlns:a14="http://schemas.microsoft.com/office/drawing/2010/main">
                 <a:effectLst>
                   <a:outerShdw blurRad="63500" dist="38099" dir="2700000" algn="ctr" rotWithShape="0">
                     <a:srgbClr val="000000">
@@ -5449,14 +5459,14 @@
           <a:effectLst/>
           <a:extLst>
             <a:ext uri="{909E8E84-426E-40dd-AFC4-6F175D3DCCD1}">
-              <a14:hiddenFill xmlns:a14="http://schemas.microsoft.com/office/drawing/2010/main" xmlns="">
+              <a14:hiddenFill xmlns="" xmlns:a14="http://schemas.microsoft.com/office/drawing/2010/main">
                 <a:solidFill>
                   <a:srgbClr val="FFFFFF"/>
                 </a:solidFill>
               </a14:hiddenFill>
             </a:ext>
             <a:ext uri="{91240B29-F687-4f45-9708-019B960494DF}">
-              <a14:hiddenLine xmlns:a14="http://schemas.microsoft.com/office/drawing/2010/main" xmlns="" w="9525" cap="flat">
+              <a14:hiddenLine xmlns="" xmlns:a14="http://schemas.microsoft.com/office/drawing/2010/main" w="9525" cap="flat">
                 <a:solidFill>
                   <a:srgbClr val="000000"/>
                 </a:solidFill>
@@ -5466,7 +5476,7 @@
               </a14:hiddenLine>
             </a:ext>
             <a:ext uri="{AF507438-7753-43e0-B8FC-AC1667EBCBE1}">
-              <a14:hiddenEffects xmlns:a14="http://schemas.microsoft.com/office/drawing/2010/main" xmlns="">
+              <a14:hiddenEffects xmlns="" xmlns:a14="http://schemas.microsoft.com/office/drawing/2010/main">
                 <a:effectLst>
                   <a:outerShdw blurRad="63500" dist="38099" dir="2700000" algn="ctr" rotWithShape="0">
                     <a:srgbClr val="000000">
@@ -5880,7 +5890,7 @@
           <a:effectLst/>
           <a:extLst>
             <a:ext uri="{909E8E84-426E-40dd-AFC4-6F175D3DCCD1}">
-              <a14:hiddenFill xmlns:a14="http://schemas.microsoft.com/office/drawing/2010/main" xmlns="">
+              <a14:hiddenFill xmlns="" xmlns:a14="http://schemas.microsoft.com/office/drawing/2010/main">
                 <a:blipFill dpi="0" rotWithShape="0">
                   <a:blip/>
                   <a:srcRect/>
@@ -5891,7 +5901,7 @@
               </a14:hiddenFill>
             </a:ext>
             <a:ext uri="{91240B29-F687-4f45-9708-019B960494DF}">
-              <a14:hiddenLine xmlns:a14="http://schemas.microsoft.com/office/drawing/2010/main" xmlns="" w="9525" cap="flat">
+              <a14:hiddenLine xmlns="" xmlns:a14="http://schemas.microsoft.com/office/drawing/2010/main" w="9525" cap="flat">
                 <a:solidFill>
                   <a:srgbClr val="3465A4"/>
                 </a:solidFill>
@@ -5901,7 +5911,7 @@
               </a14:hiddenLine>
             </a:ext>
             <a:ext uri="{AF507438-7753-43e0-B8FC-AC1667EBCBE1}">
-              <a14:hiddenEffects xmlns:a14="http://schemas.microsoft.com/office/drawing/2010/main" xmlns="">
+              <a14:hiddenEffects xmlns="" xmlns:a14="http://schemas.microsoft.com/office/drawing/2010/main">
                 <a:effectLst>
                   <a:outerShdw blurRad="63500" dist="38099" dir="2700000" algn="ctr" rotWithShape="0">
                     <a:srgbClr val="000000">
@@ -5956,7 +5966,7 @@
           <a:effectLst/>
           <a:extLst>
             <a:ext uri="{909E8E84-426E-40dd-AFC4-6F175D3DCCD1}">
-              <a14:hiddenFill xmlns:a14="http://schemas.microsoft.com/office/drawing/2010/main" xmlns="">
+              <a14:hiddenFill xmlns="" xmlns:a14="http://schemas.microsoft.com/office/drawing/2010/main">
                 <a:blipFill dpi="0" rotWithShape="0">
                   <a:blip/>
                   <a:srcRect/>
@@ -5967,7 +5977,7 @@
               </a14:hiddenFill>
             </a:ext>
             <a:ext uri="{91240B29-F687-4f45-9708-019B960494DF}">
-              <a14:hiddenLine xmlns:a14="http://schemas.microsoft.com/office/drawing/2010/main" xmlns="" w="9525" cap="flat">
+              <a14:hiddenLine xmlns="" xmlns:a14="http://schemas.microsoft.com/office/drawing/2010/main" w="9525" cap="flat">
                 <a:solidFill>
                   <a:srgbClr val="3465A4"/>
                 </a:solidFill>
@@ -5977,7 +5987,7 @@
               </a14:hiddenLine>
             </a:ext>
             <a:ext uri="{AF507438-7753-43e0-B8FC-AC1667EBCBE1}">
-              <a14:hiddenEffects xmlns:a14="http://schemas.microsoft.com/office/drawing/2010/main" xmlns="">
+              <a14:hiddenEffects xmlns="" xmlns:a14="http://schemas.microsoft.com/office/drawing/2010/main">
                 <a:effectLst>
                   <a:outerShdw blurRad="63500" dist="38099" dir="2700000" algn="ctr" rotWithShape="0">
                     <a:srgbClr val="000000">
@@ -6019,14 +6029,14 @@
           <a:effectLst/>
           <a:extLst>
             <a:ext uri="{909E8E84-426E-40dd-AFC4-6F175D3DCCD1}">
-              <a14:hiddenFill xmlns:a14="http://schemas.microsoft.com/office/drawing/2010/main" xmlns="">
+              <a14:hiddenFill xmlns="" xmlns:a14="http://schemas.microsoft.com/office/drawing/2010/main">
                 <a:solidFill>
                   <a:srgbClr val="FFFFFF"/>
                 </a:solidFill>
               </a14:hiddenFill>
             </a:ext>
             <a:ext uri="{91240B29-F687-4f45-9708-019B960494DF}">
-              <a14:hiddenLine xmlns:a14="http://schemas.microsoft.com/office/drawing/2010/main" xmlns="" w="9525" cap="flat">
+              <a14:hiddenLine xmlns="" xmlns:a14="http://schemas.microsoft.com/office/drawing/2010/main" w="9525" cap="flat">
                 <a:solidFill>
                   <a:srgbClr val="000000"/>
                 </a:solidFill>
@@ -6036,7 +6046,7 @@
               </a14:hiddenLine>
             </a:ext>
             <a:ext uri="{AF507438-7753-43e0-B8FC-AC1667EBCBE1}">
-              <a14:hiddenEffects xmlns:a14="http://schemas.microsoft.com/office/drawing/2010/main" xmlns="">
+              <a14:hiddenEffects xmlns="" xmlns:a14="http://schemas.microsoft.com/office/drawing/2010/main">
                 <a:effectLst>
                   <a:outerShdw blurRad="63500" dist="38099" dir="2700000" algn="ctr" rotWithShape="0">
                     <a:srgbClr val="000000">
@@ -6297,14 +6307,14 @@
           <a:effectLst/>
           <a:extLst>
             <a:ext uri="{909E8E84-426E-40dd-AFC4-6F175D3DCCD1}">
-              <a14:hiddenFill xmlns:a14="http://schemas.microsoft.com/office/drawing/2010/main" xmlns="">
+              <a14:hiddenFill xmlns="" xmlns:a14="http://schemas.microsoft.com/office/drawing/2010/main">
                 <a:solidFill>
                   <a:srgbClr val="FFFFFF"/>
                 </a:solidFill>
               </a14:hiddenFill>
             </a:ext>
             <a:ext uri="{91240B29-F687-4f45-9708-019B960494DF}">
-              <a14:hiddenLine xmlns:a14="http://schemas.microsoft.com/office/drawing/2010/main" xmlns="" w="9525" cap="flat">
+              <a14:hiddenLine xmlns="" xmlns:a14="http://schemas.microsoft.com/office/drawing/2010/main" w="9525" cap="flat">
                 <a:solidFill>
                   <a:srgbClr val="000000"/>
                 </a:solidFill>
@@ -6314,7 +6324,7 @@
               </a14:hiddenLine>
             </a:ext>
             <a:ext uri="{AF507438-7753-43e0-B8FC-AC1667EBCBE1}">
-              <a14:hiddenEffects xmlns:a14="http://schemas.microsoft.com/office/drawing/2010/main" xmlns="">
+              <a14:hiddenEffects xmlns="" xmlns:a14="http://schemas.microsoft.com/office/drawing/2010/main">
                 <a:effectLst>
                   <a:outerShdw blurRad="63500" dist="38099" dir="2700000" algn="ctr" rotWithShape="0">
                     <a:srgbClr val="000000">
@@ -6621,7 +6631,7 @@
           <a:effectLst/>
           <a:extLst>
             <a:ext uri="{909E8E84-426E-40dd-AFC4-6F175D3DCCD1}">
-              <a14:hiddenFill xmlns="" xmlns:a14="http://schemas.microsoft.com/office/drawing/2010/main">
+              <a14:hiddenFill xmlns:a14="http://schemas.microsoft.com/office/drawing/2010/main" xmlns="">
                 <a:blipFill dpi="0" rotWithShape="0">
                   <a:blip/>
                   <a:srcRect/>
@@ -6632,7 +6642,7 @@
               </a14:hiddenFill>
             </a:ext>
             <a:ext uri="{91240B29-F687-4f45-9708-019B960494DF}">
-              <a14:hiddenLine xmlns="" xmlns:a14="http://schemas.microsoft.com/office/drawing/2010/main" w="9525" cap="flat">
+              <a14:hiddenLine xmlns:a14="http://schemas.microsoft.com/office/drawing/2010/main" xmlns="" w="9525" cap="flat">
                 <a:solidFill>
                   <a:srgbClr val="3465A4"/>
                 </a:solidFill>
@@ -6642,7 +6652,7 @@
               </a14:hiddenLine>
             </a:ext>
             <a:ext uri="{AF507438-7753-43e0-B8FC-AC1667EBCBE1}">
-              <a14:hiddenEffects xmlns="" xmlns:a14="http://schemas.microsoft.com/office/drawing/2010/main">
+              <a14:hiddenEffects xmlns:a14="http://schemas.microsoft.com/office/drawing/2010/main" xmlns="">
                 <a:effectLst>
                   <a:outerShdw blurRad="63500" dist="38099" dir="2700000" algn="ctr" rotWithShape="0">
                     <a:srgbClr val="000000">
@@ -6691,7 +6701,7 @@
           <a:effectLst/>
           <a:extLst>
             <a:ext uri="{909E8E84-426E-40dd-AFC4-6F175D3DCCD1}">
-              <a14:hiddenFill xmlns="" xmlns:a14="http://schemas.microsoft.com/office/drawing/2010/main">
+              <a14:hiddenFill xmlns:a14="http://schemas.microsoft.com/office/drawing/2010/main" xmlns="">
                 <a:blipFill dpi="0" rotWithShape="0">
                   <a:blip/>
                   <a:srcRect/>
@@ -6702,7 +6712,7 @@
               </a14:hiddenFill>
             </a:ext>
             <a:ext uri="{91240B29-F687-4f45-9708-019B960494DF}">
-              <a14:hiddenLine xmlns="" xmlns:a14="http://schemas.microsoft.com/office/drawing/2010/main" w="9525" cap="flat">
+              <a14:hiddenLine xmlns:a14="http://schemas.microsoft.com/office/drawing/2010/main" xmlns="" w="9525" cap="flat">
                 <a:solidFill>
                   <a:srgbClr val="3465A4"/>
                 </a:solidFill>
@@ -6712,7 +6722,7 @@
               </a14:hiddenLine>
             </a:ext>
             <a:ext uri="{AF507438-7753-43e0-B8FC-AC1667EBCBE1}">
-              <a14:hiddenEffects xmlns="" xmlns:a14="http://schemas.microsoft.com/office/drawing/2010/main">
+              <a14:hiddenEffects xmlns:a14="http://schemas.microsoft.com/office/drawing/2010/main" xmlns="">
                 <a:effectLst>
                   <a:outerShdw blurRad="63500" dist="38099" dir="2700000" algn="ctr" rotWithShape="0">
                     <a:srgbClr val="000000">
@@ -6748,14 +6758,14 @@
           <a:effectLst/>
           <a:extLst>
             <a:ext uri="{909E8E84-426E-40dd-AFC4-6F175D3DCCD1}">
-              <a14:hiddenFill xmlns="" xmlns:a14="http://schemas.microsoft.com/office/drawing/2010/main">
+              <a14:hiddenFill xmlns:a14="http://schemas.microsoft.com/office/drawing/2010/main" xmlns="">
                 <a:solidFill>
                   <a:srgbClr val="FFFFFF"/>
                 </a:solidFill>
               </a14:hiddenFill>
             </a:ext>
             <a:ext uri="{91240B29-F687-4f45-9708-019B960494DF}">
-              <a14:hiddenLine xmlns="" xmlns:a14="http://schemas.microsoft.com/office/drawing/2010/main" w="9525" cap="flat">
+              <a14:hiddenLine xmlns:a14="http://schemas.microsoft.com/office/drawing/2010/main" xmlns="" w="9525" cap="flat">
                 <a:solidFill>
                   <a:srgbClr val="000000"/>
                 </a:solidFill>
@@ -6765,7 +6775,7 @@
               </a14:hiddenLine>
             </a:ext>
             <a:ext uri="{AF507438-7753-43e0-B8FC-AC1667EBCBE1}">
-              <a14:hiddenEffects xmlns="" xmlns:a14="http://schemas.microsoft.com/office/drawing/2010/main">
+              <a14:hiddenEffects xmlns:a14="http://schemas.microsoft.com/office/drawing/2010/main" xmlns="">
                 <a:effectLst>
                   <a:outerShdw blurRad="63500" dist="38099" dir="2700000" algn="ctr" rotWithShape="0">
                     <a:srgbClr val="000000">
@@ -7166,7 +7176,7 @@
           <a:effectLst/>
           <a:extLst>
             <a:ext uri="{909E8E84-426E-40dd-AFC4-6F175D3DCCD1}">
-              <a14:hiddenFill xmlns="" xmlns:a14="http://schemas.microsoft.com/office/drawing/2010/main">
+              <a14:hiddenFill xmlns:a14="http://schemas.microsoft.com/office/drawing/2010/main" xmlns="">
                 <a:blipFill dpi="0" rotWithShape="0">
                   <a:blip/>
                   <a:srcRect/>
@@ -7177,7 +7187,7 @@
               </a14:hiddenFill>
             </a:ext>
             <a:ext uri="{91240B29-F687-4f45-9708-019B960494DF}">
-              <a14:hiddenLine xmlns="" xmlns:a14="http://schemas.microsoft.com/office/drawing/2010/main" w="9525" cap="flat">
+              <a14:hiddenLine xmlns:a14="http://schemas.microsoft.com/office/drawing/2010/main" xmlns="" w="9525" cap="flat">
                 <a:solidFill>
                   <a:srgbClr val="3465A4"/>
                 </a:solidFill>
@@ -7187,7 +7197,7 @@
               </a14:hiddenLine>
             </a:ext>
             <a:ext uri="{AF507438-7753-43e0-B8FC-AC1667EBCBE1}">
-              <a14:hiddenEffects xmlns="" xmlns:a14="http://schemas.microsoft.com/office/drawing/2010/main">
+              <a14:hiddenEffects xmlns:a14="http://schemas.microsoft.com/office/drawing/2010/main" xmlns="">
                 <a:effectLst>
                   <a:outerShdw blurRad="63500" dist="38099" dir="2700000" algn="ctr" rotWithShape="0">
                     <a:srgbClr val="000000">
@@ -7223,14 +7233,14 @@
           <a:effectLst/>
           <a:extLst>
             <a:ext uri="{909E8E84-426E-40dd-AFC4-6F175D3DCCD1}">
-              <a14:hiddenFill xmlns="" xmlns:a14="http://schemas.microsoft.com/office/drawing/2010/main">
+              <a14:hiddenFill xmlns:a14="http://schemas.microsoft.com/office/drawing/2010/main" xmlns="">
                 <a:solidFill>
                   <a:srgbClr val="FFFFFF"/>
                 </a:solidFill>
               </a14:hiddenFill>
             </a:ext>
             <a:ext uri="{91240B29-F687-4f45-9708-019B960494DF}">
-              <a14:hiddenLine xmlns="" xmlns:a14="http://schemas.microsoft.com/office/drawing/2010/main" w="9525" cap="flat">
+              <a14:hiddenLine xmlns:a14="http://schemas.microsoft.com/office/drawing/2010/main" xmlns="" w="9525" cap="flat">
                 <a:solidFill>
                   <a:srgbClr val="000000"/>
                 </a:solidFill>
@@ -7240,7 +7250,7 @@
               </a14:hiddenLine>
             </a:ext>
             <a:ext uri="{AF507438-7753-43e0-B8FC-AC1667EBCBE1}">
-              <a14:hiddenEffects xmlns="" xmlns:a14="http://schemas.microsoft.com/office/drawing/2010/main">
+              <a14:hiddenEffects xmlns:a14="http://schemas.microsoft.com/office/drawing/2010/main" xmlns="">
                 <a:effectLst>
                   <a:outerShdw blurRad="63500" dist="38099" dir="2700000" algn="ctr" rotWithShape="0">
                     <a:srgbClr val="000000">
@@ -7523,14 +7533,14 @@
           <a:effectLst/>
           <a:extLst>
             <a:ext uri="{909E8E84-426E-40dd-AFC4-6F175D3DCCD1}">
-              <a14:hiddenFill xmlns="" xmlns:a14="http://schemas.microsoft.com/office/drawing/2010/main">
+              <a14:hiddenFill xmlns:a14="http://schemas.microsoft.com/office/drawing/2010/main" xmlns="">
                 <a:solidFill>
                   <a:srgbClr val="FFFFFF"/>
                 </a:solidFill>
               </a14:hiddenFill>
             </a:ext>
             <a:ext uri="{91240B29-F687-4f45-9708-019B960494DF}">
-              <a14:hiddenLine xmlns="" xmlns:a14="http://schemas.microsoft.com/office/drawing/2010/main" w="9525" cap="flat">
+              <a14:hiddenLine xmlns:a14="http://schemas.microsoft.com/office/drawing/2010/main" xmlns="" w="9525" cap="flat">
                 <a:solidFill>
                   <a:srgbClr val="3465A4"/>
                 </a:solidFill>
@@ -7540,7 +7550,7 @@
               </a14:hiddenLine>
             </a:ext>
             <a:ext uri="{AF507438-7753-43e0-B8FC-AC1667EBCBE1}">
-              <a14:hiddenEffects xmlns="" xmlns:a14="http://schemas.microsoft.com/office/drawing/2010/main">
+              <a14:hiddenEffects xmlns:a14="http://schemas.microsoft.com/office/drawing/2010/main" xmlns="">
                 <a:effectLst>
                   <a:outerShdw blurRad="63500" dist="38099" dir="2700000" algn="ctr" rotWithShape="0">
                     <a:srgbClr val="000000">
@@ -7902,14 +7912,14 @@
           </a:ln>
           <a:extLst>
             <a:ext uri="{909E8E84-426E-40dd-AFC4-6F175D3DCCD1}">
-              <a14:hiddenFill xmlns="" xmlns:a14="http://schemas.microsoft.com/office/drawing/2010/main">
+              <a14:hiddenFill xmlns:a14="http://schemas.microsoft.com/office/drawing/2010/main" xmlns="">
                 <a:solidFill>
                   <a:srgbClr val="FFFFFF"/>
                 </a:solidFill>
               </a14:hiddenFill>
             </a:ext>
             <a:ext uri="{91240B29-F687-4f45-9708-019B960494DF}">
-              <a14:hiddenLine xmlns="" xmlns:a14="http://schemas.microsoft.com/office/drawing/2010/main" w="9525">
+              <a14:hiddenLine xmlns:a14="http://schemas.microsoft.com/office/drawing/2010/main" xmlns="" w="9525">
                 <a:solidFill>
                   <a:srgbClr val="000000"/>
                 </a:solidFill>
@@ -8394,14 +8404,14 @@
           </a:ln>
           <a:extLst>
             <a:ext uri="{909E8E84-426E-40dd-AFC4-6F175D3DCCD1}">
-              <a14:hiddenFill xmlns="" xmlns:a14="http://schemas.microsoft.com/office/drawing/2010/main">
+              <a14:hiddenFill xmlns:a14="http://schemas.microsoft.com/office/drawing/2010/main" xmlns="">
                 <a:solidFill>
                   <a:srgbClr val="FFFFFF"/>
                 </a:solidFill>
               </a14:hiddenFill>
             </a:ext>
             <a:ext uri="{91240B29-F687-4f45-9708-019B960494DF}">
-              <a14:hiddenLine xmlns="" xmlns:a14="http://schemas.microsoft.com/office/drawing/2010/main" w="9525">
+              <a14:hiddenLine xmlns:a14="http://schemas.microsoft.com/office/drawing/2010/main" xmlns="" w="9525">
                 <a:solidFill>
                   <a:srgbClr val="000000"/>
                 </a:solidFill>
@@ -8590,14 +8600,14 @@
           </a:ln>
           <a:extLst>
             <a:ext uri="{909E8E84-426E-40dd-AFC4-6F175D3DCCD1}">
-              <a14:hiddenFill xmlns="" xmlns:a14="http://schemas.microsoft.com/office/drawing/2010/main">
+              <a14:hiddenFill xmlns:a14="http://schemas.microsoft.com/office/drawing/2010/main" xmlns="">
                 <a:solidFill>
                   <a:srgbClr val="FFFFFF"/>
                 </a:solidFill>
               </a14:hiddenFill>
             </a:ext>
             <a:ext uri="{91240B29-F687-4f45-9708-019B960494DF}">
-              <a14:hiddenLine xmlns="" xmlns:a14="http://schemas.microsoft.com/office/drawing/2010/main" w="9525">
+              <a14:hiddenLine xmlns:a14="http://schemas.microsoft.com/office/drawing/2010/main" xmlns="" w="9525">
                 <a:solidFill>
                   <a:srgbClr val="000000"/>
                 </a:solidFill>
@@ -8786,14 +8796,14 @@
           </a:ln>
           <a:extLst>
             <a:ext uri="{909E8E84-426E-40dd-AFC4-6F175D3DCCD1}">
-              <a14:hiddenFill xmlns="" xmlns:a14="http://schemas.microsoft.com/office/drawing/2010/main">
+              <a14:hiddenFill xmlns:a14="http://schemas.microsoft.com/office/drawing/2010/main" xmlns="">
                 <a:solidFill>
                   <a:srgbClr val="FFFFFF"/>
                 </a:solidFill>
               </a14:hiddenFill>
             </a:ext>
             <a:ext uri="{91240B29-F687-4f45-9708-019B960494DF}">
-              <a14:hiddenLine xmlns="" xmlns:a14="http://schemas.microsoft.com/office/drawing/2010/main" w="9525">
+              <a14:hiddenLine xmlns:a14="http://schemas.microsoft.com/office/drawing/2010/main" xmlns="" w="9525">
                 <a:solidFill>
                   <a:srgbClr val="000000"/>
                 </a:solidFill>
@@ -8947,14 +8957,14 @@
           </a:ln>
           <a:extLst>
             <a:ext uri="{909E8E84-426E-40dd-AFC4-6F175D3DCCD1}">
-              <a14:hiddenFill xmlns="" xmlns:a14="http://schemas.microsoft.com/office/drawing/2010/main">
+              <a14:hiddenFill xmlns:a14="http://schemas.microsoft.com/office/drawing/2010/main" xmlns="">
                 <a:solidFill>
                   <a:srgbClr val="FFFFFF"/>
                 </a:solidFill>
               </a14:hiddenFill>
             </a:ext>
             <a:ext uri="{91240B29-F687-4f45-9708-019B960494DF}">
-              <a14:hiddenLine xmlns="" xmlns:a14="http://schemas.microsoft.com/office/drawing/2010/main" w="9525">
+              <a14:hiddenLine xmlns:a14="http://schemas.microsoft.com/office/drawing/2010/main" xmlns="" w="9525">
                 <a:solidFill>
                   <a:srgbClr val="000000"/>
                 </a:solidFill>
@@ -9143,14 +9153,14 @@
           </a:ln>
           <a:extLst>
             <a:ext uri="{909E8E84-426E-40dd-AFC4-6F175D3DCCD1}">
-              <a14:hiddenFill xmlns="" xmlns:a14="http://schemas.microsoft.com/office/drawing/2010/main">
+              <a14:hiddenFill xmlns:a14="http://schemas.microsoft.com/office/drawing/2010/main" xmlns="">
                 <a:solidFill>
                   <a:srgbClr val="FFFFFF"/>
                 </a:solidFill>
               </a14:hiddenFill>
             </a:ext>
             <a:ext uri="{91240B29-F687-4f45-9708-019B960494DF}">
-              <a14:hiddenLine xmlns="" xmlns:a14="http://schemas.microsoft.com/office/drawing/2010/main" w="9525">
+              <a14:hiddenLine xmlns:a14="http://schemas.microsoft.com/office/drawing/2010/main" xmlns="" w="9525">
                 <a:solidFill>
                   <a:srgbClr val="000000"/>
                 </a:solidFill>
@@ -9381,14 +9391,14 @@
           </a:ln>
           <a:extLst>
             <a:ext uri="{909E8E84-426E-40dd-AFC4-6F175D3DCCD1}">
-              <a14:hiddenFill xmlns="" xmlns:a14="http://schemas.microsoft.com/office/drawing/2010/main">
+              <a14:hiddenFill xmlns:a14="http://schemas.microsoft.com/office/drawing/2010/main" xmlns="">
                 <a:solidFill>
                   <a:srgbClr val="FFFFFF"/>
                 </a:solidFill>
               </a14:hiddenFill>
             </a:ext>
             <a:ext uri="{91240B29-F687-4f45-9708-019B960494DF}">
-              <a14:hiddenLine xmlns="" xmlns:a14="http://schemas.microsoft.com/office/drawing/2010/main" w="9525">
+              <a14:hiddenLine xmlns:a14="http://schemas.microsoft.com/office/drawing/2010/main" xmlns="" w="9525">
                 <a:solidFill>
                   <a:srgbClr val="000000"/>
                 </a:solidFill>
@@ -9577,14 +9587,14 @@
           </a:ln>
           <a:extLst>
             <a:ext uri="{909E8E84-426E-40dd-AFC4-6F175D3DCCD1}">
-              <a14:hiddenFill xmlns="" xmlns:a14="http://schemas.microsoft.com/office/drawing/2010/main">
+              <a14:hiddenFill xmlns:a14="http://schemas.microsoft.com/office/drawing/2010/main" xmlns="">
                 <a:solidFill>
                   <a:srgbClr val="FFFFFF"/>
                 </a:solidFill>
               </a14:hiddenFill>
             </a:ext>
             <a:ext uri="{91240B29-F687-4f45-9708-019B960494DF}">
-              <a14:hiddenLine xmlns="" xmlns:a14="http://schemas.microsoft.com/office/drawing/2010/main" w="9525">
+              <a14:hiddenLine xmlns:a14="http://schemas.microsoft.com/office/drawing/2010/main" xmlns="" w="9525">
                 <a:solidFill>
                   <a:srgbClr val="000000"/>
                 </a:solidFill>
@@ -9773,14 +9783,14 @@
           </a:ln>
           <a:extLst>
             <a:ext uri="{909E8E84-426E-40dd-AFC4-6F175D3DCCD1}">
-              <a14:hiddenFill xmlns="" xmlns:a14="http://schemas.microsoft.com/office/drawing/2010/main">
+              <a14:hiddenFill xmlns:a14="http://schemas.microsoft.com/office/drawing/2010/main" xmlns="">
                 <a:solidFill>
                   <a:srgbClr val="FFFFFF"/>
                 </a:solidFill>
               </a14:hiddenFill>
             </a:ext>
             <a:ext uri="{91240B29-F687-4f45-9708-019B960494DF}">
-              <a14:hiddenLine xmlns="" xmlns:a14="http://schemas.microsoft.com/office/drawing/2010/main" w="9525">
+              <a14:hiddenLine xmlns:a14="http://schemas.microsoft.com/office/drawing/2010/main" xmlns="" w="9525">
                 <a:solidFill>
                   <a:srgbClr val="000000"/>
                 </a:solidFill>
@@ -9976,14 +9986,14 @@
           </a:ln>
           <a:extLst>
             <a:ext uri="{909E8E84-426E-40dd-AFC4-6F175D3DCCD1}">
-              <a14:hiddenFill xmlns="" xmlns:a14="http://schemas.microsoft.com/office/drawing/2010/main">
+              <a14:hiddenFill xmlns:a14="http://schemas.microsoft.com/office/drawing/2010/main" xmlns="">
                 <a:solidFill>
                   <a:srgbClr val="FFFFFF"/>
                 </a:solidFill>
               </a14:hiddenFill>
             </a:ext>
             <a:ext uri="{91240B29-F687-4f45-9708-019B960494DF}">
-              <a14:hiddenLine xmlns="" xmlns:a14="http://schemas.microsoft.com/office/drawing/2010/main" w="9525">
+              <a14:hiddenLine xmlns:a14="http://schemas.microsoft.com/office/drawing/2010/main" xmlns="" w="9525">
                 <a:solidFill>
                   <a:srgbClr val="000000"/>
                 </a:solidFill>
@@ -10172,14 +10182,14 @@
           </a:ln>
           <a:extLst>
             <a:ext uri="{909E8E84-426E-40dd-AFC4-6F175D3DCCD1}">
-              <a14:hiddenFill xmlns="" xmlns:a14="http://schemas.microsoft.com/office/drawing/2010/main">
+              <a14:hiddenFill xmlns:a14="http://schemas.microsoft.com/office/drawing/2010/main" xmlns="">
                 <a:solidFill>
                   <a:srgbClr val="FFFFFF"/>
                 </a:solidFill>
               </a14:hiddenFill>
             </a:ext>
             <a:ext uri="{91240B29-F687-4f45-9708-019B960494DF}">
-              <a14:hiddenLine xmlns="" xmlns:a14="http://schemas.microsoft.com/office/drawing/2010/main" w="9525">
+              <a14:hiddenLine xmlns:a14="http://schemas.microsoft.com/office/drawing/2010/main" xmlns="" w="9525">
                 <a:solidFill>
                   <a:srgbClr val="000000"/>
                 </a:solidFill>
@@ -10375,14 +10385,14 @@
           </a:ln>
           <a:extLst>
             <a:ext uri="{909E8E84-426E-40dd-AFC4-6F175D3DCCD1}">
-              <a14:hiddenFill xmlns="" xmlns:a14="http://schemas.microsoft.com/office/drawing/2010/main">
+              <a14:hiddenFill xmlns:a14="http://schemas.microsoft.com/office/drawing/2010/main" xmlns="">
                 <a:solidFill>
                   <a:srgbClr val="FFFFFF"/>
                 </a:solidFill>
               </a14:hiddenFill>
             </a:ext>
             <a:ext uri="{91240B29-F687-4f45-9708-019B960494DF}">
-              <a14:hiddenLine xmlns="" xmlns:a14="http://schemas.microsoft.com/office/drawing/2010/main" w="9525">
+              <a14:hiddenLine xmlns:a14="http://schemas.microsoft.com/office/drawing/2010/main" xmlns="" w="9525">
                 <a:solidFill>
                   <a:srgbClr val="000000"/>
                 </a:solidFill>
@@ -10578,14 +10588,14 @@
           </a:ln>
           <a:extLst>
             <a:ext uri="{909E8E84-426E-40dd-AFC4-6F175D3DCCD1}">
-              <a14:hiddenFill xmlns="" xmlns:a14="http://schemas.microsoft.com/office/drawing/2010/main">
+              <a14:hiddenFill xmlns:a14="http://schemas.microsoft.com/office/drawing/2010/main" xmlns="">
                 <a:solidFill>
                   <a:srgbClr val="FFFFFF"/>
                 </a:solidFill>
               </a14:hiddenFill>
             </a:ext>
             <a:ext uri="{91240B29-F687-4f45-9708-019B960494DF}">
-              <a14:hiddenLine xmlns="" xmlns:a14="http://schemas.microsoft.com/office/drawing/2010/main" w="9525">
+              <a14:hiddenLine xmlns:a14="http://schemas.microsoft.com/office/drawing/2010/main" xmlns="" w="9525">
                 <a:solidFill>
                   <a:srgbClr val="000000"/>
                 </a:solidFill>
@@ -11072,7 +11082,7 @@
           <a:effectLst/>
           <a:extLst>
             <a:ext uri="{909E8E84-426E-40dd-AFC4-6F175D3DCCD1}">
-              <a14:hiddenFill xmlns="" xmlns:a14="http://schemas.microsoft.com/office/drawing/2010/main">
+              <a14:hiddenFill xmlns:a14="http://schemas.microsoft.com/office/drawing/2010/main" xmlns="">
                 <a:blipFill dpi="0" rotWithShape="0">
                   <a:blip/>
                   <a:srcRect/>
@@ -11083,7 +11093,7 @@
               </a14:hiddenFill>
             </a:ext>
             <a:ext uri="{91240B29-F687-4f45-9708-019B960494DF}">
-              <a14:hiddenLine xmlns="" xmlns:a14="http://schemas.microsoft.com/office/drawing/2010/main" w="9525" cap="flat">
+              <a14:hiddenLine xmlns:a14="http://schemas.microsoft.com/office/drawing/2010/main" xmlns="" w="9525" cap="flat">
                 <a:solidFill>
                   <a:srgbClr val="3465A4"/>
                 </a:solidFill>
@@ -11093,7 +11103,7 @@
               </a14:hiddenLine>
             </a:ext>
             <a:ext uri="{AF507438-7753-43e0-B8FC-AC1667EBCBE1}">
-              <a14:hiddenEffects xmlns="" xmlns:a14="http://schemas.microsoft.com/office/drawing/2010/main">
+              <a14:hiddenEffects xmlns:a14="http://schemas.microsoft.com/office/drawing/2010/main" xmlns="">
                 <a:effectLst>
                   <a:outerShdw blurRad="63500" dist="38099" dir="2700000" algn="ctr" rotWithShape="0">
                     <a:srgbClr val="000000">
@@ -11142,7 +11152,7 @@
           <a:effectLst/>
           <a:extLst>
             <a:ext uri="{909E8E84-426E-40dd-AFC4-6F175D3DCCD1}">
-              <a14:hiddenFill xmlns="" xmlns:a14="http://schemas.microsoft.com/office/drawing/2010/main">
+              <a14:hiddenFill xmlns:a14="http://schemas.microsoft.com/office/drawing/2010/main" xmlns="">
                 <a:blipFill dpi="0" rotWithShape="0">
                   <a:blip/>
                   <a:srcRect/>
@@ -11153,7 +11163,7 @@
               </a14:hiddenFill>
             </a:ext>
             <a:ext uri="{91240B29-F687-4f45-9708-019B960494DF}">
-              <a14:hiddenLine xmlns="" xmlns:a14="http://schemas.microsoft.com/office/drawing/2010/main" w="9525" cap="flat">
+              <a14:hiddenLine xmlns:a14="http://schemas.microsoft.com/office/drawing/2010/main" xmlns="" w="9525" cap="flat">
                 <a:solidFill>
                   <a:srgbClr val="3465A4"/>
                 </a:solidFill>
@@ -11163,7 +11173,7 @@
               </a14:hiddenLine>
             </a:ext>
             <a:ext uri="{AF507438-7753-43e0-B8FC-AC1667EBCBE1}">
-              <a14:hiddenEffects xmlns="" xmlns:a14="http://schemas.microsoft.com/office/drawing/2010/main">
+              <a14:hiddenEffects xmlns:a14="http://schemas.microsoft.com/office/drawing/2010/main" xmlns="">
                 <a:effectLst>
                   <a:outerShdw blurRad="63500" dist="38099" dir="2700000" algn="ctr" rotWithShape="0">
                     <a:srgbClr val="000000">
@@ -11204,12 +11214,12 @@
           <a:effectLst/>
           <a:extLst>
             <a:ext uri="{909E8E84-426E-40dd-AFC4-6F175D3DCCD1}">
-              <a14:hiddenFill xmlns="" xmlns:a14="http://schemas.microsoft.com/office/drawing/2010/main">
+              <a14:hiddenFill xmlns:a14="http://schemas.microsoft.com/office/drawing/2010/main" xmlns="">
                 <a:noFill/>
               </a14:hiddenFill>
             </a:ext>
             <a:ext uri="{AF507438-7753-43e0-B8FC-AC1667EBCBE1}">
-              <a14:hiddenEffects xmlns="" xmlns:a14="http://schemas.microsoft.com/office/drawing/2010/main">
+              <a14:hiddenEffects xmlns:a14="http://schemas.microsoft.com/office/drawing/2010/main" xmlns="">
                 <a:effectLst>
                   <a:outerShdw blurRad="63500" dist="38099" dir="2700000" algn="ctr" rotWithShape="0">
                     <a:srgbClr val="000000">
@@ -11252,14 +11262,14 @@
           <a:effectLst/>
           <a:extLst>
             <a:ext uri="{909E8E84-426E-40dd-AFC4-6F175D3DCCD1}">
-              <a14:hiddenFill xmlns="" xmlns:a14="http://schemas.microsoft.com/office/drawing/2010/main">
+              <a14:hiddenFill xmlns:a14="http://schemas.microsoft.com/office/drawing/2010/main" xmlns="">
                 <a:solidFill>
                   <a:srgbClr val="FFFFFF"/>
                 </a:solidFill>
               </a14:hiddenFill>
             </a:ext>
             <a:ext uri="{91240B29-F687-4f45-9708-019B960494DF}">
-              <a14:hiddenLine xmlns="" xmlns:a14="http://schemas.microsoft.com/office/drawing/2010/main" w="9525" cap="flat">
+              <a14:hiddenLine xmlns:a14="http://schemas.microsoft.com/office/drawing/2010/main" xmlns="" w="9525" cap="flat">
                 <a:solidFill>
                   <a:srgbClr val="000000"/>
                 </a:solidFill>
@@ -11269,7 +11279,7 @@
               </a14:hiddenLine>
             </a:ext>
             <a:ext uri="{AF507438-7753-43e0-B8FC-AC1667EBCBE1}">
-              <a14:hiddenEffects xmlns="" xmlns:a14="http://schemas.microsoft.com/office/drawing/2010/main">
+              <a14:hiddenEffects xmlns:a14="http://schemas.microsoft.com/office/drawing/2010/main" xmlns="">
                 <a:effectLst>
                   <a:outerShdw blurRad="63500" dist="38099" dir="2700000" algn="ctr" rotWithShape="0">
                     <a:srgbClr val="000000">
@@ -11585,7 +11595,7 @@
           <a:effectLst/>
           <a:extLst>
             <a:ext uri="{909E8E84-426E-40dd-AFC4-6F175D3DCCD1}">
-              <a14:hiddenFill xmlns="" xmlns:a14="http://schemas.microsoft.com/office/drawing/2010/main">
+              <a14:hiddenFill xmlns:a14="http://schemas.microsoft.com/office/drawing/2010/main" xmlns="">
                 <a:blipFill dpi="0" rotWithShape="0">
                   <a:blip/>
                   <a:srcRect/>
@@ -11596,7 +11606,7 @@
               </a14:hiddenFill>
             </a:ext>
             <a:ext uri="{91240B29-F687-4f45-9708-019B960494DF}">
-              <a14:hiddenLine xmlns="" xmlns:a14="http://schemas.microsoft.com/office/drawing/2010/main" w="9525" cap="flat">
+              <a14:hiddenLine xmlns:a14="http://schemas.microsoft.com/office/drawing/2010/main" xmlns="" w="9525" cap="flat">
                 <a:solidFill>
                   <a:srgbClr val="3465A4"/>
                 </a:solidFill>
@@ -11606,7 +11616,7 @@
               </a14:hiddenLine>
             </a:ext>
             <a:ext uri="{AF507438-7753-43e0-B8FC-AC1667EBCBE1}">
-              <a14:hiddenEffects xmlns="" xmlns:a14="http://schemas.microsoft.com/office/drawing/2010/main">
+              <a14:hiddenEffects xmlns:a14="http://schemas.microsoft.com/office/drawing/2010/main" xmlns="">
                 <a:effectLst>
                   <a:outerShdw blurRad="63500" dist="38099" dir="2700000" algn="ctr" rotWithShape="0">
                     <a:srgbClr val="000000">
@@ -11655,7 +11665,7 @@
           <a:effectLst/>
           <a:extLst>
             <a:ext uri="{909E8E84-426E-40dd-AFC4-6F175D3DCCD1}">
-              <a14:hiddenFill xmlns="" xmlns:a14="http://schemas.microsoft.com/office/drawing/2010/main">
+              <a14:hiddenFill xmlns:a14="http://schemas.microsoft.com/office/drawing/2010/main" xmlns="">
                 <a:blipFill dpi="0" rotWithShape="0">
                   <a:blip/>
                   <a:srcRect/>
@@ -11666,7 +11676,7 @@
               </a14:hiddenFill>
             </a:ext>
             <a:ext uri="{91240B29-F687-4f45-9708-019B960494DF}">
-              <a14:hiddenLine xmlns="" xmlns:a14="http://schemas.microsoft.com/office/drawing/2010/main" w="9525" cap="flat">
+              <a14:hiddenLine xmlns:a14="http://schemas.microsoft.com/office/drawing/2010/main" xmlns="" w="9525" cap="flat">
                 <a:solidFill>
                   <a:srgbClr val="3465A4"/>
                 </a:solidFill>
@@ -11676,7 +11686,7 @@
               </a14:hiddenLine>
             </a:ext>
             <a:ext uri="{AF507438-7753-43e0-B8FC-AC1667EBCBE1}">
-              <a14:hiddenEffects xmlns="" xmlns:a14="http://schemas.microsoft.com/office/drawing/2010/main">
+              <a14:hiddenEffects xmlns:a14="http://schemas.microsoft.com/office/drawing/2010/main" xmlns="">
                 <a:effectLst>
                   <a:outerShdw blurRad="63500" dist="38099" dir="2700000" algn="ctr" rotWithShape="0">
                     <a:srgbClr val="000000">
@@ -11712,14 +11722,14 @@
           <a:effectLst/>
           <a:extLst>
             <a:ext uri="{909E8E84-426E-40dd-AFC4-6F175D3DCCD1}">
-              <a14:hiddenFill xmlns="" xmlns:a14="http://schemas.microsoft.com/office/drawing/2010/main">
+              <a14:hiddenFill xmlns:a14="http://schemas.microsoft.com/office/drawing/2010/main" xmlns="">
                 <a:solidFill>
                   <a:srgbClr val="FFFFFF"/>
                 </a:solidFill>
               </a14:hiddenFill>
             </a:ext>
             <a:ext uri="{91240B29-F687-4f45-9708-019B960494DF}">
-              <a14:hiddenLine xmlns="" xmlns:a14="http://schemas.microsoft.com/office/drawing/2010/main" w="9525" cap="flat">
+              <a14:hiddenLine xmlns:a14="http://schemas.microsoft.com/office/drawing/2010/main" xmlns="" w="9525" cap="flat">
                 <a:solidFill>
                   <a:srgbClr val="000000"/>
                 </a:solidFill>
@@ -11729,7 +11739,7 @@
               </a14:hiddenLine>
             </a:ext>
             <a:ext uri="{AF507438-7753-43e0-B8FC-AC1667EBCBE1}">
-              <a14:hiddenEffects xmlns="" xmlns:a14="http://schemas.microsoft.com/office/drawing/2010/main">
+              <a14:hiddenEffects xmlns:a14="http://schemas.microsoft.com/office/drawing/2010/main" xmlns="">
                 <a:effectLst>
                   <a:outerShdw blurRad="63500" dist="38099" dir="2700000" algn="ctr" rotWithShape="0">
                     <a:srgbClr val="000000">
@@ -12051,14 +12061,14 @@
           <a:effectLst/>
           <a:extLst>
             <a:ext uri="{909E8E84-426E-40dd-AFC4-6F175D3DCCD1}">
-              <a14:hiddenFill xmlns="" xmlns:a14="http://schemas.microsoft.com/office/drawing/2010/main">
+              <a14:hiddenFill xmlns:a14="http://schemas.microsoft.com/office/drawing/2010/main" xmlns="">
                 <a:solidFill>
                   <a:srgbClr val="FFFFFF"/>
                 </a:solidFill>
               </a14:hiddenFill>
             </a:ext>
             <a:ext uri="{91240B29-F687-4f45-9708-019B960494DF}">
-              <a14:hiddenLine xmlns="" xmlns:a14="http://schemas.microsoft.com/office/drawing/2010/main" w="9525" cap="flat">
+              <a14:hiddenLine xmlns:a14="http://schemas.microsoft.com/office/drawing/2010/main" xmlns="" w="9525" cap="flat">
                 <a:solidFill>
                   <a:srgbClr val="000000"/>
                 </a:solidFill>
@@ -12068,7 +12078,7 @@
               </a14:hiddenLine>
             </a:ext>
             <a:ext uri="{AF507438-7753-43e0-B8FC-AC1667EBCBE1}">
-              <a14:hiddenEffects xmlns="" xmlns:a14="http://schemas.microsoft.com/office/drawing/2010/main">
+              <a14:hiddenEffects xmlns:a14="http://schemas.microsoft.com/office/drawing/2010/main" xmlns="">
                 <a:effectLst>
                   <a:outerShdw blurRad="63500" dist="38099" dir="2700000" algn="ctr" rotWithShape="0">
                     <a:srgbClr val="000000">
@@ -12510,7 +12520,7 @@
           <a:effectLst/>
           <a:extLst>
             <a:ext uri="{909E8E84-426E-40dd-AFC4-6F175D3DCCD1}">
-              <a14:hiddenFill xmlns:a14="http://schemas.microsoft.com/office/drawing/2010/main" xmlns="">
+              <a14:hiddenFill xmlns="" xmlns:a14="http://schemas.microsoft.com/office/drawing/2010/main">
                 <a:blipFill dpi="0" rotWithShape="0">
                   <a:blip/>
                   <a:srcRect/>
@@ -12521,7 +12531,7 @@
               </a14:hiddenFill>
             </a:ext>
             <a:ext uri="{91240B29-F687-4f45-9708-019B960494DF}">
-              <a14:hiddenLine xmlns:a14="http://schemas.microsoft.com/office/drawing/2010/main" xmlns="" w="9525" cap="flat">
+              <a14:hiddenLine xmlns="" xmlns:a14="http://schemas.microsoft.com/office/drawing/2010/main" w="9525" cap="flat">
                 <a:solidFill>
                   <a:srgbClr val="3465A4"/>
                 </a:solidFill>
@@ -12531,7 +12541,7 @@
               </a14:hiddenLine>
             </a:ext>
             <a:ext uri="{AF507438-7753-43e0-B8FC-AC1667EBCBE1}">
-              <a14:hiddenEffects xmlns:a14="http://schemas.microsoft.com/office/drawing/2010/main" xmlns="">
+              <a14:hiddenEffects xmlns="" xmlns:a14="http://schemas.microsoft.com/office/drawing/2010/main">
                 <a:effectLst>
                   <a:outerShdw blurRad="63500" dist="38099" dir="2700000" algn="ctr" rotWithShape="0">
                     <a:srgbClr val="000000">
@@ -12862,7 +12872,7 @@
           <a:effectLst/>
           <a:extLst>
             <a:ext uri="{909E8E84-426E-40dd-AFC4-6F175D3DCCD1}">
-              <a14:hiddenFill xmlns:a14="http://schemas.microsoft.com/office/drawing/2010/main" xmlns="">
+              <a14:hiddenFill xmlns="" xmlns:a14="http://schemas.microsoft.com/office/drawing/2010/main">
                 <a:blipFill dpi="0" rotWithShape="0">
                   <a:blip/>
                   <a:srcRect/>
@@ -12873,7 +12883,7 @@
               </a14:hiddenFill>
             </a:ext>
             <a:ext uri="{91240B29-F687-4f45-9708-019B960494DF}">
-              <a14:hiddenLine xmlns:a14="http://schemas.microsoft.com/office/drawing/2010/main" xmlns="" w="9525" cap="flat">
+              <a14:hiddenLine xmlns="" xmlns:a14="http://schemas.microsoft.com/office/drawing/2010/main" w="9525" cap="flat">
                 <a:solidFill>
                   <a:srgbClr val="3465A4"/>
                 </a:solidFill>
@@ -12883,7 +12893,7 @@
               </a14:hiddenLine>
             </a:ext>
             <a:ext uri="{AF507438-7753-43e0-B8FC-AC1667EBCBE1}">
-              <a14:hiddenEffects xmlns:a14="http://schemas.microsoft.com/office/drawing/2010/main" xmlns="">
+              <a14:hiddenEffects xmlns="" xmlns:a14="http://schemas.microsoft.com/office/drawing/2010/main">
                 <a:effectLst>
                   <a:outerShdw blurRad="63500" dist="38099" dir="2700000" algn="ctr" rotWithShape="0">
                     <a:srgbClr val="000000">
@@ -12925,14 +12935,14 @@
           <a:effectLst/>
           <a:extLst>
             <a:ext uri="{909E8E84-426E-40dd-AFC4-6F175D3DCCD1}">
-              <a14:hiddenFill xmlns:a14="http://schemas.microsoft.com/office/drawing/2010/main" xmlns="">
+              <a14:hiddenFill xmlns="" xmlns:a14="http://schemas.microsoft.com/office/drawing/2010/main">
                 <a:solidFill>
                   <a:srgbClr val="FFFFFF"/>
                 </a:solidFill>
               </a14:hiddenFill>
             </a:ext>
             <a:ext uri="{91240B29-F687-4f45-9708-019B960494DF}">
-              <a14:hiddenLine xmlns:a14="http://schemas.microsoft.com/office/drawing/2010/main" xmlns="" w="9525" cap="flat">
+              <a14:hiddenLine xmlns="" xmlns:a14="http://schemas.microsoft.com/office/drawing/2010/main" w="9525" cap="flat">
                 <a:solidFill>
                   <a:srgbClr val="3465A4"/>
                 </a:solidFill>
@@ -12942,7 +12952,7 @@
               </a14:hiddenLine>
             </a:ext>
             <a:ext uri="{AF507438-7753-43e0-B8FC-AC1667EBCBE1}">
-              <a14:hiddenEffects xmlns:a14="http://schemas.microsoft.com/office/drawing/2010/main" xmlns="">
+              <a14:hiddenEffects xmlns="" xmlns:a14="http://schemas.microsoft.com/office/drawing/2010/main">
                 <a:effectLst>
                   <a:outerShdw blurRad="63500" dist="38099" dir="2700000" algn="ctr" rotWithShape="0">
                     <a:srgbClr val="000000">

--- a/assets/lectures/cshl/2019/mini/RNASeq_MiniLecture_02_04_alignmentQC.pptx
+++ b/assets/lectures/cshl/2019/mini/RNASeq_MiniLecture_02_04_alignmentQC.pptx
@@ -4099,7 +4099,7 @@
                 <a:latin typeface="Calibri" charset="0"/>
                 <a:cs typeface="Calibri" charset="0"/>
               </a:rPr>
-              <a:t>Module 3 </a:t>
+              <a:t>Module 2 </a:t>
             </a:r>
           </a:p>
         </p:txBody>

--- a/assets/lectures/cshl/2019/mini/RNASeq_MiniLecture_02_04_alignmentQC.pptx
+++ b/assets/lectures/cshl/2019/mini/RNASeq_MiniLecture_02_04_alignmentQC.pptx
@@ -210,7 +210,7 @@
           <a:p>
             <a:fld id="{6AEFB71E-F1C4-D746-9C58-AFA29060B4FF}" type="datetimeFigureOut">
               <a:rPr lang="en-US" smtClean="0"/>
-              <a:t>11/9/19</a:t>
+              <a:t>11/10/19</a:t>
             </a:fld>
             <a:endParaRPr lang="en-US"/>
           </a:p>
@@ -516,14 +516,14 @@
           </a:ln>
           <a:extLst>
             <a:ext uri="{909E8E84-426E-40dd-AFC4-6F175D3DCCD1}">
-              <a14:hiddenFill xmlns:a14="http://schemas.microsoft.com/office/drawing/2010/main" xmlns="">
+              <a14:hiddenFill xmlns="" xmlns:a14="http://schemas.microsoft.com/office/drawing/2010/main">
                 <a:solidFill>
                   <a:srgbClr val="FFFFFF"/>
                 </a:solidFill>
               </a14:hiddenFill>
             </a:ext>
             <a:ext uri="{FAA26D3D-D897-4be2-8F04-BA451C77F1D7}">
-              <ma14:placeholderFlag xmlns:ma14="http://schemas.microsoft.com/office/mac/drawingml/2011/main" xmlns="" val="1"/>
+              <ma14:placeholderFlag xmlns="" xmlns:ma14="http://schemas.microsoft.com/office/mac/drawingml/2011/main" val="1"/>
             </a:ext>
           </a:extLst>
         </p:spPr>
@@ -542,14 +542,14 @@
           <a:noFill/>
           <a:extLst>
             <a:ext uri="{909E8E84-426E-40dd-AFC4-6F175D3DCCD1}">
-              <a14:hiddenFill xmlns:a14="http://schemas.microsoft.com/office/drawing/2010/main" xmlns="">
+              <a14:hiddenFill xmlns="" xmlns:a14="http://schemas.microsoft.com/office/drawing/2010/main">
                 <a:solidFill>
                   <a:srgbClr val="FFFFFF"/>
                 </a:solidFill>
               </a14:hiddenFill>
             </a:ext>
             <a:ext uri="{91240B29-F687-4f45-9708-019B960494DF}">
-              <a14:hiddenLine xmlns:a14="http://schemas.microsoft.com/office/drawing/2010/main" xmlns="" w="9525">
+              <a14:hiddenLine xmlns="" xmlns:a14="http://schemas.microsoft.com/office/drawing/2010/main" w="9525">
                 <a:solidFill>
                   <a:srgbClr val="000000"/>
                 </a:solidFill>
@@ -559,7 +559,7 @@
               </a14:hiddenLine>
             </a:ext>
             <a:ext uri="{FAA26D3D-D897-4be2-8F04-BA451C77F1D7}">
-              <ma14:placeholderFlag xmlns:ma14="http://schemas.microsoft.com/office/mac/drawingml/2011/main" xmlns="" val="1"/>
+              <ma14:placeholderFlag xmlns="" xmlns:ma14="http://schemas.microsoft.com/office/mac/drawingml/2011/main" val="1"/>
             </a:ext>
           </a:extLst>
         </p:spPr>
@@ -593,14 +593,14 @@
           <a:noFill/>
           <a:extLst>
             <a:ext uri="{909E8E84-426E-40dd-AFC4-6F175D3DCCD1}">
-              <a14:hiddenFill xmlns:a14="http://schemas.microsoft.com/office/drawing/2010/main" xmlns="">
+              <a14:hiddenFill xmlns="" xmlns:a14="http://schemas.microsoft.com/office/drawing/2010/main">
                 <a:solidFill>
                   <a:srgbClr val="FFFFFF"/>
                 </a:solidFill>
               </a14:hiddenFill>
             </a:ext>
             <a:ext uri="{91240B29-F687-4f45-9708-019B960494DF}">
-              <a14:hiddenLine xmlns:a14="http://schemas.microsoft.com/office/drawing/2010/main" xmlns="" w="9525">
+              <a14:hiddenLine xmlns="" xmlns:a14="http://schemas.microsoft.com/office/drawing/2010/main" w="9525">
                 <a:solidFill>
                   <a:srgbClr val="000000"/>
                 </a:solidFill>
@@ -1016,10 +1016,10 @@
       </p:sp>
       <p:pic>
         <p:nvPicPr>
-          <p:cNvPr id="8" name="Picture 7" descr="bioinformatics.ca-logo-white-text.png">
+          <p:cNvPr id="9" name="Picture 8" descr="cshl_logo_alternate rgb.png">
             <a:extLst>
               <a:ext uri="{FF2B5EF4-FFF2-40B4-BE49-F238E27FC236}">
-                <a16:creationId xmlns:a16="http://schemas.microsoft.com/office/drawing/2014/main" id="{9874B523-0CD5-BC4D-B685-3BCCBF624BF4}"/>
+                <a16:creationId xmlns:a16="http://schemas.microsoft.com/office/drawing/2014/main" id="{A08A5446-9F1B-BB4D-A15B-30A3DEDFB533}"/>
               </a:ext>
             </a:extLst>
           </p:cNvPr>
@@ -1043,8 +1043,8 @@
         </p:blipFill>
         <p:spPr bwMode="auto">
           <a:xfrm>
-            <a:off x="76200" y="1656599"/>
-            <a:ext cx="1729740" cy="727826"/>
+            <a:off x="300038" y="381000"/>
+            <a:ext cx="3509962" cy="1676400"/>
           </a:xfrm>
           <a:prstGeom prst="rect">
             <a:avLst/>
@@ -1402,350 +1402,6 @@
           <a:chExt cx="0" cy="0"/>
         </a:xfrm>
       </p:grpSpPr>
-      <p:sp>
-        <p:nvSpPr>
-          <p:cNvPr id="4" name="Rectangle 3"/>
-          <p:cNvSpPr/>
-          <p:nvPr userDrawn="1"/>
-        </p:nvSpPr>
-        <p:spPr>
-          <a:xfrm>
-            <a:off x="0" y="6400800"/>
-            <a:ext cx="12192000" cy="457200"/>
-          </a:xfrm>
-          <a:prstGeom prst="rect">
-            <a:avLst/>
-          </a:prstGeom>
-          <a:solidFill>
-            <a:srgbClr val="CA0000"/>
-          </a:solidFill>
-          <a:ln>
-            <a:noFill/>
-          </a:ln>
-        </p:spPr>
-        <p:style>
-          <a:lnRef idx="2">
-            <a:schemeClr val="accent1">
-              <a:shade val="50000"/>
-            </a:schemeClr>
-          </a:lnRef>
-          <a:fillRef idx="1">
-            <a:schemeClr val="accent1"/>
-          </a:fillRef>
-          <a:effectRef idx="0">
-            <a:schemeClr val="accent1"/>
-          </a:effectRef>
-          <a:fontRef idx="minor">
-            <a:schemeClr val="lt1"/>
-          </a:fontRef>
-        </p:style>
-        <p:txBody>
-          <a:bodyPr anchor="ctr"/>
-          <a:lstStyle/>
-          <a:p>
-            <a:pPr algn="ctr">
-              <a:defRPr/>
-            </a:pPr>
-            <a:endParaRPr lang="en-US" sz="1800">
-              <a:solidFill>
-                <a:srgbClr val="FFFFFF"/>
-              </a:solidFill>
-              <a:latin typeface="Segoe UI" charset="0"/>
-              <a:ea typeface="ＭＳ Ｐゴシック" charset="0"/>
-              <a:cs typeface="ＭＳ Ｐゴシック" charset="0"/>
-            </a:endParaRPr>
-          </a:p>
-        </p:txBody>
-      </p:sp>
-      <p:sp>
-        <p:nvSpPr>
-          <p:cNvPr id="5" name="TextBox 4"/>
-          <p:cNvSpPr txBox="1"/>
-          <p:nvPr userDrawn="1"/>
-        </p:nvSpPr>
-        <p:spPr>
-          <a:xfrm>
-            <a:off x="101600" y="6429375"/>
-            <a:ext cx="8940800" cy="400050"/>
-          </a:xfrm>
-          <a:prstGeom prst="rect">
-            <a:avLst/>
-          </a:prstGeom>
-          <a:noFill/>
-        </p:spPr>
-        <p:txBody>
-          <a:bodyPr>
-            <a:spAutoFit/>
-          </a:bodyPr>
-          <a:lstStyle>
-            <a:lvl1pPr eaLnBrk="0" hangingPunct="0">
-              <a:defRPr sz="2400">
-                <a:solidFill>
-                  <a:schemeClr val="tx1"/>
-                </a:solidFill>
-                <a:latin typeface="Arial" charset="0"/>
-                <a:ea typeface="ＭＳ Ｐゴシック" charset="0"/>
-                <a:cs typeface="ＭＳ Ｐゴシック" charset="0"/>
-              </a:defRPr>
-            </a:lvl1pPr>
-            <a:lvl2pPr marL="37931725" indent="-37474525" eaLnBrk="0" hangingPunct="0">
-              <a:defRPr sz="2400">
-                <a:solidFill>
-                  <a:schemeClr val="tx1"/>
-                </a:solidFill>
-                <a:latin typeface="Arial" charset="0"/>
-                <a:ea typeface="ＭＳ Ｐゴシック" charset="0"/>
-              </a:defRPr>
-            </a:lvl2pPr>
-            <a:lvl3pPr eaLnBrk="0" hangingPunct="0">
-              <a:defRPr sz="2400">
-                <a:solidFill>
-                  <a:schemeClr val="tx1"/>
-                </a:solidFill>
-                <a:latin typeface="Arial" charset="0"/>
-                <a:ea typeface="ＭＳ Ｐゴシック" charset="0"/>
-              </a:defRPr>
-            </a:lvl3pPr>
-            <a:lvl4pPr eaLnBrk="0" hangingPunct="0">
-              <a:defRPr sz="2400">
-                <a:solidFill>
-                  <a:schemeClr val="tx1"/>
-                </a:solidFill>
-                <a:latin typeface="Arial" charset="0"/>
-                <a:ea typeface="ＭＳ Ｐゴシック" charset="0"/>
-              </a:defRPr>
-            </a:lvl4pPr>
-            <a:lvl5pPr eaLnBrk="0" hangingPunct="0">
-              <a:defRPr sz="2400">
-                <a:solidFill>
-                  <a:schemeClr val="tx1"/>
-                </a:solidFill>
-                <a:latin typeface="Arial" charset="0"/>
-                <a:ea typeface="ＭＳ Ｐゴシック" charset="0"/>
-              </a:defRPr>
-            </a:lvl5pPr>
-            <a:lvl6pPr marL="457200" eaLnBrk="0" fontAlgn="base" hangingPunct="0">
-              <a:spcBef>
-                <a:spcPct val="0"/>
-              </a:spcBef>
-              <a:spcAft>
-                <a:spcPct val="0"/>
-              </a:spcAft>
-              <a:defRPr sz="2400">
-                <a:solidFill>
-                  <a:schemeClr val="tx1"/>
-                </a:solidFill>
-                <a:latin typeface="Arial" charset="0"/>
-                <a:ea typeface="ＭＳ Ｐゴシック" charset="0"/>
-              </a:defRPr>
-            </a:lvl6pPr>
-            <a:lvl7pPr marL="914400" eaLnBrk="0" fontAlgn="base" hangingPunct="0">
-              <a:spcBef>
-                <a:spcPct val="0"/>
-              </a:spcBef>
-              <a:spcAft>
-                <a:spcPct val="0"/>
-              </a:spcAft>
-              <a:defRPr sz="2400">
-                <a:solidFill>
-                  <a:schemeClr val="tx1"/>
-                </a:solidFill>
-                <a:latin typeface="Arial" charset="0"/>
-                <a:ea typeface="ＭＳ Ｐゴシック" charset="0"/>
-              </a:defRPr>
-            </a:lvl7pPr>
-            <a:lvl8pPr marL="1371600" eaLnBrk="0" fontAlgn="base" hangingPunct="0">
-              <a:spcBef>
-                <a:spcPct val="0"/>
-              </a:spcBef>
-              <a:spcAft>
-                <a:spcPct val="0"/>
-              </a:spcAft>
-              <a:defRPr sz="2400">
-                <a:solidFill>
-                  <a:schemeClr val="tx1"/>
-                </a:solidFill>
-                <a:latin typeface="Arial" charset="0"/>
-                <a:ea typeface="ＭＳ Ｐゴシック" charset="0"/>
-              </a:defRPr>
-            </a:lvl8pPr>
-            <a:lvl9pPr marL="1828800" eaLnBrk="0" fontAlgn="base" hangingPunct="0">
-              <a:spcBef>
-                <a:spcPct val="0"/>
-              </a:spcBef>
-              <a:spcAft>
-                <a:spcPct val="0"/>
-              </a:spcAft>
-              <a:defRPr sz="2400">
-                <a:solidFill>
-                  <a:schemeClr val="tx1"/>
-                </a:solidFill>
-                <a:latin typeface="Arial" charset="0"/>
-                <a:ea typeface="ＭＳ Ｐゴシック" charset="0"/>
-              </a:defRPr>
-            </a:lvl9pPr>
-          </a:lstStyle>
-          <a:p>
-            <a:pPr eaLnBrk="1" hangingPunct="1">
-              <a:defRPr/>
-            </a:pPr>
-            <a:r>
-              <a:rPr lang="en-US" sz="2000" b="1">
-                <a:solidFill>
-                  <a:schemeClr val="bg1"/>
-                </a:solidFill>
-                <a:latin typeface="Calibri" charset="0"/>
-                <a:cs typeface="Calibri" charset="0"/>
-              </a:rPr>
-              <a:t>RNA sequencing and analysis</a:t>
-            </a:r>
-          </a:p>
-        </p:txBody>
-      </p:sp>
-      <p:sp>
-        <p:nvSpPr>
-          <p:cNvPr id="6" name="TextBox 5"/>
-          <p:cNvSpPr txBox="1"/>
-          <p:nvPr userDrawn="1"/>
-        </p:nvSpPr>
-        <p:spPr>
-          <a:xfrm>
-            <a:off x="8229600" y="6477000"/>
-            <a:ext cx="3860800" cy="338138"/>
-          </a:xfrm>
-          <a:prstGeom prst="rect">
-            <a:avLst/>
-          </a:prstGeom>
-          <a:noFill/>
-        </p:spPr>
-        <p:txBody>
-          <a:bodyPr>
-            <a:spAutoFit/>
-          </a:bodyPr>
-          <a:lstStyle>
-            <a:lvl1pPr eaLnBrk="0" hangingPunct="0">
-              <a:defRPr sz="2400">
-                <a:solidFill>
-                  <a:schemeClr val="tx1"/>
-                </a:solidFill>
-                <a:latin typeface="Arial" charset="0"/>
-                <a:ea typeface="ＭＳ Ｐゴシック" charset="0"/>
-                <a:cs typeface="ＭＳ Ｐゴシック" charset="0"/>
-              </a:defRPr>
-            </a:lvl1pPr>
-            <a:lvl2pPr marL="37931725" indent="-37474525" eaLnBrk="0" hangingPunct="0">
-              <a:defRPr sz="2400">
-                <a:solidFill>
-                  <a:schemeClr val="tx1"/>
-                </a:solidFill>
-                <a:latin typeface="Arial" charset="0"/>
-                <a:ea typeface="ＭＳ Ｐゴシック" charset="0"/>
-              </a:defRPr>
-            </a:lvl2pPr>
-            <a:lvl3pPr eaLnBrk="0" hangingPunct="0">
-              <a:defRPr sz="2400">
-                <a:solidFill>
-                  <a:schemeClr val="tx1"/>
-                </a:solidFill>
-                <a:latin typeface="Arial" charset="0"/>
-                <a:ea typeface="ＭＳ Ｐゴシック" charset="0"/>
-              </a:defRPr>
-            </a:lvl3pPr>
-            <a:lvl4pPr eaLnBrk="0" hangingPunct="0">
-              <a:defRPr sz="2400">
-                <a:solidFill>
-                  <a:schemeClr val="tx1"/>
-                </a:solidFill>
-                <a:latin typeface="Arial" charset="0"/>
-                <a:ea typeface="ＭＳ Ｐゴシック" charset="0"/>
-              </a:defRPr>
-            </a:lvl4pPr>
-            <a:lvl5pPr eaLnBrk="0" hangingPunct="0">
-              <a:defRPr sz="2400">
-                <a:solidFill>
-                  <a:schemeClr val="tx1"/>
-                </a:solidFill>
-                <a:latin typeface="Arial" charset="0"/>
-                <a:ea typeface="ＭＳ Ｐゴシック" charset="0"/>
-              </a:defRPr>
-            </a:lvl5pPr>
-            <a:lvl6pPr marL="457200" eaLnBrk="0" fontAlgn="base" hangingPunct="0">
-              <a:spcBef>
-                <a:spcPct val="0"/>
-              </a:spcBef>
-              <a:spcAft>
-                <a:spcPct val="0"/>
-              </a:spcAft>
-              <a:defRPr sz="2400">
-                <a:solidFill>
-                  <a:schemeClr val="tx1"/>
-                </a:solidFill>
-                <a:latin typeface="Arial" charset="0"/>
-                <a:ea typeface="ＭＳ Ｐゴシック" charset="0"/>
-              </a:defRPr>
-            </a:lvl6pPr>
-            <a:lvl7pPr marL="914400" eaLnBrk="0" fontAlgn="base" hangingPunct="0">
-              <a:spcBef>
-                <a:spcPct val="0"/>
-              </a:spcBef>
-              <a:spcAft>
-                <a:spcPct val="0"/>
-              </a:spcAft>
-              <a:defRPr sz="2400">
-                <a:solidFill>
-                  <a:schemeClr val="tx1"/>
-                </a:solidFill>
-                <a:latin typeface="Arial" charset="0"/>
-                <a:ea typeface="ＭＳ Ｐゴシック" charset="0"/>
-              </a:defRPr>
-            </a:lvl7pPr>
-            <a:lvl8pPr marL="1371600" eaLnBrk="0" fontAlgn="base" hangingPunct="0">
-              <a:spcBef>
-                <a:spcPct val="0"/>
-              </a:spcBef>
-              <a:spcAft>
-                <a:spcPct val="0"/>
-              </a:spcAft>
-              <a:defRPr sz="2400">
-                <a:solidFill>
-                  <a:schemeClr val="tx1"/>
-                </a:solidFill>
-                <a:latin typeface="Arial" charset="0"/>
-                <a:ea typeface="ＭＳ Ｐゴシック" charset="0"/>
-              </a:defRPr>
-            </a:lvl8pPr>
-            <a:lvl9pPr marL="1828800" eaLnBrk="0" fontAlgn="base" hangingPunct="0">
-              <a:spcBef>
-                <a:spcPct val="0"/>
-              </a:spcBef>
-              <a:spcAft>
-                <a:spcPct val="0"/>
-              </a:spcAft>
-              <a:defRPr sz="2400">
-                <a:solidFill>
-                  <a:schemeClr val="tx1"/>
-                </a:solidFill>
-                <a:latin typeface="Arial" charset="0"/>
-                <a:ea typeface="ＭＳ Ｐゴシック" charset="0"/>
-              </a:defRPr>
-            </a:lvl9pPr>
-          </a:lstStyle>
-          <a:p>
-            <a:pPr algn="r" eaLnBrk="1" hangingPunct="1">
-              <a:defRPr/>
-            </a:pPr>
-            <a:r>
-              <a:rPr lang="en-US" sz="1600" b="1">
-                <a:cs typeface="Arial" charset="0"/>
-              </a:rPr>
-              <a:t>http://meetings.cshl.edu/</a:t>
-            </a:r>
-            <a:endParaRPr lang="en-US" sz="1600">
-              <a:cs typeface="Arial" charset="0"/>
-            </a:endParaRPr>
-          </a:p>
-        </p:txBody>
-      </p:sp>
       <p:sp>
         <p:nvSpPr>
           <p:cNvPr id="3" name="Content Placeholder 2"/>
@@ -1920,7 +1576,13 @@
       </p:sp>
       <p:pic>
         <p:nvPicPr>
-          <p:cNvPr id="3" name="Picture 7" descr="cshl_logo_alternate rgb.png"/>
+          <p:cNvPr id="4" name="Picture 3" descr="cshl_logo_alternate rgb.png">
+            <a:extLst>
+              <a:ext uri="{FF2B5EF4-FFF2-40B4-BE49-F238E27FC236}">
+                <a16:creationId xmlns:a16="http://schemas.microsoft.com/office/drawing/2014/main" id="{381055F1-A0AB-1D4F-ADD6-ACB93FA4F0E1}"/>
+              </a:ext>
+            </a:extLst>
+          </p:cNvPr>
           <p:cNvPicPr>
             <a:picLocks noChangeAspect="1"/>
           </p:cNvPicPr>
@@ -1941,8 +1603,8 @@
         </p:blipFill>
         <p:spPr bwMode="auto">
           <a:xfrm>
-            <a:off x="400052" y="381000"/>
-            <a:ext cx="4679949" cy="1676400"/>
+            <a:off x="300038" y="381000"/>
+            <a:ext cx="3509962" cy="1676400"/>
           </a:xfrm>
           <a:prstGeom prst="rect">
             <a:avLst/>
@@ -1953,14 +1615,14 @@
           </a:ln>
           <a:extLst>
             <a:ext uri="{909E8E84-426E-40dd-AFC4-6F175D3DCCD1}">
-              <a14:hiddenFill xmlns="" xmlns:a14="http://schemas.microsoft.com/office/drawing/2010/main">
+              <a14:hiddenFill xmlns:a14="http://schemas.microsoft.com/office/drawing/2010/main" xmlns="">
                 <a:solidFill>
                   <a:srgbClr val="FFFFFF"/>
                 </a:solidFill>
               </a14:hiddenFill>
             </a:ext>
             <a:ext uri="{91240B29-F687-4f45-9708-019B960494DF}">
-              <a14:hiddenLine xmlns="" xmlns:a14="http://schemas.microsoft.com/office/drawing/2010/main" w="9525">
+              <a14:hiddenLine xmlns:a14="http://schemas.microsoft.com/office/drawing/2010/main" xmlns="" w="9525">
                 <a:solidFill>
                   <a:srgbClr val="000000"/>
                 </a:solidFill>
@@ -3957,14 +3619,14 @@
           </a:ln>
           <a:extLst>
             <a:ext uri="{909E8E84-426E-40dd-AFC4-6F175D3DCCD1}">
-              <a14:hiddenFill xmlns:a14="http://schemas.microsoft.com/office/drawing/2010/main" xmlns="">
+              <a14:hiddenFill xmlns="" xmlns:a14="http://schemas.microsoft.com/office/drawing/2010/main">
                 <a:solidFill>
                   <a:srgbClr val="FFFFFF"/>
                 </a:solidFill>
               </a14:hiddenFill>
             </a:ext>
             <a:ext uri="{91240B29-F687-4f45-9708-019B960494DF}">
-              <a14:hiddenLine xmlns:a14="http://schemas.microsoft.com/office/drawing/2010/main" xmlns="" w="9525">
+              <a14:hiddenLine xmlns="" xmlns:a14="http://schemas.microsoft.com/office/drawing/2010/main" w="9525">
                 <a:solidFill>
                   <a:srgbClr val="000000"/>
                 </a:solidFill>
@@ -4579,145 +4241,6 @@
       </p:grpSpPr>
       <p:sp>
         <p:nvSpPr>
-          <p:cNvPr id="57" name="Rectangle 56"/>
-          <p:cNvSpPr/>
-          <p:nvPr/>
-        </p:nvSpPr>
-        <p:spPr>
-          <a:xfrm>
-            <a:off x="1524001" y="2514601"/>
-            <a:ext cx="5758249" cy="3898557"/>
-          </a:xfrm>
-          <a:prstGeom prst="rect">
-            <a:avLst/>
-          </a:prstGeom>
-          <a:solidFill>
-            <a:schemeClr val="accent1">
-              <a:alpha val="18000"/>
-            </a:schemeClr>
-          </a:solidFill>
-          <a:ln>
-            <a:noFill/>
-          </a:ln>
-        </p:spPr>
-        <p:style>
-          <a:lnRef idx="1">
-            <a:schemeClr val="accent1"/>
-          </a:lnRef>
-          <a:fillRef idx="3">
-            <a:schemeClr val="accent1"/>
-          </a:fillRef>
-          <a:effectRef idx="2">
-            <a:schemeClr val="accent1"/>
-          </a:effectRef>
-          <a:fontRef idx="minor">
-            <a:schemeClr val="lt1"/>
-          </a:fontRef>
-        </p:style>
-        <p:txBody>
-          <a:bodyPr anchor="ctr"/>
-          <a:lstStyle/>
-          <a:p>
-            <a:pPr algn="ctr">
-              <a:defRPr/>
-            </a:pPr>
-            <a:endParaRPr lang="en-US">
-              <a:solidFill>
-                <a:srgbClr val="FFFFFF"/>
-              </a:solidFill>
-              <a:latin typeface="Calibri" charset="0"/>
-              <a:ea typeface="ＭＳ Ｐゴシック" charset="0"/>
-              <a:cs typeface="Calibri" charset="0"/>
-            </a:endParaRPr>
-          </a:p>
-        </p:txBody>
-      </p:sp>
-      <p:pic>
-        <p:nvPicPr>
-          <p:cNvPr id="10242" name="Picture 4" descr="TGI_logo_V_2color_bevel.tiff"/>
-          <p:cNvPicPr>
-            <a:picLocks noChangeAspect="1"/>
-          </p:cNvPicPr>
-          <p:nvPr/>
-        </p:nvPicPr>
-        <p:blipFill>
-          <a:blip r:embed="rId2">
-            <a:extLst>
-              <a:ext uri="{28A0092B-C50C-407E-A947-70E740481C1C}">
-                <a14:useLocalDpi xmlns:a14="http://schemas.microsoft.com/office/drawing/2010/main" val="0"/>
-              </a:ext>
-            </a:extLst>
-          </a:blip>
-          <a:srcRect l="31865" t="30911" r="32492" b="27831"/>
-          <a:stretch>
-            <a:fillRect/>
-          </a:stretch>
-        </p:blipFill>
-        <p:spPr bwMode="auto">
-          <a:xfrm>
-            <a:off x="8112126" y="3744914"/>
-            <a:ext cx="2181225" cy="1893887"/>
-          </a:xfrm>
-          <a:prstGeom prst="rect">
-            <a:avLst/>
-          </a:prstGeom>
-          <a:noFill/>
-          <a:ln>
-            <a:noFill/>
-          </a:ln>
-          <a:extLst>
-            <a:ext uri="{909E8E84-426E-40dd-AFC4-6F175D3DCCD1}">
-              <a14:hiddenFill xmlns="" xmlns:a14="http://schemas.microsoft.com/office/drawing/2010/main">
-                <a:solidFill>
-                  <a:srgbClr val="FFFFFF"/>
-                </a:solidFill>
-              </a14:hiddenFill>
-            </a:ext>
-            <a:ext uri="{91240B29-F687-4f45-9708-019B960494DF}">
-              <a14:hiddenLine xmlns="" xmlns:a14="http://schemas.microsoft.com/office/drawing/2010/main" w="9525">
-                <a:solidFill>
-                  <a:srgbClr val="000000"/>
-                </a:solidFill>
-                <a:miter lim="800000"/>
-                <a:headEnd/>
-                <a:tailEnd/>
-              </a14:hiddenLine>
-            </a:ext>
-          </a:extLst>
-        </p:spPr>
-      </p:pic>
-      <p:pic>
-        <p:nvPicPr>
-          <p:cNvPr id="2" name="Picture 1" descr="DataCenter.jpg"/>
-          <p:cNvPicPr>
-            <a:picLocks noChangeAspect="1"/>
-          </p:cNvPicPr>
-          <p:nvPr/>
-        </p:nvPicPr>
-        <p:blipFill>
-          <a:blip r:embed="rId3" cstate="print">
-            <a:extLst>
-              <a:ext uri="{28A0092B-C50C-407E-A947-70E740481C1C}">
-                <a14:useLocalDpi xmlns:a14="http://schemas.microsoft.com/office/drawing/2010/main" val="0"/>
-              </a:ext>
-            </a:extLst>
-          </a:blip>
-          <a:stretch>
-            <a:fillRect/>
-          </a:stretch>
-        </p:blipFill>
-        <p:spPr>
-          <a:xfrm>
-            <a:off x="1703513" y="2708921"/>
-            <a:ext cx="5133893" cy="3422595"/>
-          </a:xfrm>
-          <a:prstGeom prst="rect">
-            <a:avLst/>
-          </a:prstGeom>
-        </p:spPr>
-      </p:pic>
-      <p:sp>
-        <p:nvSpPr>
           <p:cNvPr id="7" name="Title 1">
             <a:extLst>
               <a:ext uri="{FF2B5EF4-FFF2-40B4-BE49-F238E27FC236}">
@@ -5133,6 +4656,238 @@
           </a:p>
         </p:txBody>
       </p:sp>
+      <p:grpSp>
+        <p:nvGrpSpPr>
+          <p:cNvPr id="11" name="Group 10">
+            <a:extLst>
+              <a:ext uri="{FF2B5EF4-FFF2-40B4-BE49-F238E27FC236}">
+                <a16:creationId xmlns:a16="http://schemas.microsoft.com/office/drawing/2014/main" id="{D1523DCB-BA49-C749-95AC-DB46795102F1}"/>
+              </a:ext>
+            </a:extLst>
+          </p:cNvPr>
+          <p:cNvGrpSpPr/>
+          <p:nvPr/>
+        </p:nvGrpSpPr>
+        <p:grpSpPr>
+          <a:xfrm>
+            <a:off x="367863" y="2514601"/>
+            <a:ext cx="11104782" cy="3898557"/>
+            <a:chOff x="367863" y="2514601"/>
+            <a:chExt cx="11104782" cy="3898557"/>
+          </a:xfrm>
+        </p:grpSpPr>
+        <p:pic>
+          <p:nvPicPr>
+            <p:cNvPr id="12" name="Picture 4" descr="TGI_logo_V_2color_bevel.tiff">
+              <a:extLst>
+                <a:ext uri="{FF2B5EF4-FFF2-40B4-BE49-F238E27FC236}">
+                  <a16:creationId xmlns:a16="http://schemas.microsoft.com/office/drawing/2014/main" id="{6D103DB1-A984-4B43-8665-1268EB24825C}"/>
+                </a:ext>
+              </a:extLst>
+            </p:cNvPr>
+            <p:cNvPicPr>
+              <a:picLocks noChangeAspect="1"/>
+            </p:cNvPicPr>
+            <p:nvPr/>
+          </p:nvPicPr>
+          <p:blipFill>
+            <a:blip r:embed="rId2">
+              <a:extLst>
+                <a:ext uri="{28A0092B-C50C-407E-A947-70E740481C1C}">
+                  <a14:useLocalDpi xmlns:a14="http://schemas.microsoft.com/office/drawing/2010/main" val="0"/>
+                </a:ext>
+              </a:extLst>
+            </a:blip>
+            <a:srcRect l="31865" t="30911" r="32492" b="27831"/>
+            <a:stretch>
+              <a:fillRect/>
+            </a:stretch>
+          </p:blipFill>
+          <p:spPr bwMode="auto">
+            <a:xfrm>
+              <a:off x="8916770" y="3326484"/>
+              <a:ext cx="2555875" cy="2219183"/>
+            </a:xfrm>
+            <a:prstGeom prst="rect">
+              <a:avLst/>
+            </a:prstGeom>
+            <a:noFill/>
+            <a:ln>
+              <a:noFill/>
+            </a:ln>
+            <a:extLst>
+              <a:ext uri="{909E8E84-426E-40dd-AFC4-6F175D3DCCD1}">
+                <a14:hiddenFill xmlns="" xmlns:a14="http://schemas.microsoft.com/office/drawing/2010/main">
+                  <a:solidFill>
+                    <a:srgbClr val="FFFFFF"/>
+                  </a:solidFill>
+                </a14:hiddenFill>
+              </a:ext>
+              <a:ext uri="{91240B29-F687-4f45-9708-019B960494DF}">
+                <a14:hiddenLine xmlns="" xmlns:a14="http://schemas.microsoft.com/office/drawing/2010/main" w="9525">
+                  <a:solidFill>
+                    <a:srgbClr val="000000"/>
+                  </a:solidFill>
+                  <a:miter lim="800000"/>
+                  <a:headEnd/>
+                  <a:tailEnd/>
+                </a14:hiddenLine>
+              </a:ext>
+            </a:extLst>
+          </p:spPr>
+        </p:pic>
+        <p:sp>
+          <p:nvSpPr>
+            <p:cNvPr id="13" name="Rectangle 12">
+              <a:extLst>
+                <a:ext uri="{FF2B5EF4-FFF2-40B4-BE49-F238E27FC236}">
+                  <a16:creationId xmlns:a16="http://schemas.microsoft.com/office/drawing/2014/main" id="{69F1CC02-EE80-1D48-B1AF-DD49899862FE}"/>
+                </a:ext>
+              </a:extLst>
+            </p:cNvPr>
+            <p:cNvSpPr/>
+            <p:nvPr/>
+          </p:nvSpPr>
+          <p:spPr>
+            <a:xfrm>
+              <a:off x="367863" y="2514601"/>
+              <a:ext cx="7819697" cy="3898557"/>
+            </a:xfrm>
+            <a:prstGeom prst="rect">
+              <a:avLst/>
+            </a:prstGeom>
+            <a:solidFill>
+              <a:schemeClr val="accent1">
+                <a:alpha val="18000"/>
+              </a:schemeClr>
+            </a:solidFill>
+            <a:ln>
+              <a:noFill/>
+            </a:ln>
+          </p:spPr>
+          <p:style>
+            <a:lnRef idx="1">
+              <a:schemeClr val="accent1"/>
+            </a:lnRef>
+            <a:fillRef idx="3">
+              <a:schemeClr val="accent1"/>
+            </a:fillRef>
+            <a:effectRef idx="2">
+              <a:schemeClr val="accent1"/>
+            </a:effectRef>
+            <a:fontRef idx="minor">
+              <a:schemeClr val="lt1"/>
+            </a:fontRef>
+          </p:style>
+          <p:txBody>
+            <a:bodyPr anchor="ctr"/>
+            <a:lstStyle/>
+            <a:p>
+              <a:pPr algn="ctr">
+                <a:defRPr/>
+              </a:pPr>
+              <a:endParaRPr lang="en-US">
+                <a:solidFill>
+                  <a:srgbClr val="FFFFFF"/>
+                </a:solidFill>
+                <a:latin typeface="Calibri" charset="0"/>
+                <a:ea typeface="ＭＳ Ｐゴシック" charset="0"/>
+                <a:cs typeface="Calibri" charset="0"/>
+              </a:endParaRPr>
+            </a:p>
+          </p:txBody>
+        </p:sp>
+        <p:pic>
+          <p:nvPicPr>
+            <p:cNvPr id="14" name="Picture 13">
+              <a:extLst>
+                <a:ext uri="{FF2B5EF4-FFF2-40B4-BE49-F238E27FC236}">
+                  <a16:creationId xmlns:a16="http://schemas.microsoft.com/office/drawing/2014/main" id="{B79B0BE2-7B1A-CC46-876C-4B7639742FD5}"/>
+                </a:ext>
+              </a:extLst>
+            </p:cNvPr>
+            <p:cNvPicPr>
+              <a:picLocks noChangeAspect="1"/>
+            </p:cNvPicPr>
+            <p:nvPr/>
+          </p:nvPicPr>
+          <p:blipFill>
+            <a:blip r:embed="rId3"/>
+            <a:stretch>
+              <a:fillRect/>
+            </a:stretch>
+          </p:blipFill>
+          <p:spPr>
+            <a:xfrm>
+              <a:off x="488540" y="2640653"/>
+              <a:ext cx="3632886" cy="3632886"/>
+            </a:xfrm>
+            <a:prstGeom prst="rect">
+              <a:avLst/>
+            </a:prstGeom>
+          </p:spPr>
+        </p:pic>
+        <p:pic>
+          <p:nvPicPr>
+            <p:cNvPr id="15" name="Picture 1" descr="RNA-Seq-alignment.png">
+              <a:extLst>
+                <a:ext uri="{FF2B5EF4-FFF2-40B4-BE49-F238E27FC236}">
+                  <a16:creationId xmlns:a16="http://schemas.microsoft.com/office/drawing/2014/main" id="{B8FF103A-6C23-DF4C-8306-4EB084936824}"/>
+                </a:ext>
+              </a:extLst>
+            </p:cNvPr>
+            <p:cNvPicPr>
+              <a:picLocks noChangeAspect="1"/>
+            </p:cNvPicPr>
+            <p:nvPr/>
+          </p:nvPicPr>
+          <p:blipFill>
+            <a:blip r:embed="rId4">
+              <a:extLst>
+                <a:ext uri="{28A0092B-C50C-407E-A947-70E740481C1C}">
+                  <a14:useLocalDpi xmlns:a14="http://schemas.microsoft.com/office/drawing/2010/main" val="0"/>
+                </a:ext>
+              </a:extLst>
+            </a:blip>
+            <a:srcRect/>
+            <a:stretch>
+              <a:fillRect/>
+            </a:stretch>
+          </p:blipFill>
+          <p:spPr bwMode="auto">
+            <a:xfrm>
+              <a:off x="4253254" y="2640653"/>
+              <a:ext cx="3797615" cy="3637252"/>
+            </a:xfrm>
+            <a:prstGeom prst="rect">
+              <a:avLst/>
+            </a:prstGeom>
+            <a:noFill/>
+            <a:ln>
+              <a:noFill/>
+            </a:ln>
+            <a:extLst>
+              <a:ext uri="{909E8E84-426E-40dd-AFC4-6F175D3DCCD1}">
+                <a14:hiddenFill xmlns="" xmlns:a14="http://schemas.microsoft.com/office/drawing/2010/main">
+                  <a:solidFill>
+                    <a:srgbClr val="FFFFFF"/>
+                  </a:solidFill>
+                </a14:hiddenFill>
+              </a:ext>
+              <a:ext uri="{91240B29-F687-4f45-9708-019B960494DF}">
+                <a14:hiddenLine xmlns="" xmlns:a14="http://schemas.microsoft.com/office/drawing/2010/main" w="9525">
+                  <a:solidFill>
+                    <a:srgbClr val="000000"/>
+                  </a:solidFill>
+                  <a:miter lim="800000"/>
+                  <a:headEnd/>
+                  <a:tailEnd/>
+                </a14:hiddenLine>
+              </a:ext>
+            </a:extLst>
+          </p:spPr>
+        </p:pic>
+      </p:grpSp>
     </p:spTree>
     <p:extLst>
       <p:ext uri="{BB962C8B-B14F-4D97-AF65-F5344CB8AC3E}">
@@ -5340,7 +5095,7 @@
           <a:effectLst/>
           <a:extLst>
             <a:ext uri="{909E8E84-426E-40dd-AFC4-6F175D3DCCD1}">
-              <a14:hiddenFill xmlns="" xmlns:a14="http://schemas.microsoft.com/office/drawing/2010/main">
+              <a14:hiddenFill xmlns:a14="http://schemas.microsoft.com/office/drawing/2010/main" xmlns="">
                 <a:blipFill dpi="0" rotWithShape="0">
                   <a:blip/>
                   <a:srcRect/>
@@ -5351,7 +5106,7 @@
               </a14:hiddenFill>
             </a:ext>
             <a:ext uri="{91240B29-F687-4f45-9708-019B960494DF}">
-              <a14:hiddenLine xmlns="" xmlns:a14="http://schemas.microsoft.com/office/drawing/2010/main" w="9525" cap="flat">
+              <a14:hiddenLine xmlns:a14="http://schemas.microsoft.com/office/drawing/2010/main" xmlns="" w="9525" cap="flat">
                 <a:solidFill>
                   <a:srgbClr val="3465A4"/>
                 </a:solidFill>
@@ -5361,7 +5116,7 @@
               </a14:hiddenLine>
             </a:ext>
             <a:ext uri="{AF507438-7753-43e0-B8FC-AC1667EBCBE1}">
-              <a14:hiddenEffects xmlns="" xmlns:a14="http://schemas.microsoft.com/office/drawing/2010/main">
+              <a14:hiddenEffects xmlns:a14="http://schemas.microsoft.com/office/drawing/2010/main" xmlns="">
                 <a:effectLst>
                   <a:outerShdw blurRad="63500" dist="38099" dir="2700000" algn="ctr" rotWithShape="0">
                     <a:srgbClr val="000000">
@@ -5459,14 +5214,14 @@
           <a:effectLst/>
           <a:extLst>
             <a:ext uri="{909E8E84-426E-40dd-AFC4-6F175D3DCCD1}">
-              <a14:hiddenFill xmlns="" xmlns:a14="http://schemas.microsoft.com/office/drawing/2010/main">
+              <a14:hiddenFill xmlns:a14="http://schemas.microsoft.com/office/drawing/2010/main" xmlns="">
                 <a:solidFill>
                   <a:srgbClr val="FFFFFF"/>
                 </a:solidFill>
               </a14:hiddenFill>
             </a:ext>
             <a:ext uri="{91240B29-F687-4f45-9708-019B960494DF}">
-              <a14:hiddenLine xmlns="" xmlns:a14="http://schemas.microsoft.com/office/drawing/2010/main" w="9525" cap="flat">
+              <a14:hiddenLine xmlns:a14="http://schemas.microsoft.com/office/drawing/2010/main" xmlns="" w="9525" cap="flat">
                 <a:solidFill>
                   <a:srgbClr val="000000"/>
                 </a:solidFill>
@@ -5476,7 +5231,7 @@
               </a14:hiddenLine>
             </a:ext>
             <a:ext uri="{AF507438-7753-43e0-B8FC-AC1667EBCBE1}">
-              <a14:hiddenEffects xmlns="" xmlns:a14="http://schemas.microsoft.com/office/drawing/2010/main">
+              <a14:hiddenEffects xmlns:a14="http://schemas.microsoft.com/office/drawing/2010/main" xmlns="">
                 <a:effectLst>
                   <a:outerShdw blurRad="63500" dist="38099" dir="2700000" algn="ctr" rotWithShape="0">
                     <a:srgbClr val="000000">
@@ -5890,7 +5645,7 @@
           <a:effectLst/>
           <a:extLst>
             <a:ext uri="{909E8E84-426E-40dd-AFC4-6F175D3DCCD1}">
-              <a14:hiddenFill xmlns="" xmlns:a14="http://schemas.microsoft.com/office/drawing/2010/main">
+              <a14:hiddenFill xmlns:a14="http://schemas.microsoft.com/office/drawing/2010/main" xmlns="">
                 <a:blipFill dpi="0" rotWithShape="0">
                   <a:blip/>
                   <a:srcRect/>
@@ -5901,7 +5656,7 @@
               </a14:hiddenFill>
             </a:ext>
             <a:ext uri="{91240B29-F687-4f45-9708-019B960494DF}">
-              <a14:hiddenLine xmlns="" xmlns:a14="http://schemas.microsoft.com/office/drawing/2010/main" w="9525" cap="flat">
+              <a14:hiddenLine xmlns:a14="http://schemas.microsoft.com/office/drawing/2010/main" xmlns="" w="9525" cap="flat">
                 <a:solidFill>
                   <a:srgbClr val="3465A4"/>
                 </a:solidFill>
@@ -5911,7 +5666,7 @@
               </a14:hiddenLine>
             </a:ext>
             <a:ext uri="{AF507438-7753-43e0-B8FC-AC1667EBCBE1}">
-              <a14:hiddenEffects xmlns="" xmlns:a14="http://schemas.microsoft.com/office/drawing/2010/main">
+              <a14:hiddenEffects xmlns:a14="http://schemas.microsoft.com/office/drawing/2010/main" xmlns="">
                 <a:effectLst>
                   <a:outerShdw blurRad="63500" dist="38099" dir="2700000" algn="ctr" rotWithShape="0">
                     <a:srgbClr val="000000">
@@ -5966,7 +5721,7 @@
           <a:effectLst/>
           <a:extLst>
             <a:ext uri="{909E8E84-426E-40dd-AFC4-6F175D3DCCD1}">
-              <a14:hiddenFill xmlns="" xmlns:a14="http://schemas.microsoft.com/office/drawing/2010/main">
+              <a14:hiddenFill xmlns:a14="http://schemas.microsoft.com/office/drawing/2010/main" xmlns="">
                 <a:blipFill dpi="0" rotWithShape="0">
                   <a:blip/>
                   <a:srcRect/>
@@ -5977,7 +5732,7 @@
               </a14:hiddenFill>
             </a:ext>
             <a:ext uri="{91240B29-F687-4f45-9708-019B960494DF}">
-              <a14:hiddenLine xmlns="" xmlns:a14="http://schemas.microsoft.com/office/drawing/2010/main" w="9525" cap="flat">
+              <a14:hiddenLine xmlns:a14="http://schemas.microsoft.com/office/drawing/2010/main" xmlns="" w="9525" cap="flat">
                 <a:solidFill>
                   <a:srgbClr val="3465A4"/>
                 </a:solidFill>
@@ -5987,7 +5742,7 @@
               </a14:hiddenLine>
             </a:ext>
             <a:ext uri="{AF507438-7753-43e0-B8FC-AC1667EBCBE1}">
-              <a14:hiddenEffects xmlns="" xmlns:a14="http://schemas.microsoft.com/office/drawing/2010/main">
+              <a14:hiddenEffects xmlns:a14="http://schemas.microsoft.com/office/drawing/2010/main" xmlns="">
                 <a:effectLst>
                   <a:outerShdw blurRad="63500" dist="38099" dir="2700000" algn="ctr" rotWithShape="0">
                     <a:srgbClr val="000000">
@@ -6029,14 +5784,14 @@
           <a:effectLst/>
           <a:extLst>
             <a:ext uri="{909E8E84-426E-40dd-AFC4-6F175D3DCCD1}">
-              <a14:hiddenFill xmlns="" xmlns:a14="http://schemas.microsoft.com/office/drawing/2010/main">
+              <a14:hiddenFill xmlns:a14="http://schemas.microsoft.com/office/drawing/2010/main" xmlns="">
                 <a:solidFill>
                   <a:srgbClr val="FFFFFF"/>
                 </a:solidFill>
               </a14:hiddenFill>
             </a:ext>
             <a:ext uri="{91240B29-F687-4f45-9708-019B960494DF}">
-              <a14:hiddenLine xmlns="" xmlns:a14="http://schemas.microsoft.com/office/drawing/2010/main" w="9525" cap="flat">
+              <a14:hiddenLine xmlns:a14="http://schemas.microsoft.com/office/drawing/2010/main" xmlns="" w="9525" cap="flat">
                 <a:solidFill>
                   <a:srgbClr val="000000"/>
                 </a:solidFill>
@@ -6046,7 +5801,7 @@
               </a14:hiddenLine>
             </a:ext>
             <a:ext uri="{AF507438-7753-43e0-B8FC-AC1667EBCBE1}">
-              <a14:hiddenEffects xmlns="" xmlns:a14="http://schemas.microsoft.com/office/drawing/2010/main">
+              <a14:hiddenEffects xmlns:a14="http://schemas.microsoft.com/office/drawing/2010/main" xmlns="">
                 <a:effectLst>
                   <a:outerShdw blurRad="63500" dist="38099" dir="2700000" algn="ctr" rotWithShape="0">
                     <a:srgbClr val="000000">
@@ -6307,14 +6062,14 @@
           <a:effectLst/>
           <a:extLst>
             <a:ext uri="{909E8E84-426E-40dd-AFC4-6F175D3DCCD1}">
-              <a14:hiddenFill xmlns="" xmlns:a14="http://schemas.microsoft.com/office/drawing/2010/main">
+              <a14:hiddenFill xmlns:a14="http://schemas.microsoft.com/office/drawing/2010/main" xmlns="">
                 <a:solidFill>
                   <a:srgbClr val="FFFFFF"/>
                 </a:solidFill>
               </a14:hiddenFill>
             </a:ext>
             <a:ext uri="{91240B29-F687-4f45-9708-019B960494DF}">
-              <a14:hiddenLine xmlns="" xmlns:a14="http://schemas.microsoft.com/office/drawing/2010/main" w="9525" cap="flat">
+              <a14:hiddenLine xmlns:a14="http://schemas.microsoft.com/office/drawing/2010/main" xmlns="" w="9525" cap="flat">
                 <a:solidFill>
                   <a:srgbClr val="000000"/>
                 </a:solidFill>
@@ -6324,7 +6079,7 @@
               </a14:hiddenLine>
             </a:ext>
             <a:ext uri="{AF507438-7753-43e0-B8FC-AC1667EBCBE1}">
-              <a14:hiddenEffects xmlns="" xmlns:a14="http://schemas.microsoft.com/office/drawing/2010/main">
+              <a14:hiddenEffects xmlns:a14="http://schemas.microsoft.com/office/drawing/2010/main" xmlns="">
                 <a:effectLst>
                   <a:outerShdw blurRad="63500" dist="38099" dir="2700000" algn="ctr" rotWithShape="0">
                     <a:srgbClr val="000000">
@@ -6631,7 +6386,7 @@
           <a:effectLst/>
           <a:extLst>
             <a:ext uri="{909E8E84-426E-40dd-AFC4-6F175D3DCCD1}">
-              <a14:hiddenFill xmlns:a14="http://schemas.microsoft.com/office/drawing/2010/main" xmlns="">
+              <a14:hiddenFill xmlns="" xmlns:a14="http://schemas.microsoft.com/office/drawing/2010/main">
                 <a:blipFill dpi="0" rotWithShape="0">
                   <a:blip/>
                   <a:srcRect/>
@@ -6642,7 +6397,7 @@
               </a14:hiddenFill>
             </a:ext>
             <a:ext uri="{91240B29-F687-4f45-9708-019B960494DF}">
-              <a14:hiddenLine xmlns:a14="http://schemas.microsoft.com/office/drawing/2010/main" xmlns="" w="9525" cap="flat">
+              <a14:hiddenLine xmlns="" xmlns:a14="http://schemas.microsoft.com/office/drawing/2010/main" w="9525" cap="flat">
                 <a:solidFill>
                   <a:srgbClr val="3465A4"/>
                 </a:solidFill>
@@ -6652,7 +6407,7 @@
               </a14:hiddenLine>
             </a:ext>
             <a:ext uri="{AF507438-7753-43e0-B8FC-AC1667EBCBE1}">
-              <a14:hiddenEffects xmlns:a14="http://schemas.microsoft.com/office/drawing/2010/main" xmlns="">
+              <a14:hiddenEffects xmlns="" xmlns:a14="http://schemas.microsoft.com/office/drawing/2010/main">
                 <a:effectLst>
                   <a:outerShdw blurRad="63500" dist="38099" dir="2700000" algn="ctr" rotWithShape="0">
                     <a:srgbClr val="000000">
@@ -6701,7 +6456,7 @@
           <a:effectLst/>
           <a:extLst>
             <a:ext uri="{909E8E84-426E-40dd-AFC4-6F175D3DCCD1}">
-              <a14:hiddenFill xmlns:a14="http://schemas.microsoft.com/office/drawing/2010/main" xmlns="">
+              <a14:hiddenFill xmlns="" xmlns:a14="http://schemas.microsoft.com/office/drawing/2010/main">
                 <a:blipFill dpi="0" rotWithShape="0">
                   <a:blip/>
                   <a:srcRect/>
@@ -6712,7 +6467,7 @@
               </a14:hiddenFill>
             </a:ext>
             <a:ext uri="{91240B29-F687-4f45-9708-019B960494DF}">
-              <a14:hiddenLine xmlns:a14="http://schemas.microsoft.com/office/drawing/2010/main" xmlns="" w="9525" cap="flat">
+              <a14:hiddenLine xmlns="" xmlns:a14="http://schemas.microsoft.com/office/drawing/2010/main" w="9525" cap="flat">
                 <a:solidFill>
                   <a:srgbClr val="3465A4"/>
                 </a:solidFill>
@@ -6722,7 +6477,7 @@
               </a14:hiddenLine>
             </a:ext>
             <a:ext uri="{AF507438-7753-43e0-B8FC-AC1667EBCBE1}">
-              <a14:hiddenEffects xmlns:a14="http://schemas.microsoft.com/office/drawing/2010/main" xmlns="">
+              <a14:hiddenEffects xmlns="" xmlns:a14="http://schemas.microsoft.com/office/drawing/2010/main">
                 <a:effectLst>
                   <a:outerShdw blurRad="63500" dist="38099" dir="2700000" algn="ctr" rotWithShape="0">
                     <a:srgbClr val="000000">
@@ -6758,14 +6513,14 @@
           <a:effectLst/>
           <a:extLst>
             <a:ext uri="{909E8E84-426E-40dd-AFC4-6F175D3DCCD1}">
-              <a14:hiddenFill xmlns:a14="http://schemas.microsoft.com/office/drawing/2010/main" xmlns="">
+              <a14:hiddenFill xmlns="" xmlns:a14="http://schemas.microsoft.com/office/drawing/2010/main">
                 <a:solidFill>
                   <a:srgbClr val="FFFFFF"/>
                 </a:solidFill>
               </a14:hiddenFill>
             </a:ext>
             <a:ext uri="{91240B29-F687-4f45-9708-019B960494DF}">
-              <a14:hiddenLine xmlns:a14="http://schemas.microsoft.com/office/drawing/2010/main" xmlns="" w="9525" cap="flat">
+              <a14:hiddenLine xmlns="" xmlns:a14="http://schemas.microsoft.com/office/drawing/2010/main" w="9525" cap="flat">
                 <a:solidFill>
                   <a:srgbClr val="000000"/>
                 </a:solidFill>
@@ -6775,7 +6530,7 @@
               </a14:hiddenLine>
             </a:ext>
             <a:ext uri="{AF507438-7753-43e0-B8FC-AC1667EBCBE1}">
-              <a14:hiddenEffects xmlns:a14="http://schemas.microsoft.com/office/drawing/2010/main" xmlns="">
+              <a14:hiddenEffects xmlns="" xmlns:a14="http://schemas.microsoft.com/office/drawing/2010/main">
                 <a:effectLst>
                   <a:outerShdw blurRad="63500" dist="38099" dir="2700000" algn="ctr" rotWithShape="0">
                     <a:srgbClr val="000000">
@@ -7176,7 +6931,7 @@
           <a:effectLst/>
           <a:extLst>
             <a:ext uri="{909E8E84-426E-40dd-AFC4-6F175D3DCCD1}">
-              <a14:hiddenFill xmlns:a14="http://schemas.microsoft.com/office/drawing/2010/main" xmlns="">
+              <a14:hiddenFill xmlns="" xmlns:a14="http://schemas.microsoft.com/office/drawing/2010/main">
                 <a:blipFill dpi="0" rotWithShape="0">
                   <a:blip/>
                   <a:srcRect/>
@@ -7187,7 +6942,7 @@
               </a14:hiddenFill>
             </a:ext>
             <a:ext uri="{91240B29-F687-4f45-9708-019B960494DF}">
-              <a14:hiddenLine xmlns:a14="http://schemas.microsoft.com/office/drawing/2010/main" xmlns="" w="9525" cap="flat">
+              <a14:hiddenLine xmlns="" xmlns:a14="http://schemas.microsoft.com/office/drawing/2010/main" w="9525" cap="flat">
                 <a:solidFill>
                   <a:srgbClr val="3465A4"/>
                 </a:solidFill>
@@ -7197,7 +6952,7 @@
               </a14:hiddenLine>
             </a:ext>
             <a:ext uri="{AF507438-7753-43e0-B8FC-AC1667EBCBE1}">
-              <a14:hiddenEffects xmlns:a14="http://schemas.microsoft.com/office/drawing/2010/main" xmlns="">
+              <a14:hiddenEffects xmlns="" xmlns:a14="http://schemas.microsoft.com/office/drawing/2010/main">
                 <a:effectLst>
                   <a:outerShdw blurRad="63500" dist="38099" dir="2700000" algn="ctr" rotWithShape="0">
                     <a:srgbClr val="000000">
@@ -7233,14 +6988,14 @@
           <a:effectLst/>
           <a:extLst>
             <a:ext uri="{909E8E84-426E-40dd-AFC4-6F175D3DCCD1}">
-              <a14:hiddenFill xmlns:a14="http://schemas.microsoft.com/office/drawing/2010/main" xmlns="">
+              <a14:hiddenFill xmlns="" xmlns:a14="http://schemas.microsoft.com/office/drawing/2010/main">
                 <a:solidFill>
                   <a:srgbClr val="FFFFFF"/>
                 </a:solidFill>
               </a14:hiddenFill>
             </a:ext>
             <a:ext uri="{91240B29-F687-4f45-9708-019B960494DF}">
-              <a14:hiddenLine xmlns:a14="http://schemas.microsoft.com/office/drawing/2010/main" xmlns="" w="9525" cap="flat">
+              <a14:hiddenLine xmlns="" xmlns:a14="http://schemas.microsoft.com/office/drawing/2010/main" w="9525" cap="flat">
                 <a:solidFill>
                   <a:srgbClr val="000000"/>
                 </a:solidFill>
@@ -7250,7 +7005,7 @@
               </a14:hiddenLine>
             </a:ext>
             <a:ext uri="{AF507438-7753-43e0-B8FC-AC1667EBCBE1}">
-              <a14:hiddenEffects xmlns:a14="http://schemas.microsoft.com/office/drawing/2010/main" xmlns="">
+              <a14:hiddenEffects xmlns="" xmlns:a14="http://schemas.microsoft.com/office/drawing/2010/main">
                 <a:effectLst>
                   <a:outerShdw blurRad="63500" dist="38099" dir="2700000" algn="ctr" rotWithShape="0">
                     <a:srgbClr val="000000">
@@ -7533,14 +7288,14 @@
           <a:effectLst/>
           <a:extLst>
             <a:ext uri="{909E8E84-426E-40dd-AFC4-6F175D3DCCD1}">
-              <a14:hiddenFill xmlns:a14="http://schemas.microsoft.com/office/drawing/2010/main" xmlns="">
+              <a14:hiddenFill xmlns="" xmlns:a14="http://schemas.microsoft.com/office/drawing/2010/main">
                 <a:solidFill>
                   <a:srgbClr val="FFFFFF"/>
                 </a:solidFill>
               </a14:hiddenFill>
             </a:ext>
             <a:ext uri="{91240B29-F687-4f45-9708-019B960494DF}">
-              <a14:hiddenLine xmlns:a14="http://schemas.microsoft.com/office/drawing/2010/main" xmlns="" w="9525" cap="flat">
+              <a14:hiddenLine xmlns="" xmlns:a14="http://schemas.microsoft.com/office/drawing/2010/main" w="9525" cap="flat">
                 <a:solidFill>
                   <a:srgbClr val="3465A4"/>
                 </a:solidFill>
@@ -7550,7 +7305,7 @@
               </a14:hiddenLine>
             </a:ext>
             <a:ext uri="{AF507438-7753-43e0-B8FC-AC1667EBCBE1}">
-              <a14:hiddenEffects xmlns:a14="http://schemas.microsoft.com/office/drawing/2010/main" xmlns="">
+              <a14:hiddenEffects xmlns="" xmlns:a14="http://schemas.microsoft.com/office/drawing/2010/main">
                 <a:effectLst>
                   <a:outerShdw blurRad="63500" dist="38099" dir="2700000" algn="ctr" rotWithShape="0">
                     <a:srgbClr val="000000">
@@ -7912,14 +7667,14 @@
           </a:ln>
           <a:extLst>
             <a:ext uri="{909E8E84-426E-40dd-AFC4-6F175D3DCCD1}">
-              <a14:hiddenFill xmlns:a14="http://schemas.microsoft.com/office/drawing/2010/main" xmlns="">
+              <a14:hiddenFill xmlns="" xmlns:a14="http://schemas.microsoft.com/office/drawing/2010/main">
                 <a:solidFill>
                   <a:srgbClr val="FFFFFF"/>
                 </a:solidFill>
               </a14:hiddenFill>
             </a:ext>
             <a:ext uri="{91240B29-F687-4f45-9708-019B960494DF}">
-              <a14:hiddenLine xmlns:a14="http://schemas.microsoft.com/office/drawing/2010/main" xmlns="" w="9525">
+              <a14:hiddenLine xmlns="" xmlns:a14="http://schemas.microsoft.com/office/drawing/2010/main" w="9525">
                 <a:solidFill>
                   <a:srgbClr val="000000"/>
                 </a:solidFill>
@@ -8404,14 +8159,14 @@
           </a:ln>
           <a:extLst>
             <a:ext uri="{909E8E84-426E-40dd-AFC4-6F175D3DCCD1}">
-              <a14:hiddenFill xmlns:a14="http://schemas.microsoft.com/office/drawing/2010/main" xmlns="">
+              <a14:hiddenFill xmlns="" xmlns:a14="http://schemas.microsoft.com/office/drawing/2010/main">
                 <a:solidFill>
                   <a:srgbClr val="FFFFFF"/>
                 </a:solidFill>
               </a14:hiddenFill>
             </a:ext>
             <a:ext uri="{91240B29-F687-4f45-9708-019B960494DF}">
-              <a14:hiddenLine xmlns:a14="http://schemas.microsoft.com/office/drawing/2010/main" xmlns="" w="9525">
+              <a14:hiddenLine xmlns="" xmlns:a14="http://schemas.microsoft.com/office/drawing/2010/main" w="9525">
                 <a:solidFill>
                   <a:srgbClr val="000000"/>
                 </a:solidFill>
@@ -8600,14 +8355,14 @@
           </a:ln>
           <a:extLst>
             <a:ext uri="{909E8E84-426E-40dd-AFC4-6F175D3DCCD1}">
-              <a14:hiddenFill xmlns:a14="http://schemas.microsoft.com/office/drawing/2010/main" xmlns="">
+              <a14:hiddenFill xmlns="" xmlns:a14="http://schemas.microsoft.com/office/drawing/2010/main">
                 <a:solidFill>
                   <a:srgbClr val="FFFFFF"/>
                 </a:solidFill>
               </a14:hiddenFill>
             </a:ext>
             <a:ext uri="{91240B29-F687-4f45-9708-019B960494DF}">
-              <a14:hiddenLine xmlns:a14="http://schemas.microsoft.com/office/drawing/2010/main" xmlns="" w="9525">
+              <a14:hiddenLine xmlns="" xmlns:a14="http://schemas.microsoft.com/office/drawing/2010/main" w="9525">
                 <a:solidFill>
                   <a:srgbClr val="000000"/>
                 </a:solidFill>
@@ -8796,14 +8551,14 @@
           </a:ln>
           <a:extLst>
             <a:ext uri="{909E8E84-426E-40dd-AFC4-6F175D3DCCD1}">
-              <a14:hiddenFill xmlns:a14="http://schemas.microsoft.com/office/drawing/2010/main" xmlns="">
+              <a14:hiddenFill xmlns="" xmlns:a14="http://schemas.microsoft.com/office/drawing/2010/main">
                 <a:solidFill>
                   <a:srgbClr val="FFFFFF"/>
                 </a:solidFill>
               </a14:hiddenFill>
             </a:ext>
             <a:ext uri="{91240B29-F687-4f45-9708-019B960494DF}">
-              <a14:hiddenLine xmlns:a14="http://schemas.microsoft.com/office/drawing/2010/main" xmlns="" w="9525">
+              <a14:hiddenLine xmlns="" xmlns:a14="http://schemas.microsoft.com/office/drawing/2010/main" w="9525">
                 <a:solidFill>
                   <a:srgbClr val="000000"/>
                 </a:solidFill>
@@ -8957,14 +8712,14 @@
           </a:ln>
           <a:extLst>
             <a:ext uri="{909E8E84-426E-40dd-AFC4-6F175D3DCCD1}">
-              <a14:hiddenFill xmlns:a14="http://schemas.microsoft.com/office/drawing/2010/main" xmlns="">
+              <a14:hiddenFill xmlns="" xmlns:a14="http://schemas.microsoft.com/office/drawing/2010/main">
                 <a:solidFill>
                   <a:srgbClr val="FFFFFF"/>
                 </a:solidFill>
               </a14:hiddenFill>
             </a:ext>
             <a:ext uri="{91240B29-F687-4f45-9708-019B960494DF}">
-              <a14:hiddenLine xmlns:a14="http://schemas.microsoft.com/office/drawing/2010/main" xmlns="" w="9525">
+              <a14:hiddenLine xmlns="" xmlns:a14="http://schemas.microsoft.com/office/drawing/2010/main" w="9525">
                 <a:solidFill>
                   <a:srgbClr val="000000"/>
                 </a:solidFill>
@@ -9153,14 +8908,14 @@
           </a:ln>
           <a:extLst>
             <a:ext uri="{909E8E84-426E-40dd-AFC4-6F175D3DCCD1}">
-              <a14:hiddenFill xmlns:a14="http://schemas.microsoft.com/office/drawing/2010/main" xmlns="">
+              <a14:hiddenFill xmlns="" xmlns:a14="http://schemas.microsoft.com/office/drawing/2010/main">
                 <a:solidFill>
                   <a:srgbClr val="FFFFFF"/>
                 </a:solidFill>
               </a14:hiddenFill>
             </a:ext>
             <a:ext uri="{91240B29-F687-4f45-9708-019B960494DF}">
-              <a14:hiddenLine xmlns:a14="http://schemas.microsoft.com/office/drawing/2010/main" xmlns="" w="9525">
+              <a14:hiddenLine xmlns="" xmlns:a14="http://schemas.microsoft.com/office/drawing/2010/main" w="9525">
                 <a:solidFill>
                   <a:srgbClr val="000000"/>
                 </a:solidFill>
@@ -9391,14 +9146,14 @@
           </a:ln>
           <a:extLst>
             <a:ext uri="{909E8E84-426E-40dd-AFC4-6F175D3DCCD1}">
-              <a14:hiddenFill xmlns:a14="http://schemas.microsoft.com/office/drawing/2010/main" xmlns="">
+              <a14:hiddenFill xmlns="" xmlns:a14="http://schemas.microsoft.com/office/drawing/2010/main">
                 <a:solidFill>
                   <a:srgbClr val="FFFFFF"/>
                 </a:solidFill>
               </a14:hiddenFill>
             </a:ext>
             <a:ext uri="{91240B29-F687-4f45-9708-019B960494DF}">
-              <a14:hiddenLine xmlns:a14="http://schemas.microsoft.com/office/drawing/2010/main" xmlns="" w="9525">
+              <a14:hiddenLine xmlns="" xmlns:a14="http://schemas.microsoft.com/office/drawing/2010/main" w="9525">
                 <a:solidFill>
                   <a:srgbClr val="000000"/>
                 </a:solidFill>
@@ -9587,14 +9342,14 @@
           </a:ln>
           <a:extLst>
             <a:ext uri="{909E8E84-426E-40dd-AFC4-6F175D3DCCD1}">
-              <a14:hiddenFill xmlns:a14="http://schemas.microsoft.com/office/drawing/2010/main" xmlns="">
+              <a14:hiddenFill xmlns="" xmlns:a14="http://schemas.microsoft.com/office/drawing/2010/main">
                 <a:solidFill>
                   <a:srgbClr val="FFFFFF"/>
                 </a:solidFill>
               </a14:hiddenFill>
             </a:ext>
             <a:ext uri="{91240B29-F687-4f45-9708-019B960494DF}">
-              <a14:hiddenLine xmlns:a14="http://schemas.microsoft.com/office/drawing/2010/main" xmlns="" w="9525">
+              <a14:hiddenLine xmlns="" xmlns:a14="http://schemas.microsoft.com/office/drawing/2010/main" w="9525">
                 <a:solidFill>
                   <a:srgbClr val="000000"/>
                 </a:solidFill>
@@ -9783,14 +9538,14 @@
           </a:ln>
           <a:extLst>
             <a:ext uri="{909E8E84-426E-40dd-AFC4-6F175D3DCCD1}">
-              <a14:hiddenFill xmlns:a14="http://schemas.microsoft.com/office/drawing/2010/main" xmlns="">
+              <a14:hiddenFill xmlns="" xmlns:a14="http://schemas.microsoft.com/office/drawing/2010/main">
                 <a:solidFill>
                   <a:srgbClr val="FFFFFF"/>
                 </a:solidFill>
               </a14:hiddenFill>
             </a:ext>
             <a:ext uri="{91240B29-F687-4f45-9708-019B960494DF}">
-              <a14:hiddenLine xmlns:a14="http://schemas.microsoft.com/office/drawing/2010/main" xmlns="" w="9525">
+              <a14:hiddenLine xmlns="" xmlns:a14="http://schemas.microsoft.com/office/drawing/2010/main" w="9525">
                 <a:solidFill>
                   <a:srgbClr val="000000"/>
                 </a:solidFill>
@@ -9986,14 +9741,14 @@
           </a:ln>
           <a:extLst>
             <a:ext uri="{909E8E84-426E-40dd-AFC4-6F175D3DCCD1}">
-              <a14:hiddenFill xmlns:a14="http://schemas.microsoft.com/office/drawing/2010/main" xmlns="">
+              <a14:hiddenFill xmlns="" xmlns:a14="http://schemas.microsoft.com/office/drawing/2010/main">
                 <a:solidFill>
                   <a:srgbClr val="FFFFFF"/>
                 </a:solidFill>
               </a14:hiddenFill>
             </a:ext>
             <a:ext uri="{91240B29-F687-4f45-9708-019B960494DF}">
-              <a14:hiddenLine xmlns:a14="http://schemas.microsoft.com/office/drawing/2010/main" xmlns="" w="9525">
+              <a14:hiddenLine xmlns="" xmlns:a14="http://schemas.microsoft.com/office/drawing/2010/main" w="9525">
                 <a:solidFill>
                   <a:srgbClr val="000000"/>
                 </a:solidFill>
@@ -10182,14 +9937,14 @@
           </a:ln>
           <a:extLst>
             <a:ext uri="{909E8E84-426E-40dd-AFC4-6F175D3DCCD1}">
-              <a14:hiddenFill xmlns:a14="http://schemas.microsoft.com/office/drawing/2010/main" xmlns="">
+              <a14:hiddenFill xmlns="" xmlns:a14="http://schemas.microsoft.com/office/drawing/2010/main">
                 <a:solidFill>
                   <a:srgbClr val="FFFFFF"/>
                 </a:solidFill>
               </a14:hiddenFill>
             </a:ext>
             <a:ext uri="{91240B29-F687-4f45-9708-019B960494DF}">
-              <a14:hiddenLine xmlns:a14="http://schemas.microsoft.com/office/drawing/2010/main" xmlns="" w="9525">
+              <a14:hiddenLine xmlns="" xmlns:a14="http://schemas.microsoft.com/office/drawing/2010/main" w="9525">
                 <a:solidFill>
                   <a:srgbClr val="000000"/>
                 </a:solidFill>
@@ -10385,14 +10140,14 @@
           </a:ln>
           <a:extLst>
             <a:ext uri="{909E8E84-426E-40dd-AFC4-6F175D3DCCD1}">
-              <a14:hiddenFill xmlns:a14="http://schemas.microsoft.com/office/drawing/2010/main" xmlns="">
+              <a14:hiddenFill xmlns="" xmlns:a14="http://schemas.microsoft.com/office/drawing/2010/main">
                 <a:solidFill>
                   <a:srgbClr val="FFFFFF"/>
                 </a:solidFill>
               </a14:hiddenFill>
             </a:ext>
             <a:ext uri="{91240B29-F687-4f45-9708-019B960494DF}">
-              <a14:hiddenLine xmlns:a14="http://schemas.microsoft.com/office/drawing/2010/main" xmlns="" w="9525">
+              <a14:hiddenLine xmlns="" xmlns:a14="http://schemas.microsoft.com/office/drawing/2010/main" w="9525">
                 <a:solidFill>
                   <a:srgbClr val="000000"/>
                 </a:solidFill>
@@ -10588,14 +10343,14 @@
           </a:ln>
           <a:extLst>
             <a:ext uri="{909E8E84-426E-40dd-AFC4-6F175D3DCCD1}">
-              <a14:hiddenFill xmlns:a14="http://schemas.microsoft.com/office/drawing/2010/main" xmlns="">
+              <a14:hiddenFill xmlns="" xmlns:a14="http://schemas.microsoft.com/office/drawing/2010/main">
                 <a:solidFill>
                   <a:srgbClr val="FFFFFF"/>
                 </a:solidFill>
               </a14:hiddenFill>
             </a:ext>
             <a:ext uri="{91240B29-F687-4f45-9708-019B960494DF}">
-              <a14:hiddenLine xmlns:a14="http://schemas.microsoft.com/office/drawing/2010/main" xmlns="" w="9525">
+              <a14:hiddenLine xmlns="" xmlns:a14="http://schemas.microsoft.com/office/drawing/2010/main" w="9525">
                 <a:solidFill>
                   <a:srgbClr val="000000"/>
                 </a:solidFill>
@@ -11082,7 +10837,7 @@
           <a:effectLst/>
           <a:extLst>
             <a:ext uri="{909E8E84-426E-40dd-AFC4-6F175D3DCCD1}">
-              <a14:hiddenFill xmlns:a14="http://schemas.microsoft.com/office/drawing/2010/main" xmlns="">
+              <a14:hiddenFill xmlns="" xmlns:a14="http://schemas.microsoft.com/office/drawing/2010/main">
                 <a:blipFill dpi="0" rotWithShape="0">
                   <a:blip/>
                   <a:srcRect/>
@@ -11093,7 +10848,7 @@
               </a14:hiddenFill>
             </a:ext>
             <a:ext uri="{91240B29-F687-4f45-9708-019B960494DF}">
-              <a14:hiddenLine xmlns:a14="http://schemas.microsoft.com/office/drawing/2010/main" xmlns="" w="9525" cap="flat">
+              <a14:hiddenLine xmlns="" xmlns:a14="http://schemas.microsoft.com/office/drawing/2010/main" w="9525" cap="flat">
                 <a:solidFill>
                   <a:srgbClr val="3465A4"/>
                 </a:solidFill>
@@ -11103,7 +10858,7 @@
               </a14:hiddenLine>
             </a:ext>
             <a:ext uri="{AF507438-7753-43e0-B8FC-AC1667EBCBE1}">
-              <a14:hiddenEffects xmlns:a14="http://schemas.microsoft.com/office/drawing/2010/main" xmlns="">
+              <a14:hiddenEffects xmlns="" xmlns:a14="http://schemas.microsoft.com/office/drawing/2010/main">
                 <a:effectLst>
                   <a:outerShdw blurRad="63500" dist="38099" dir="2700000" algn="ctr" rotWithShape="0">
                     <a:srgbClr val="000000">
@@ -11152,7 +10907,7 @@
           <a:effectLst/>
           <a:extLst>
             <a:ext uri="{909E8E84-426E-40dd-AFC4-6F175D3DCCD1}">
-              <a14:hiddenFill xmlns:a14="http://schemas.microsoft.com/office/drawing/2010/main" xmlns="">
+              <a14:hiddenFill xmlns="" xmlns:a14="http://schemas.microsoft.com/office/drawing/2010/main">
                 <a:blipFill dpi="0" rotWithShape="0">
                   <a:blip/>
                   <a:srcRect/>
@@ -11163,7 +10918,7 @@
               </a14:hiddenFill>
             </a:ext>
             <a:ext uri="{91240B29-F687-4f45-9708-019B960494DF}">
-              <a14:hiddenLine xmlns:a14="http://schemas.microsoft.com/office/drawing/2010/main" xmlns="" w="9525" cap="flat">
+              <a14:hiddenLine xmlns="" xmlns:a14="http://schemas.microsoft.com/office/drawing/2010/main" w="9525" cap="flat">
                 <a:solidFill>
                   <a:srgbClr val="3465A4"/>
                 </a:solidFill>
@@ -11173,7 +10928,7 @@
               </a14:hiddenLine>
             </a:ext>
             <a:ext uri="{AF507438-7753-43e0-B8FC-AC1667EBCBE1}">
-              <a14:hiddenEffects xmlns:a14="http://schemas.microsoft.com/office/drawing/2010/main" xmlns="">
+              <a14:hiddenEffects xmlns="" xmlns:a14="http://schemas.microsoft.com/office/drawing/2010/main">
                 <a:effectLst>
                   <a:outerShdw blurRad="63500" dist="38099" dir="2700000" algn="ctr" rotWithShape="0">
                     <a:srgbClr val="000000">
@@ -11214,12 +10969,12 @@
           <a:effectLst/>
           <a:extLst>
             <a:ext uri="{909E8E84-426E-40dd-AFC4-6F175D3DCCD1}">
-              <a14:hiddenFill xmlns:a14="http://schemas.microsoft.com/office/drawing/2010/main" xmlns="">
+              <a14:hiddenFill xmlns="" xmlns:a14="http://schemas.microsoft.com/office/drawing/2010/main">
                 <a:noFill/>
               </a14:hiddenFill>
             </a:ext>
             <a:ext uri="{AF507438-7753-43e0-B8FC-AC1667EBCBE1}">
-              <a14:hiddenEffects xmlns:a14="http://schemas.microsoft.com/office/drawing/2010/main" xmlns="">
+              <a14:hiddenEffects xmlns="" xmlns:a14="http://schemas.microsoft.com/office/drawing/2010/main">
                 <a:effectLst>
                   <a:outerShdw blurRad="63500" dist="38099" dir="2700000" algn="ctr" rotWithShape="0">
                     <a:srgbClr val="000000">
@@ -11262,14 +11017,14 @@
           <a:effectLst/>
           <a:extLst>
             <a:ext uri="{909E8E84-426E-40dd-AFC4-6F175D3DCCD1}">
-              <a14:hiddenFill xmlns:a14="http://schemas.microsoft.com/office/drawing/2010/main" xmlns="">
+              <a14:hiddenFill xmlns="" xmlns:a14="http://schemas.microsoft.com/office/drawing/2010/main">
                 <a:solidFill>
                   <a:srgbClr val="FFFFFF"/>
                 </a:solidFill>
               </a14:hiddenFill>
             </a:ext>
             <a:ext uri="{91240B29-F687-4f45-9708-019B960494DF}">
-              <a14:hiddenLine xmlns:a14="http://schemas.microsoft.com/office/drawing/2010/main" xmlns="" w="9525" cap="flat">
+              <a14:hiddenLine xmlns="" xmlns:a14="http://schemas.microsoft.com/office/drawing/2010/main" w="9525" cap="flat">
                 <a:solidFill>
                   <a:srgbClr val="000000"/>
                 </a:solidFill>
@@ -11279,7 +11034,7 @@
               </a14:hiddenLine>
             </a:ext>
             <a:ext uri="{AF507438-7753-43e0-B8FC-AC1667EBCBE1}">
-              <a14:hiddenEffects xmlns:a14="http://schemas.microsoft.com/office/drawing/2010/main" xmlns="">
+              <a14:hiddenEffects xmlns="" xmlns:a14="http://schemas.microsoft.com/office/drawing/2010/main">
                 <a:effectLst>
                   <a:outerShdw blurRad="63500" dist="38099" dir="2700000" algn="ctr" rotWithShape="0">
                     <a:srgbClr val="000000">
@@ -11595,7 +11350,7 @@
           <a:effectLst/>
           <a:extLst>
             <a:ext uri="{909E8E84-426E-40dd-AFC4-6F175D3DCCD1}">
-              <a14:hiddenFill xmlns:a14="http://schemas.microsoft.com/office/drawing/2010/main" xmlns="">
+              <a14:hiddenFill xmlns="" xmlns:a14="http://schemas.microsoft.com/office/drawing/2010/main">
                 <a:blipFill dpi="0" rotWithShape="0">
                   <a:blip/>
                   <a:srcRect/>
@@ -11606,7 +11361,7 @@
               </a14:hiddenFill>
             </a:ext>
             <a:ext uri="{91240B29-F687-4f45-9708-019B960494DF}">
-              <a14:hiddenLine xmlns:a14="http://schemas.microsoft.com/office/drawing/2010/main" xmlns="" w="9525" cap="flat">
+              <a14:hiddenLine xmlns="" xmlns:a14="http://schemas.microsoft.com/office/drawing/2010/main" w="9525" cap="flat">
                 <a:solidFill>
                   <a:srgbClr val="3465A4"/>
                 </a:solidFill>
@@ -11616,7 +11371,7 @@
               </a14:hiddenLine>
             </a:ext>
             <a:ext uri="{AF507438-7753-43e0-B8FC-AC1667EBCBE1}">
-              <a14:hiddenEffects xmlns:a14="http://schemas.microsoft.com/office/drawing/2010/main" xmlns="">
+              <a14:hiddenEffects xmlns="" xmlns:a14="http://schemas.microsoft.com/office/drawing/2010/main">
                 <a:effectLst>
                   <a:outerShdw blurRad="63500" dist="38099" dir="2700000" algn="ctr" rotWithShape="0">
                     <a:srgbClr val="000000">
@@ -11665,7 +11420,7 @@
           <a:effectLst/>
           <a:extLst>
             <a:ext uri="{909E8E84-426E-40dd-AFC4-6F175D3DCCD1}">
-              <a14:hiddenFill xmlns:a14="http://schemas.microsoft.com/office/drawing/2010/main" xmlns="">
+              <a14:hiddenFill xmlns="" xmlns:a14="http://schemas.microsoft.com/office/drawing/2010/main">
                 <a:blipFill dpi="0" rotWithShape="0">
                   <a:blip/>
                   <a:srcRect/>
@@ -11676,7 +11431,7 @@
               </a14:hiddenFill>
             </a:ext>
             <a:ext uri="{91240B29-F687-4f45-9708-019B960494DF}">
-              <a14:hiddenLine xmlns:a14="http://schemas.microsoft.com/office/drawing/2010/main" xmlns="" w="9525" cap="flat">
+              <a14:hiddenLine xmlns="" xmlns:a14="http://schemas.microsoft.com/office/drawing/2010/main" w="9525" cap="flat">
                 <a:solidFill>
                   <a:srgbClr val="3465A4"/>
                 </a:solidFill>
@@ -11686,7 +11441,7 @@
               </a14:hiddenLine>
             </a:ext>
             <a:ext uri="{AF507438-7753-43e0-B8FC-AC1667EBCBE1}">
-              <a14:hiddenEffects xmlns:a14="http://schemas.microsoft.com/office/drawing/2010/main" xmlns="">
+              <a14:hiddenEffects xmlns="" xmlns:a14="http://schemas.microsoft.com/office/drawing/2010/main">
                 <a:effectLst>
                   <a:outerShdw blurRad="63500" dist="38099" dir="2700000" algn="ctr" rotWithShape="0">
                     <a:srgbClr val="000000">
@@ -11722,14 +11477,14 @@
           <a:effectLst/>
           <a:extLst>
             <a:ext uri="{909E8E84-426E-40dd-AFC4-6F175D3DCCD1}">
-              <a14:hiddenFill xmlns:a14="http://schemas.microsoft.com/office/drawing/2010/main" xmlns="">
+              <a14:hiddenFill xmlns="" xmlns:a14="http://schemas.microsoft.com/office/drawing/2010/main">
                 <a:solidFill>
                   <a:srgbClr val="FFFFFF"/>
                 </a:solidFill>
               </a14:hiddenFill>
             </a:ext>
             <a:ext uri="{91240B29-F687-4f45-9708-019B960494DF}">
-              <a14:hiddenLine xmlns:a14="http://schemas.microsoft.com/office/drawing/2010/main" xmlns="" w="9525" cap="flat">
+              <a14:hiddenLine xmlns="" xmlns:a14="http://schemas.microsoft.com/office/drawing/2010/main" w="9525" cap="flat">
                 <a:solidFill>
                   <a:srgbClr val="000000"/>
                 </a:solidFill>
@@ -11739,7 +11494,7 @@
               </a14:hiddenLine>
             </a:ext>
             <a:ext uri="{AF507438-7753-43e0-B8FC-AC1667EBCBE1}">
-              <a14:hiddenEffects xmlns:a14="http://schemas.microsoft.com/office/drawing/2010/main" xmlns="">
+              <a14:hiddenEffects xmlns="" xmlns:a14="http://schemas.microsoft.com/office/drawing/2010/main">
                 <a:effectLst>
                   <a:outerShdw blurRad="63500" dist="38099" dir="2700000" algn="ctr" rotWithShape="0">
                     <a:srgbClr val="000000">
@@ -12061,14 +11816,14 @@
           <a:effectLst/>
           <a:extLst>
             <a:ext uri="{909E8E84-426E-40dd-AFC4-6F175D3DCCD1}">
-              <a14:hiddenFill xmlns:a14="http://schemas.microsoft.com/office/drawing/2010/main" xmlns="">
+              <a14:hiddenFill xmlns="" xmlns:a14="http://schemas.microsoft.com/office/drawing/2010/main">
                 <a:solidFill>
                   <a:srgbClr val="FFFFFF"/>
                 </a:solidFill>
               </a14:hiddenFill>
             </a:ext>
             <a:ext uri="{91240B29-F687-4f45-9708-019B960494DF}">
-              <a14:hiddenLine xmlns:a14="http://schemas.microsoft.com/office/drawing/2010/main" xmlns="" w="9525" cap="flat">
+              <a14:hiddenLine xmlns="" xmlns:a14="http://schemas.microsoft.com/office/drawing/2010/main" w="9525" cap="flat">
                 <a:solidFill>
                   <a:srgbClr val="000000"/>
                 </a:solidFill>
@@ -12078,7 +11833,7 @@
               </a14:hiddenLine>
             </a:ext>
             <a:ext uri="{AF507438-7753-43e0-B8FC-AC1667EBCBE1}">
-              <a14:hiddenEffects xmlns:a14="http://schemas.microsoft.com/office/drawing/2010/main" xmlns="">
+              <a14:hiddenEffects xmlns="" xmlns:a14="http://schemas.microsoft.com/office/drawing/2010/main">
                 <a:effectLst>
                   <a:outerShdw blurRad="63500" dist="38099" dir="2700000" algn="ctr" rotWithShape="0">
                     <a:srgbClr val="000000">
@@ -12520,7 +12275,7 @@
           <a:effectLst/>
           <a:extLst>
             <a:ext uri="{909E8E84-426E-40dd-AFC4-6F175D3DCCD1}">
-              <a14:hiddenFill xmlns="" xmlns:a14="http://schemas.microsoft.com/office/drawing/2010/main">
+              <a14:hiddenFill xmlns:a14="http://schemas.microsoft.com/office/drawing/2010/main" xmlns="">
                 <a:blipFill dpi="0" rotWithShape="0">
                   <a:blip/>
                   <a:srcRect/>
@@ -12531,7 +12286,7 @@
               </a14:hiddenFill>
             </a:ext>
             <a:ext uri="{91240B29-F687-4f45-9708-019B960494DF}">
-              <a14:hiddenLine xmlns="" xmlns:a14="http://schemas.microsoft.com/office/drawing/2010/main" w="9525" cap="flat">
+              <a14:hiddenLine xmlns:a14="http://schemas.microsoft.com/office/drawing/2010/main" xmlns="" w="9525" cap="flat">
                 <a:solidFill>
                   <a:srgbClr val="3465A4"/>
                 </a:solidFill>
@@ -12541,7 +12296,7 @@
               </a14:hiddenLine>
             </a:ext>
             <a:ext uri="{AF507438-7753-43e0-B8FC-AC1667EBCBE1}">
-              <a14:hiddenEffects xmlns="" xmlns:a14="http://schemas.microsoft.com/office/drawing/2010/main">
+              <a14:hiddenEffects xmlns:a14="http://schemas.microsoft.com/office/drawing/2010/main" xmlns="">
                 <a:effectLst>
                   <a:outerShdw blurRad="63500" dist="38099" dir="2700000" algn="ctr" rotWithShape="0">
                     <a:srgbClr val="000000">
@@ -12872,7 +12627,7 @@
           <a:effectLst/>
           <a:extLst>
             <a:ext uri="{909E8E84-426E-40dd-AFC4-6F175D3DCCD1}">
-              <a14:hiddenFill xmlns="" xmlns:a14="http://schemas.microsoft.com/office/drawing/2010/main">
+              <a14:hiddenFill xmlns:a14="http://schemas.microsoft.com/office/drawing/2010/main" xmlns="">
                 <a:blipFill dpi="0" rotWithShape="0">
                   <a:blip/>
                   <a:srcRect/>
@@ -12883,7 +12638,7 @@
               </a14:hiddenFill>
             </a:ext>
             <a:ext uri="{91240B29-F687-4f45-9708-019B960494DF}">
-              <a14:hiddenLine xmlns="" xmlns:a14="http://schemas.microsoft.com/office/drawing/2010/main" w="9525" cap="flat">
+              <a14:hiddenLine xmlns:a14="http://schemas.microsoft.com/office/drawing/2010/main" xmlns="" w="9525" cap="flat">
                 <a:solidFill>
                   <a:srgbClr val="3465A4"/>
                 </a:solidFill>
@@ -12893,7 +12648,7 @@
               </a14:hiddenLine>
             </a:ext>
             <a:ext uri="{AF507438-7753-43e0-B8FC-AC1667EBCBE1}">
-              <a14:hiddenEffects xmlns="" xmlns:a14="http://schemas.microsoft.com/office/drawing/2010/main">
+              <a14:hiddenEffects xmlns:a14="http://schemas.microsoft.com/office/drawing/2010/main" xmlns="">
                 <a:effectLst>
                   <a:outerShdw blurRad="63500" dist="38099" dir="2700000" algn="ctr" rotWithShape="0">
                     <a:srgbClr val="000000">
@@ -12935,14 +12690,14 @@
           <a:effectLst/>
           <a:extLst>
             <a:ext uri="{909E8E84-426E-40dd-AFC4-6F175D3DCCD1}">
-              <a14:hiddenFill xmlns="" xmlns:a14="http://schemas.microsoft.com/office/drawing/2010/main">
+              <a14:hiddenFill xmlns:a14="http://schemas.microsoft.com/office/drawing/2010/main" xmlns="">
                 <a:solidFill>
                   <a:srgbClr val="FFFFFF"/>
                 </a:solidFill>
               </a14:hiddenFill>
             </a:ext>
             <a:ext uri="{91240B29-F687-4f45-9708-019B960494DF}">
-              <a14:hiddenLine xmlns="" xmlns:a14="http://schemas.microsoft.com/office/drawing/2010/main" w="9525" cap="flat">
+              <a14:hiddenLine xmlns:a14="http://schemas.microsoft.com/office/drawing/2010/main" xmlns="" w="9525" cap="flat">
                 <a:solidFill>
                   <a:srgbClr val="3465A4"/>
                 </a:solidFill>
@@ -12952,7 +12707,7 @@
               </a14:hiddenLine>
             </a:ext>
             <a:ext uri="{AF507438-7753-43e0-B8FC-AC1667EBCBE1}">
-              <a14:hiddenEffects xmlns="" xmlns:a14="http://schemas.microsoft.com/office/drawing/2010/main">
+              <a14:hiddenEffects xmlns:a14="http://schemas.microsoft.com/office/drawing/2010/main" xmlns="">
                 <a:effectLst>
                   <a:outerShdw blurRad="63500" dist="38099" dir="2700000" algn="ctr" rotWithShape="0">
                     <a:srgbClr val="000000">

--- a/assets/lectures/cshl/2019/mini/RNASeq_MiniLecture_02_04_alignmentQC.pptx
+++ b/assets/lectures/cshl/2019/mini/RNASeq_MiniLecture_02_04_alignmentQC.pptx
@@ -516,14 +516,14 @@
           </a:ln>
           <a:extLst>
             <a:ext uri="{909E8E84-426E-40dd-AFC4-6F175D3DCCD1}">
-              <a14:hiddenFill xmlns="" xmlns:a14="http://schemas.microsoft.com/office/drawing/2010/main">
+              <a14:hiddenFill xmlns:a14="http://schemas.microsoft.com/office/drawing/2010/main" xmlns="">
                 <a:solidFill>
                   <a:srgbClr val="FFFFFF"/>
                 </a:solidFill>
               </a14:hiddenFill>
             </a:ext>
             <a:ext uri="{FAA26D3D-D897-4be2-8F04-BA451C77F1D7}">
-              <ma14:placeholderFlag xmlns="" xmlns:ma14="http://schemas.microsoft.com/office/mac/drawingml/2011/main" val="1"/>
+              <ma14:placeholderFlag xmlns:ma14="http://schemas.microsoft.com/office/mac/drawingml/2011/main" xmlns="" val="1"/>
             </a:ext>
           </a:extLst>
         </p:spPr>
@@ -542,14 +542,14 @@
           <a:noFill/>
           <a:extLst>
             <a:ext uri="{909E8E84-426E-40dd-AFC4-6F175D3DCCD1}">
-              <a14:hiddenFill xmlns="" xmlns:a14="http://schemas.microsoft.com/office/drawing/2010/main">
+              <a14:hiddenFill xmlns:a14="http://schemas.microsoft.com/office/drawing/2010/main" xmlns="">
                 <a:solidFill>
                   <a:srgbClr val="FFFFFF"/>
                 </a:solidFill>
               </a14:hiddenFill>
             </a:ext>
             <a:ext uri="{91240B29-F687-4f45-9708-019B960494DF}">
-              <a14:hiddenLine xmlns="" xmlns:a14="http://schemas.microsoft.com/office/drawing/2010/main" w="9525">
+              <a14:hiddenLine xmlns:a14="http://schemas.microsoft.com/office/drawing/2010/main" xmlns="" w="9525">
                 <a:solidFill>
                   <a:srgbClr val="000000"/>
                 </a:solidFill>
@@ -559,7 +559,7 @@
               </a14:hiddenLine>
             </a:ext>
             <a:ext uri="{FAA26D3D-D897-4be2-8F04-BA451C77F1D7}">
-              <ma14:placeholderFlag xmlns="" xmlns:ma14="http://schemas.microsoft.com/office/mac/drawingml/2011/main" val="1"/>
+              <ma14:placeholderFlag xmlns:ma14="http://schemas.microsoft.com/office/mac/drawingml/2011/main" xmlns="" val="1"/>
             </a:ext>
           </a:extLst>
         </p:spPr>
@@ -593,14 +593,14 @@
           <a:noFill/>
           <a:extLst>
             <a:ext uri="{909E8E84-426E-40dd-AFC4-6F175D3DCCD1}">
-              <a14:hiddenFill xmlns="" xmlns:a14="http://schemas.microsoft.com/office/drawing/2010/main">
+              <a14:hiddenFill xmlns:a14="http://schemas.microsoft.com/office/drawing/2010/main" xmlns="">
                 <a:solidFill>
                   <a:srgbClr val="FFFFFF"/>
                 </a:solidFill>
               </a14:hiddenFill>
             </a:ext>
             <a:ext uri="{91240B29-F687-4f45-9708-019B960494DF}">
-              <a14:hiddenLine xmlns="" xmlns:a14="http://schemas.microsoft.com/office/drawing/2010/main" w="9525">
+              <a14:hiddenLine xmlns:a14="http://schemas.microsoft.com/office/drawing/2010/main" xmlns="" w="9525">
                 <a:solidFill>
                   <a:srgbClr val="000000"/>
                 </a:solidFill>
@@ -941,7 +941,15 @@
             <p:ph type="sldNum" sz="quarter" idx="12"/>
           </p:nvPr>
         </p:nvSpPr>
-        <p:spPr/>
+        <p:spPr>
+          <a:xfrm>
+            <a:off x="9448800" y="6065837"/>
+            <a:ext cx="2743200" cy="365125"/>
+          </a:xfrm>
+          <a:prstGeom prst="rect">
+            <a:avLst/>
+          </a:prstGeom>
+        </p:spPr>
         <p:txBody>
           <a:bodyPr/>
           <a:lstStyle/>
@@ -1055,14 +1063,14 @@
           </a:ln>
           <a:extLst>
             <a:ext uri="{909E8E84-426E-40dd-AFC4-6F175D3DCCD1}">
-              <a14:hiddenFill xmlns:a14="http://schemas.microsoft.com/office/drawing/2010/main" xmlns="">
+              <a14:hiddenFill xmlns="" xmlns:a14="http://schemas.microsoft.com/office/drawing/2010/main">
                 <a:solidFill>
                   <a:srgbClr val="FFFFFF"/>
                 </a:solidFill>
               </a14:hiddenFill>
             </a:ext>
             <a:ext uri="{91240B29-F687-4f45-9708-019B960494DF}">
-              <a14:hiddenLine xmlns:a14="http://schemas.microsoft.com/office/drawing/2010/main" xmlns="" w="9525">
+              <a14:hiddenLine xmlns="" xmlns:a14="http://schemas.microsoft.com/office/drawing/2010/main" w="9525">
                 <a:solidFill>
                   <a:srgbClr val="000000"/>
                 </a:solidFill>
@@ -1205,7 +1213,15 @@
             <p:ph type="sldNum" sz="quarter" idx="12"/>
           </p:nvPr>
         </p:nvSpPr>
-        <p:spPr/>
+        <p:spPr>
+          <a:xfrm>
+            <a:off x="9448800" y="6065837"/>
+            <a:ext cx="2743200" cy="365125"/>
+          </a:xfrm>
+          <a:prstGeom prst="rect">
+            <a:avLst/>
+          </a:prstGeom>
+        </p:spPr>
         <p:txBody>
           <a:bodyPr/>
           <a:lstStyle/>
@@ -1359,7 +1375,15 @@
             <p:ph type="sldNum" sz="quarter" idx="12"/>
           </p:nvPr>
         </p:nvSpPr>
-        <p:spPr/>
+        <p:spPr>
+          <a:xfrm>
+            <a:off x="9448800" y="6065837"/>
+            <a:ext cx="2743200" cy="365125"/>
+          </a:xfrm>
+          <a:prstGeom prst="rect">
+            <a:avLst/>
+          </a:prstGeom>
+        </p:spPr>
         <p:txBody>
           <a:bodyPr/>
           <a:lstStyle/>
@@ -1615,14 +1639,14 @@
           </a:ln>
           <a:extLst>
             <a:ext uri="{909E8E84-426E-40dd-AFC4-6F175D3DCCD1}">
-              <a14:hiddenFill xmlns:a14="http://schemas.microsoft.com/office/drawing/2010/main" xmlns="">
+              <a14:hiddenFill xmlns="" xmlns:a14="http://schemas.microsoft.com/office/drawing/2010/main">
                 <a:solidFill>
                   <a:srgbClr val="FFFFFF"/>
                 </a:solidFill>
               </a14:hiddenFill>
             </a:ext>
             <a:ext uri="{91240B29-F687-4f45-9708-019B960494DF}">
-              <a14:hiddenLine xmlns:a14="http://schemas.microsoft.com/office/drawing/2010/main" xmlns="" w="9525">
+              <a14:hiddenLine xmlns="" xmlns:a14="http://schemas.microsoft.com/office/drawing/2010/main" w="9525">
                 <a:solidFill>
                   <a:srgbClr val="000000"/>
                 </a:solidFill>
@@ -1765,7 +1789,15 @@
             <p:ph type="sldNum" sz="quarter" idx="12"/>
           </p:nvPr>
         </p:nvSpPr>
-        <p:spPr/>
+        <p:spPr>
+          <a:xfrm>
+            <a:off x="9448800" y="6065837"/>
+            <a:ext cx="2743200" cy="365125"/>
+          </a:xfrm>
+          <a:prstGeom prst="rect">
+            <a:avLst/>
+          </a:prstGeom>
+        </p:spPr>
         <p:txBody>
           <a:bodyPr/>
           <a:lstStyle/>
@@ -1986,7 +2018,15 @@
             <p:ph type="sldNum" sz="quarter" idx="12"/>
           </p:nvPr>
         </p:nvSpPr>
-        <p:spPr/>
+        <p:spPr>
+          <a:xfrm>
+            <a:off x="9448800" y="6065837"/>
+            <a:ext cx="2743200" cy="365125"/>
+          </a:xfrm>
+          <a:prstGeom prst="rect">
+            <a:avLst/>
+          </a:prstGeom>
+        </p:spPr>
         <p:txBody>
           <a:bodyPr/>
           <a:lstStyle/>
@@ -2197,7 +2237,15 @@
             <p:ph type="sldNum" sz="quarter" idx="12"/>
           </p:nvPr>
         </p:nvSpPr>
-        <p:spPr/>
+        <p:spPr>
+          <a:xfrm>
+            <a:off x="9448800" y="6065837"/>
+            <a:ext cx="2743200" cy="365125"/>
+          </a:xfrm>
+          <a:prstGeom prst="rect">
+            <a:avLst/>
+          </a:prstGeom>
+        </p:spPr>
         <p:txBody>
           <a:bodyPr/>
           <a:lstStyle/>
@@ -2555,7 +2603,15 @@
             <p:ph type="sldNum" sz="quarter" idx="12"/>
           </p:nvPr>
         </p:nvSpPr>
-        <p:spPr/>
+        <p:spPr>
+          <a:xfrm>
+            <a:off x="9448800" y="6065837"/>
+            <a:ext cx="2743200" cy="365125"/>
+          </a:xfrm>
+          <a:prstGeom prst="rect">
+            <a:avLst/>
+          </a:prstGeom>
+        </p:spPr>
         <p:txBody>
           <a:bodyPr/>
           <a:lstStyle/>
@@ -2642,7 +2698,15 @@
             <p:ph type="sldNum" sz="quarter" idx="12"/>
           </p:nvPr>
         </p:nvSpPr>
-        <p:spPr/>
+        <p:spPr>
+          <a:xfrm>
+            <a:off x="9448800" y="6065837"/>
+            <a:ext cx="2743200" cy="365125"/>
+          </a:xfrm>
+          <a:prstGeom prst="rect">
+            <a:avLst/>
+          </a:prstGeom>
+        </p:spPr>
         <p:txBody>
           <a:bodyPr/>
           <a:lstStyle/>
@@ -2701,7 +2765,15 @@
             <p:ph type="sldNum" sz="quarter" idx="12"/>
           </p:nvPr>
         </p:nvSpPr>
-        <p:spPr/>
+        <p:spPr>
+          <a:xfrm>
+            <a:off x="9448800" y="6065837"/>
+            <a:ext cx="2743200" cy="365125"/>
+          </a:xfrm>
+          <a:prstGeom prst="rect">
+            <a:avLst/>
+          </a:prstGeom>
+        </p:spPr>
         <p:txBody>
           <a:bodyPr/>
           <a:lstStyle/>
@@ -2958,7 +3030,15 @@
             <p:ph type="sldNum" sz="quarter" idx="12"/>
           </p:nvPr>
         </p:nvSpPr>
-        <p:spPr/>
+        <p:spPr>
+          <a:xfrm>
+            <a:off x="9448800" y="6065837"/>
+            <a:ext cx="2743200" cy="365125"/>
+          </a:xfrm>
+          <a:prstGeom prst="rect">
+            <a:avLst/>
+          </a:prstGeom>
+        </p:spPr>
         <p:txBody>
           <a:bodyPr/>
           <a:lstStyle/>
@@ -3192,7 +3272,15 @@
             <p:ph type="sldNum" sz="quarter" idx="12"/>
           </p:nvPr>
         </p:nvSpPr>
-        <p:spPr/>
+        <p:spPr>
+          <a:xfrm>
+            <a:off x="9448800" y="6065837"/>
+            <a:ext cx="2743200" cy="365125"/>
+          </a:xfrm>
+          <a:prstGeom prst="rect">
+            <a:avLst/>
+          </a:prstGeom>
+        </p:spPr>
         <p:txBody>
           <a:bodyPr/>
           <a:lstStyle/>
@@ -3347,53 +3435,6 @@
       </p:sp>
       <p:sp>
         <p:nvSpPr>
-          <p:cNvPr id="6" name="Slide Number Placeholder 5">
-            <a:extLst>
-              <a:ext uri="{FF2B5EF4-FFF2-40B4-BE49-F238E27FC236}">
-                <a16:creationId xmlns:a16="http://schemas.microsoft.com/office/drawing/2014/main" id="{7F50DDCB-DB12-4B4D-B2A3-DF7E27851109}"/>
-              </a:ext>
-            </a:extLst>
-          </p:cNvPr>
-          <p:cNvSpPr>
-            <a:spLocks noGrp="1"/>
-          </p:cNvSpPr>
-          <p:nvPr>
-            <p:ph type="sldNum" sz="quarter" idx="4"/>
-          </p:nvPr>
-        </p:nvSpPr>
-        <p:spPr>
-          <a:xfrm>
-            <a:off x="9448800" y="6065837"/>
-            <a:ext cx="2743200" cy="365125"/>
-          </a:xfrm>
-          <a:prstGeom prst="rect">
-            <a:avLst/>
-          </a:prstGeom>
-        </p:spPr>
-        <p:txBody>
-          <a:bodyPr vert="horz" lIns="91440" tIns="45720" rIns="91440" bIns="45720" rtlCol="0" anchor="ctr"/>
-          <a:lstStyle>
-            <a:lvl1pPr algn="r">
-              <a:defRPr sz="1200">
-                <a:solidFill>
-                  <a:schemeClr val="tx1">
-                    <a:tint val="75000"/>
-                  </a:schemeClr>
-                </a:solidFill>
-              </a:defRPr>
-            </a:lvl1pPr>
-          </a:lstStyle>
-          <a:p>
-            <a:fld id="{0B973F48-4628-F846-BA33-DDE653D83577}" type="slidenum">
-              <a:rPr lang="en-US" smtClean="0"/>
-              <a:t>‹#›</a:t>
-            </a:fld>
-            <a:endParaRPr lang="en-US" dirty="0"/>
-          </a:p>
-        </p:txBody>
-      </p:sp>
-      <p:sp>
-        <p:nvSpPr>
           <p:cNvPr id="9" name="Slide Number Placeholder 5">
             <a:extLst>
               <a:ext uri="{FF2B5EF4-FFF2-40B4-BE49-F238E27FC236}">
@@ -3619,14 +3660,14 @@
           </a:ln>
           <a:extLst>
             <a:ext uri="{909E8E84-426E-40dd-AFC4-6F175D3DCCD1}">
-              <a14:hiddenFill xmlns="" xmlns:a14="http://schemas.microsoft.com/office/drawing/2010/main">
+              <a14:hiddenFill xmlns:a14="http://schemas.microsoft.com/office/drawing/2010/main" xmlns="">
                 <a:solidFill>
                   <a:srgbClr val="FFFFFF"/>
                 </a:solidFill>
               </a14:hiddenFill>
             </a:ext>
             <a:ext uri="{91240B29-F687-4f45-9708-019B960494DF}">
-              <a14:hiddenLine xmlns="" xmlns:a14="http://schemas.microsoft.com/office/drawing/2010/main" w="9525">
+              <a14:hiddenLine xmlns:a14="http://schemas.microsoft.com/office/drawing/2010/main" xmlns="" w="9525">
                 <a:solidFill>
                   <a:srgbClr val="000000"/>
                 </a:solidFill>
@@ -4717,14 +4758,14 @@
             </a:ln>
             <a:extLst>
               <a:ext uri="{909E8E84-426E-40dd-AFC4-6F175D3DCCD1}">
-                <a14:hiddenFill xmlns="" xmlns:a14="http://schemas.microsoft.com/office/drawing/2010/main">
+                <a14:hiddenFill xmlns:a14="http://schemas.microsoft.com/office/drawing/2010/main" xmlns="">
                   <a:solidFill>
                     <a:srgbClr val="FFFFFF"/>
                   </a:solidFill>
                 </a14:hiddenFill>
               </a:ext>
               <a:ext uri="{91240B29-F687-4f45-9708-019B960494DF}">
-                <a14:hiddenLine xmlns="" xmlns:a14="http://schemas.microsoft.com/office/drawing/2010/main" w="9525">
+                <a14:hiddenLine xmlns:a14="http://schemas.microsoft.com/office/drawing/2010/main" xmlns="" w="9525">
                   <a:solidFill>
                     <a:srgbClr val="000000"/>
                   </a:solidFill>
@@ -4868,14 +4909,14 @@
             </a:ln>
             <a:extLst>
               <a:ext uri="{909E8E84-426E-40dd-AFC4-6F175D3DCCD1}">
-                <a14:hiddenFill xmlns="" xmlns:a14="http://schemas.microsoft.com/office/drawing/2010/main">
+                <a14:hiddenFill xmlns:a14="http://schemas.microsoft.com/office/drawing/2010/main" xmlns="">
                   <a:solidFill>
                     <a:srgbClr val="FFFFFF"/>
                   </a:solidFill>
                 </a14:hiddenFill>
               </a:ext>
               <a:ext uri="{91240B29-F687-4f45-9708-019B960494DF}">
-                <a14:hiddenLine xmlns="" xmlns:a14="http://schemas.microsoft.com/office/drawing/2010/main" w="9525">
+                <a14:hiddenLine xmlns:a14="http://schemas.microsoft.com/office/drawing/2010/main" xmlns="" w="9525">
                   <a:solidFill>
                     <a:srgbClr val="000000"/>
                   </a:solidFill>
@@ -5095,7 +5136,7 @@
           <a:effectLst/>
           <a:extLst>
             <a:ext uri="{909E8E84-426E-40dd-AFC4-6F175D3DCCD1}">
-              <a14:hiddenFill xmlns:a14="http://schemas.microsoft.com/office/drawing/2010/main" xmlns="">
+              <a14:hiddenFill xmlns="" xmlns:a14="http://schemas.microsoft.com/office/drawing/2010/main">
                 <a:blipFill dpi="0" rotWithShape="0">
                   <a:blip/>
                   <a:srcRect/>
@@ -5106,7 +5147,7 @@
               </a14:hiddenFill>
             </a:ext>
             <a:ext uri="{91240B29-F687-4f45-9708-019B960494DF}">
-              <a14:hiddenLine xmlns:a14="http://schemas.microsoft.com/office/drawing/2010/main" xmlns="" w="9525" cap="flat">
+              <a14:hiddenLine xmlns="" xmlns:a14="http://schemas.microsoft.com/office/drawing/2010/main" w="9525" cap="flat">
                 <a:solidFill>
                   <a:srgbClr val="3465A4"/>
                 </a:solidFill>
@@ -5116,7 +5157,7 @@
               </a14:hiddenLine>
             </a:ext>
             <a:ext uri="{AF507438-7753-43e0-B8FC-AC1667EBCBE1}">
-              <a14:hiddenEffects xmlns:a14="http://schemas.microsoft.com/office/drawing/2010/main" xmlns="">
+              <a14:hiddenEffects xmlns="" xmlns:a14="http://schemas.microsoft.com/office/drawing/2010/main">
                 <a:effectLst>
                   <a:outerShdw blurRad="63500" dist="38099" dir="2700000" algn="ctr" rotWithShape="0">
                     <a:srgbClr val="000000">
@@ -5214,14 +5255,14 @@
           <a:effectLst/>
           <a:extLst>
             <a:ext uri="{909E8E84-426E-40dd-AFC4-6F175D3DCCD1}">
-              <a14:hiddenFill xmlns:a14="http://schemas.microsoft.com/office/drawing/2010/main" xmlns="">
+              <a14:hiddenFill xmlns="" xmlns:a14="http://schemas.microsoft.com/office/drawing/2010/main">
                 <a:solidFill>
                   <a:srgbClr val="FFFFFF"/>
                 </a:solidFill>
               </a14:hiddenFill>
             </a:ext>
             <a:ext uri="{91240B29-F687-4f45-9708-019B960494DF}">
-              <a14:hiddenLine xmlns:a14="http://schemas.microsoft.com/office/drawing/2010/main" xmlns="" w="9525" cap="flat">
+              <a14:hiddenLine xmlns="" xmlns:a14="http://schemas.microsoft.com/office/drawing/2010/main" w="9525" cap="flat">
                 <a:solidFill>
                   <a:srgbClr val="000000"/>
                 </a:solidFill>
@@ -5231,7 +5272,7 @@
               </a14:hiddenLine>
             </a:ext>
             <a:ext uri="{AF507438-7753-43e0-B8FC-AC1667EBCBE1}">
-              <a14:hiddenEffects xmlns:a14="http://schemas.microsoft.com/office/drawing/2010/main" xmlns="">
+              <a14:hiddenEffects xmlns="" xmlns:a14="http://schemas.microsoft.com/office/drawing/2010/main">
                 <a:effectLst>
                   <a:outerShdw blurRad="63500" dist="38099" dir="2700000" algn="ctr" rotWithShape="0">
                     <a:srgbClr val="000000">
@@ -5645,7 +5686,7 @@
           <a:effectLst/>
           <a:extLst>
             <a:ext uri="{909E8E84-426E-40dd-AFC4-6F175D3DCCD1}">
-              <a14:hiddenFill xmlns:a14="http://schemas.microsoft.com/office/drawing/2010/main" xmlns="">
+              <a14:hiddenFill xmlns="" xmlns:a14="http://schemas.microsoft.com/office/drawing/2010/main">
                 <a:blipFill dpi="0" rotWithShape="0">
                   <a:blip/>
                   <a:srcRect/>
@@ -5656,7 +5697,7 @@
               </a14:hiddenFill>
             </a:ext>
             <a:ext uri="{91240B29-F687-4f45-9708-019B960494DF}">
-              <a14:hiddenLine xmlns:a14="http://schemas.microsoft.com/office/drawing/2010/main" xmlns="" w="9525" cap="flat">
+              <a14:hiddenLine xmlns="" xmlns:a14="http://schemas.microsoft.com/office/drawing/2010/main" w="9525" cap="flat">
                 <a:solidFill>
                   <a:srgbClr val="3465A4"/>
                 </a:solidFill>
@@ -5666,7 +5707,7 @@
               </a14:hiddenLine>
             </a:ext>
             <a:ext uri="{AF507438-7753-43e0-B8FC-AC1667EBCBE1}">
-              <a14:hiddenEffects xmlns:a14="http://schemas.microsoft.com/office/drawing/2010/main" xmlns="">
+              <a14:hiddenEffects xmlns="" xmlns:a14="http://schemas.microsoft.com/office/drawing/2010/main">
                 <a:effectLst>
                   <a:outerShdw blurRad="63500" dist="38099" dir="2700000" algn="ctr" rotWithShape="0">
                     <a:srgbClr val="000000">
@@ -5721,7 +5762,7 @@
           <a:effectLst/>
           <a:extLst>
             <a:ext uri="{909E8E84-426E-40dd-AFC4-6F175D3DCCD1}">
-              <a14:hiddenFill xmlns:a14="http://schemas.microsoft.com/office/drawing/2010/main" xmlns="">
+              <a14:hiddenFill xmlns="" xmlns:a14="http://schemas.microsoft.com/office/drawing/2010/main">
                 <a:blipFill dpi="0" rotWithShape="0">
                   <a:blip/>
                   <a:srcRect/>
@@ -5732,7 +5773,7 @@
               </a14:hiddenFill>
             </a:ext>
             <a:ext uri="{91240B29-F687-4f45-9708-019B960494DF}">
-              <a14:hiddenLine xmlns:a14="http://schemas.microsoft.com/office/drawing/2010/main" xmlns="" w="9525" cap="flat">
+              <a14:hiddenLine xmlns="" xmlns:a14="http://schemas.microsoft.com/office/drawing/2010/main" w="9525" cap="flat">
                 <a:solidFill>
                   <a:srgbClr val="3465A4"/>
                 </a:solidFill>
@@ -5742,7 +5783,7 @@
               </a14:hiddenLine>
             </a:ext>
             <a:ext uri="{AF507438-7753-43e0-B8FC-AC1667EBCBE1}">
-              <a14:hiddenEffects xmlns:a14="http://schemas.microsoft.com/office/drawing/2010/main" xmlns="">
+              <a14:hiddenEffects xmlns="" xmlns:a14="http://schemas.microsoft.com/office/drawing/2010/main">
                 <a:effectLst>
                   <a:outerShdw blurRad="63500" dist="38099" dir="2700000" algn="ctr" rotWithShape="0">
                     <a:srgbClr val="000000">
@@ -5784,14 +5825,14 @@
           <a:effectLst/>
           <a:extLst>
             <a:ext uri="{909E8E84-426E-40dd-AFC4-6F175D3DCCD1}">
-              <a14:hiddenFill xmlns:a14="http://schemas.microsoft.com/office/drawing/2010/main" xmlns="">
+              <a14:hiddenFill xmlns="" xmlns:a14="http://schemas.microsoft.com/office/drawing/2010/main">
                 <a:solidFill>
                   <a:srgbClr val="FFFFFF"/>
                 </a:solidFill>
               </a14:hiddenFill>
             </a:ext>
             <a:ext uri="{91240B29-F687-4f45-9708-019B960494DF}">
-              <a14:hiddenLine xmlns:a14="http://schemas.microsoft.com/office/drawing/2010/main" xmlns="" w="9525" cap="flat">
+              <a14:hiddenLine xmlns="" xmlns:a14="http://schemas.microsoft.com/office/drawing/2010/main" w="9525" cap="flat">
                 <a:solidFill>
                   <a:srgbClr val="000000"/>
                 </a:solidFill>
@@ -5801,7 +5842,7 @@
               </a14:hiddenLine>
             </a:ext>
             <a:ext uri="{AF507438-7753-43e0-B8FC-AC1667EBCBE1}">
-              <a14:hiddenEffects xmlns:a14="http://schemas.microsoft.com/office/drawing/2010/main" xmlns="">
+              <a14:hiddenEffects xmlns="" xmlns:a14="http://schemas.microsoft.com/office/drawing/2010/main">
                 <a:effectLst>
                   <a:outerShdw blurRad="63500" dist="38099" dir="2700000" algn="ctr" rotWithShape="0">
                     <a:srgbClr val="000000">
@@ -6062,14 +6103,14 @@
           <a:effectLst/>
           <a:extLst>
             <a:ext uri="{909E8E84-426E-40dd-AFC4-6F175D3DCCD1}">
-              <a14:hiddenFill xmlns:a14="http://schemas.microsoft.com/office/drawing/2010/main" xmlns="">
+              <a14:hiddenFill xmlns="" xmlns:a14="http://schemas.microsoft.com/office/drawing/2010/main">
                 <a:solidFill>
                   <a:srgbClr val="FFFFFF"/>
                 </a:solidFill>
               </a14:hiddenFill>
             </a:ext>
             <a:ext uri="{91240B29-F687-4f45-9708-019B960494DF}">
-              <a14:hiddenLine xmlns:a14="http://schemas.microsoft.com/office/drawing/2010/main" xmlns="" w="9525" cap="flat">
+              <a14:hiddenLine xmlns="" xmlns:a14="http://schemas.microsoft.com/office/drawing/2010/main" w="9525" cap="flat">
                 <a:solidFill>
                   <a:srgbClr val="000000"/>
                 </a:solidFill>
@@ -6079,7 +6120,7 @@
               </a14:hiddenLine>
             </a:ext>
             <a:ext uri="{AF507438-7753-43e0-B8FC-AC1667EBCBE1}">
-              <a14:hiddenEffects xmlns:a14="http://schemas.microsoft.com/office/drawing/2010/main" xmlns="">
+              <a14:hiddenEffects xmlns="" xmlns:a14="http://schemas.microsoft.com/office/drawing/2010/main">
                 <a:effectLst>
                   <a:outerShdw blurRad="63500" dist="38099" dir="2700000" algn="ctr" rotWithShape="0">
                     <a:srgbClr val="000000">
@@ -6386,7 +6427,7 @@
           <a:effectLst/>
           <a:extLst>
             <a:ext uri="{909E8E84-426E-40dd-AFC4-6F175D3DCCD1}">
-              <a14:hiddenFill xmlns="" xmlns:a14="http://schemas.microsoft.com/office/drawing/2010/main">
+              <a14:hiddenFill xmlns:a14="http://schemas.microsoft.com/office/drawing/2010/main" xmlns="">
                 <a:blipFill dpi="0" rotWithShape="0">
                   <a:blip/>
                   <a:srcRect/>
@@ -6397,7 +6438,7 @@
               </a14:hiddenFill>
             </a:ext>
             <a:ext uri="{91240B29-F687-4f45-9708-019B960494DF}">
-              <a14:hiddenLine xmlns="" xmlns:a14="http://schemas.microsoft.com/office/drawing/2010/main" w="9525" cap="flat">
+              <a14:hiddenLine xmlns:a14="http://schemas.microsoft.com/office/drawing/2010/main" xmlns="" w="9525" cap="flat">
                 <a:solidFill>
                   <a:srgbClr val="3465A4"/>
                 </a:solidFill>
@@ -6407,7 +6448,7 @@
               </a14:hiddenLine>
             </a:ext>
             <a:ext uri="{AF507438-7753-43e0-B8FC-AC1667EBCBE1}">
-              <a14:hiddenEffects xmlns="" xmlns:a14="http://schemas.microsoft.com/office/drawing/2010/main">
+              <a14:hiddenEffects xmlns:a14="http://schemas.microsoft.com/office/drawing/2010/main" xmlns="">
                 <a:effectLst>
                   <a:outerShdw blurRad="63500" dist="38099" dir="2700000" algn="ctr" rotWithShape="0">
                     <a:srgbClr val="000000">
@@ -6456,7 +6497,7 @@
           <a:effectLst/>
           <a:extLst>
             <a:ext uri="{909E8E84-426E-40dd-AFC4-6F175D3DCCD1}">
-              <a14:hiddenFill xmlns="" xmlns:a14="http://schemas.microsoft.com/office/drawing/2010/main">
+              <a14:hiddenFill xmlns:a14="http://schemas.microsoft.com/office/drawing/2010/main" xmlns="">
                 <a:blipFill dpi="0" rotWithShape="0">
                   <a:blip/>
                   <a:srcRect/>
@@ -6467,7 +6508,7 @@
               </a14:hiddenFill>
             </a:ext>
             <a:ext uri="{91240B29-F687-4f45-9708-019B960494DF}">
-              <a14:hiddenLine xmlns="" xmlns:a14="http://schemas.microsoft.com/office/drawing/2010/main" w="9525" cap="flat">
+              <a14:hiddenLine xmlns:a14="http://schemas.microsoft.com/office/drawing/2010/main" xmlns="" w="9525" cap="flat">
                 <a:solidFill>
                   <a:srgbClr val="3465A4"/>
                 </a:solidFill>
@@ -6477,7 +6518,7 @@
               </a14:hiddenLine>
             </a:ext>
             <a:ext uri="{AF507438-7753-43e0-B8FC-AC1667EBCBE1}">
-              <a14:hiddenEffects xmlns="" xmlns:a14="http://schemas.microsoft.com/office/drawing/2010/main">
+              <a14:hiddenEffects xmlns:a14="http://schemas.microsoft.com/office/drawing/2010/main" xmlns="">
                 <a:effectLst>
                   <a:outerShdw blurRad="63500" dist="38099" dir="2700000" algn="ctr" rotWithShape="0">
                     <a:srgbClr val="000000">
@@ -6513,14 +6554,14 @@
           <a:effectLst/>
           <a:extLst>
             <a:ext uri="{909E8E84-426E-40dd-AFC4-6F175D3DCCD1}">
-              <a14:hiddenFill xmlns="" xmlns:a14="http://schemas.microsoft.com/office/drawing/2010/main">
+              <a14:hiddenFill xmlns:a14="http://schemas.microsoft.com/office/drawing/2010/main" xmlns="">
                 <a:solidFill>
                   <a:srgbClr val="FFFFFF"/>
                 </a:solidFill>
               </a14:hiddenFill>
             </a:ext>
             <a:ext uri="{91240B29-F687-4f45-9708-019B960494DF}">
-              <a14:hiddenLine xmlns="" xmlns:a14="http://schemas.microsoft.com/office/drawing/2010/main" w="9525" cap="flat">
+              <a14:hiddenLine xmlns:a14="http://schemas.microsoft.com/office/drawing/2010/main" xmlns="" w="9525" cap="flat">
                 <a:solidFill>
                   <a:srgbClr val="000000"/>
                 </a:solidFill>
@@ -6530,7 +6571,7 @@
               </a14:hiddenLine>
             </a:ext>
             <a:ext uri="{AF507438-7753-43e0-B8FC-AC1667EBCBE1}">
-              <a14:hiddenEffects xmlns="" xmlns:a14="http://schemas.microsoft.com/office/drawing/2010/main">
+              <a14:hiddenEffects xmlns:a14="http://schemas.microsoft.com/office/drawing/2010/main" xmlns="">
                 <a:effectLst>
                   <a:outerShdw blurRad="63500" dist="38099" dir="2700000" algn="ctr" rotWithShape="0">
                     <a:srgbClr val="000000">
@@ -6931,7 +6972,7 @@
           <a:effectLst/>
           <a:extLst>
             <a:ext uri="{909E8E84-426E-40dd-AFC4-6F175D3DCCD1}">
-              <a14:hiddenFill xmlns="" xmlns:a14="http://schemas.microsoft.com/office/drawing/2010/main">
+              <a14:hiddenFill xmlns:a14="http://schemas.microsoft.com/office/drawing/2010/main" xmlns="">
                 <a:blipFill dpi="0" rotWithShape="0">
                   <a:blip/>
                   <a:srcRect/>
@@ -6942,7 +6983,7 @@
               </a14:hiddenFill>
             </a:ext>
             <a:ext uri="{91240B29-F687-4f45-9708-019B960494DF}">
-              <a14:hiddenLine xmlns="" xmlns:a14="http://schemas.microsoft.com/office/drawing/2010/main" w="9525" cap="flat">
+              <a14:hiddenLine xmlns:a14="http://schemas.microsoft.com/office/drawing/2010/main" xmlns="" w="9525" cap="flat">
                 <a:solidFill>
                   <a:srgbClr val="3465A4"/>
                 </a:solidFill>
@@ -6952,7 +6993,7 @@
               </a14:hiddenLine>
             </a:ext>
             <a:ext uri="{AF507438-7753-43e0-B8FC-AC1667EBCBE1}">
-              <a14:hiddenEffects xmlns="" xmlns:a14="http://schemas.microsoft.com/office/drawing/2010/main">
+              <a14:hiddenEffects xmlns:a14="http://schemas.microsoft.com/office/drawing/2010/main" xmlns="">
                 <a:effectLst>
                   <a:outerShdw blurRad="63500" dist="38099" dir="2700000" algn="ctr" rotWithShape="0">
                     <a:srgbClr val="000000">
@@ -6988,14 +7029,14 @@
           <a:effectLst/>
           <a:extLst>
             <a:ext uri="{909E8E84-426E-40dd-AFC4-6F175D3DCCD1}">
-              <a14:hiddenFill xmlns="" xmlns:a14="http://schemas.microsoft.com/office/drawing/2010/main">
+              <a14:hiddenFill xmlns:a14="http://schemas.microsoft.com/office/drawing/2010/main" xmlns="">
                 <a:solidFill>
                   <a:srgbClr val="FFFFFF"/>
                 </a:solidFill>
               </a14:hiddenFill>
             </a:ext>
             <a:ext uri="{91240B29-F687-4f45-9708-019B960494DF}">
-              <a14:hiddenLine xmlns="" xmlns:a14="http://schemas.microsoft.com/office/drawing/2010/main" w="9525" cap="flat">
+              <a14:hiddenLine xmlns:a14="http://schemas.microsoft.com/office/drawing/2010/main" xmlns="" w="9525" cap="flat">
                 <a:solidFill>
                   <a:srgbClr val="000000"/>
                 </a:solidFill>
@@ -7005,7 +7046,7 @@
               </a14:hiddenLine>
             </a:ext>
             <a:ext uri="{AF507438-7753-43e0-B8FC-AC1667EBCBE1}">
-              <a14:hiddenEffects xmlns="" xmlns:a14="http://schemas.microsoft.com/office/drawing/2010/main">
+              <a14:hiddenEffects xmlns:a14="http://schemas.microsoft.com/office/drawing/2010/main" xmlns="">
                 <a:effectLst>
                   <a:outerShdw blurRad="63500" dist="38099" dir="2700000" algn="ctr" rotWithShape="0">
                     <a:srgbClr val="000000">
@@ -7288,14 +7329,14 @@
           <a:effectLst/>
           <a:extLst>
             <a:ext uri="{909E8E84-426E-40dd-AFC4-6F175D3DCCD1}">
-              <a14:hiddenFill xmlns="" xmlns:a14="http://schemas.microsoft.com/office/drawing/2010/main">
+              <a14:hiddenFill xmlns:a14="http://schemas.microsoft.com/office/drawing/2010/main" xmlns="">
                 <a:solidFill>
                   <a:srgbClr val="FFFFFF"/>
                 </a:solidFill>
               </a14:hiddenFill>
             </a:ext>
             <a:ext uri="{91240B29-F687-4f45-9708-019B960494DF}">
-              <a14:hiddenLine xmlns="" xmlns:a14="http://schemas.microsoft.com/office/drawing/2010/main" w="9525" cap="flat">
+              <a14:hiddenLine xmlns:a14="http://schemas.microsoft.com/office/drawing/2010/main" xmlns="" w="9525" cap="flat">
                 <a:solidFill>
                   <a:srgbClr val="3465A4"/>
                 </a:solidFill>
@@ -7305,7 +7346,7 @@
               </a14:hiddenLine>
             </a:ext>
             <a:ext uri="{AF507438-7753-43e0-B8FC-AC1667EBCBE1}">
-              <a14:hiddenEffects xmlns="" xmlns:a14="http://schemas.microsoft.com/office/drawing/2010/main">
+              <a14:hiddenEffects xmlns:a14="http://schemas.microsoft.com/office/drawing/2010/main" xmlns="">
                 <a:effectLst>
                   <a:outerShdw blurRad="63500" dist="38099" dir="2700000" algn="ctr" rotWithShape="0">
                     <a:srgbClr val="000000">
@@ -7667,14 +7708,14 @@
           </a:ln>
           <a:extLst>
             <a:ext uri="{909E8E84-426E-40dd-AFC4-6F175D3DCCD1}">
-              <a14:hiddenFill xmlns="" xmlns:a14="http://schemas.microsoft.com/office/drawing/2010/main">
+              <a14:hiddenFill xmlns:a14="http://schemas.microsoft.com/office/drawing/2010/main" xmlns="">
                 <a:solidFill>
                   <a:srgbClr val="FFFFFF"/>
                 </a:solidFill>
               </a14:hiddenFill>
             </a:ext>
             <a:ext uri="{91240B29-F687-4f45-9708-019B960494DF}">
-              <a14:hiddenLine xmlns="" xmlns:a14="http://schemas.microsoft.com/office/drawing/2010/main" w="9525">
+              <a14:hiddenLine xmlns:a14="http://schemas.microsoft.com/office/drawing/2010/main" xmlns="" w="9525">
                 <a:solidFill>
                   <a:srgbClr val="000000"/>
                 </a:solidFill>
@@ -8159,14 +8200,14 @@
           </a:ln>
           <a:extLst>
             <a:ext uri="{909E8E84-426E-40dd-AFC4-6F175D3DCCD1}">
-              <a14:hiddenFill xmlns="" xmlns:a14="http://schemas.microsoft.com/office/drawing/2010/main">
+              <a14:hiddenFill xmlns:a14="http://schemas.microsoft.com/office/drawing/2010/main" xmlns="">
                 <a:solidFill>
                   <a:srgbClr val="FFFFFF"/>
                 </a:solidFill>
               </a14:hiddenFill>
             </a:ext>
             <a:ext uri="{91240B29-F687-4f45-9708-019B960494DF}">
-              <a14:hiddenLine xmlns="" xmlns:a14="http://schemas.microsoft.com/office/drawing/2010/main" w="9525">
+              <a14:hiddenLine xmlns:a14="http://schemas.microsoft.com/office/drawing/2010/main" xmlns="" w="9525">
                 <a:solidFill>
                   <a:srgbClr val="000000"/>
                 </a:solidFill>
@@ -8355,14 +8396,14 @@
           </a:ln>
           <a:extLst>
             <a:ext uri="{909E8E84-426E-40dd-AFC4-6F175D3DCCD1}">
-              <a14:hiddenFill xmlns="" xmlns:a14="http://schemas.microsoft.com/office/drawing/2010/main">
+              <a14:hiddenFill xmlns:a14="http://schemas.microsoft.com/office/drawing/2010/main" xmlns="">
                 <a:solidFill>
                   <a:srgbClr val="FFFFFF"/>
                 </a:solidFill>
               </a14:hiddenFill>
             </a:ext>
             <a:ext uri="{91240B29-F687-4f45-9708-019B960494DF}">
-              <a14:hiddenLine xmlns="" xmlns:a14="http://schemas.microsoft.com/office/drawing/2010/main" w="9525">
+              <a14:hiddenLine xmlns:a14="http://schemas.microsoft.com/office/drawing/2010/main" xmlns="" w="9525">
                 <a:solidFill>
                   <a:srgbClr val="000000"/>
                 </a:solidFill>
@@ -8551,14 +8592,14 @@
           </a:ln>
           <a:extLst>
             <a:ext uri="{909E8E84-426E-40dd-AFC4-6F175D3DCCD1}">
-              <a14:hiddenFill xmlns="" xmlns:a14="http://schemas.microsoft.com/office/drawing/2010/main">
+              <a14:hiddenFill xmlns:a14="http://schemas.microsoft.com/office/drawing/2010/main" xmlns="">
                 <a:solidFill>
                   <a:srgbClr val="FFFFFF"/>
                 </a:solidFill>
               </a14:hiddenFill>
             </a:ext>
             <a:ext uri="{91240B29-F687-4f45-9708-019B960494DF}">
-              <a14:hiddenLine xmlns="" xmlns:a14="http://schemas.microsoft.com/office/drawing/2010/main" w="9525">
+              <a14:hiddenLine xmlns:a14="http://schemas.microsoft.com/office/drawing/2010/main" xmlns="" w="9525">
                 <a:solidFill>
                   <a:srgbClr val="000000"/>
                 </a:solidFill>
@@ -8712,14 +8753,14 @@
           </a:ln>
           <a:extLst>
             <a:ext uri="{909E8E84-426E-40dd-AFC4-6F175D3DCCD1}">
-              <a14:hiddenFill xmlns="" xmlns:a14="http://schemas.microsoft.com/office/drawing/2010/main">
+              <a14:hiddenFill xmlns:a14="http://schemas.microsoft.com/office/drawing/2010/main" xmlns="">
                 <a:solidFill>
                   <a:srgbClr val="FFFFFF"/>
                 </a:solidFill>
               </a14:hiddenFill>
             </a:ext>
             <a:ext uri="{91240B29-F687-4f45-9708-019B960494DF}">
-              <a14:hiddenLine xmlns="" xmlns:a14="http://schemas.microsoft.com/office/drawing/2010/main" w="9525">
+              <a14:hiddenLine xmlns:a14="http://schemas.microsoft.com/office/drawing/2010/main" xmlns="" w="9525">
                 <a:solidFill>
                   <a:srgbClr val="000000"/>
                 </a:solidFill>
@@ -8908,14 +8949,14 @@
           </a:ln>
           <a:extLst>
             <a:ext uri="{909E8E84-426E-40dd-AFC4-6F175D3DCCD1}">
-              <a14:hiddenFill xmlns="" xmlns:a14="http://schemas.microsoft.com/office/drawing/2010/main">
+              <a14:hiddenFill xmlns:a14="http://schemas.microsoft.com/office/drawing/2010/main" xmlns="">
                 <a:solidFill>
                   <a:srgbClr val="FFFFFF"/>
                 </a:solidFill>
               </a14:hiddenFill>
             </a:ext>
             <a:ext uri="{91240B29-F687-4f45-9708-019B960494DF}">
-              <a14:hiddenLine xmlns="" xmlns:a14="http://schemas.microsoft.com/office/drawing/2010/main" w="9525">
+              <a14:hiddenLine xmlns:a14="http://schemas.microsoft.com/office/drawing/2010/main" xmlns="" w="9525">
                 <a:solidFill>
                   <a:srgbClr val="000000"/>
                 </a:solidFill>
@@ -9146,14 +9187,14 @@
           </a:ln>
           <a:extLst>
             <a:ext uri="{909E8E84-426E-40dd-AFC4-6F175D3DCCD1}">
-              <a14:hiddenFill xmlns="" xmlns:a14="http://schemas.microsoft.com/office/drawing/2010/main">
+              <a14:hiddenFill xmlns:a14="http://schemas.microsoft.com/office/drawing/2010/main" xmlns="">
                 <a:solidFill>
                   <a:srgbClr val="FFFFFF"/>
                 </a:solidFill>
               </a14:hiddenFill>
             </a:ext>
             <a:ext uri="{91240B29-F687-4f45-9708-019B960494DF}">
-              <a14:hiddenLine xmlns="" xmlns:a14="http://schemas.microsoft.com/office/drawing/2010/main" w="9525">
+              <a14:hiddenLine xmlns:a14="http://schemas.microsoft.com/office/drawing/2010/main" xmlns="" w="9525">
                 <a:solidFill>
                   <a:srgbClr val="000000"/>
                 </a:solidFill>
@@ -9342,14 +9383,14 @@
           </a:ln>
           <a:extLst>
             <a:ext uri="{909E8E84-426E-40dd-AFC4-6F175D3DCCD1}">
-              <a14:hiddenFill xmlns="" xmlns:a14="http://schemas.microsoft.com/office/drawing/2010/main">
+              <a14:hiddenFill xmlns:a14="http://schemas.microsoft.com/office/drawing/2010/main" xmlns="">
                 <a:solidFill>
                   <a:srgbClr val="FFFFFF"/>
                 </a:solidFill>
               </a14:hiddenFill>
             </a:ext>
             <a:ext uri="{91240B29-F687-4f45-9708-019B960494DF}">
-              <a14:hiddenLine xmlns="" xmlns:a14="http://schemas.microsoft.com/office/drawing/2010/main" w="9525">
+              <a14:hiddenLine xmlns:a14="http://schemas.microsoft.com/office/drawing/2010/main" xmlns="" w="9525">
                 <a:solidFill>
                   <a:srgbClr val="000000"/>
                 </a:solidFill>
@@ -9538,14 +9579,14 @@
           </a:ln>
           <a:extLst>
             <a:ext uri="{909E8E84-426E-40dd-AFC4-6F175D3DCCD1}">
-              <a14:hiddenFill xmlns="" xmlns:a14="http://schemas.microsoft.com/office/drawing/2010/main">
+              <a14:hiddenFill xmlns:a14="http://schemas.microsoft.com/office/drawing/2010/main" xmlns="">
                 <a:solidFill>
                   <a:srgbClr val="FFFFFF"/>
                 </a:solidFill>
               </a14:hiddenFill>
             </a:ext>
             <a:ext uri="{91240B29-F687-4f45-9708-019B960494DF}">
-              <a14:hiddenLine xmlns="" xmlns:a14="http://schemas.microsoft.com/office/drawing/2010/main" w="9525">
+              <a14:hiddenLine xmlns:a14="http://schemas.microsoft.com/office/drawing/2010/main" xmlns="" w="9525">
                 <a:solidFill>
                   <a:srgbClr val="000000"/>
                 </a:solidFill>
@@ -9741,14 +9782,14 @@
           </a:ln>
           <a:extLst>
             <a:ext uri="{909E8E84-426E-40dd-AFC4-6F175D3DCCD1}">
-              <a14:hiddenFill xmlns="" xmlns:a14="http://schemas.microsoft.com/office/drawing/2010/main">
+              <a14:hiddenFill xmlns:a14="http://schemas.microsoft.com/office/drawing/2010/main" xmlns="">
                 <a:solidFill>
                   <a:srgbClr val="FFFFFF"/>
                 </a:solidFill>
               </a14:hiddenFill>
             </a:ext>
             <a:ext uri="{91240B29-F687-4f45-9708-019B960494DF}">
-              <a14:hiddenLine xmlns="" xmlns:a14="http://schemas.microsoft.com/office/drawing/2010/main" w="9525">
+              <a14:hiddenLine xmlns:a14="http://schemas.microsoft.com/office/drawing/2010/main" xmlns="" w="9525">
                 <a:solidFill>
                   <a:srgbClr val="000000"/>
                 </a:solidFill>
@@ -9937,14 +9978,14 @@
           </a:ln>
           <a:extLst>
             <a:ext uri="{909E8E84-426E-40dd-AFC4-6F175D3DCCD1}">
-              <a14:hiddenFill xmlns="" xmlns:a14="http://schemas.microsoft.com/office/drawing/2010/main">
+              <a14:hiddenFill xmlns:a14="http://schemas.microsoft.com/office/drawing/2010/main" xmlns="">
                 <a:solidFill>
                   <a:srgbClr val="FFFFFF"/>
                 </a:solidFill>
               </a14:hiddenFill>
             </a:ext>
             <a:ext uri="{91240B29-F687-4f45-9708-019B960494DF}">
-              <a14:hiddenLine xmlns="" xmlns:a14="http://schemas.microsoft.com/office/drawing/2010/main" w="9525">
+              <a14:hiddenLine xmlns:a14="http://schemas.microsoft.com/office/drawing/2010/main" xmlns="" w="9525">
                 <a:solidFill>
                   <a:srgbClr val="000000"/>
                 </a:solidFill>
@@ -10140,14 +10181,14 @@
           </a:ln>
           <a:extLst>
             <a:ext uri="{909E8E84-426E-40dd-AFC4-6F175D3DCCD1}">
-              <a14:hiddenFill xmlns="" xmlns:a14="http://schemas.microsoft.com/office/drawing/2010/main">
+              <a14:hiddenFill xmlns:a14="http://schemas.microsoft.com/office/drawing/2010/main" xmlns="">
                 <a:solidFill>
                   <a:srgbClr val="FFFFFF"/>
                 </a:solidFill>
               </a14:hiddenFill>
             </a:ext>
             <a:ext uri="{91240B29-F687-4f45-9708-019B960494DF}">
-              <a14:hiddenLine xmlns="" xmlns:a14="http://schemas.microsoft.com/office/drawing/2010/main" w="9525">
+              <a14:hiddenLine xmlns:a14="http://schemas.microsoft.com/office/drawing/2010/main" xmlns="" w="9525">
                 <a:solidFill>
                   <a:srgbClr val="000000"/>
                 </a:solidFill>
@@ -10343,14 +10384,14 @@
           </a:ln>
           <a:extLst>
             <a:ext uri="{909E8E84-426E-40dd-AFC4-6F175D3DCCD1}">
-              <a14:hiddenFill xmlns="" xmlns:a14="http://schemas.microsoft.com/office/drawing/2010/main">
+              <a14:hiddenFill xmlns:a14="http://schemas.microsoft.com/office/drawing/2010/main" xmlns="">
                 <a:solidFill>
                   <a:srgbClr val="FFFFFF"/>
                 </a:solidFill>
               </a14:hiddenFill>
             </a:ext>
             <a:ext uri="{91240B29-F687-4f45-9708-019B960494DF}">
-              <a14:hiddenLine xmlns="" xmlns:a14="http://schemas.microsoft.com/office/drawing/2010/main" w="9525">
+              <a14:hiddenLine xmlns:a14="http://schemas.microsoft.com/office/drawing/2010/main" xmlns="" w="9525">
                 <a:solidFill>
                   <a:srgbClr val="000000"/>
                 </a:solidFill>
@@ -10837,7 +10878,7 @@
           <a:effectLst/>
           <a:extLst>
             <a:ext uri="{909E8E84-426E-40dd-AFC4-6F175D3DCCD1}">
-              <a14:hiddenFill xmlns="" xmlns:a14="http://schemas.microsoft.com/office/drawing/2010/main">
+              <a14:hiddenFill xmlns:a14="http://schemas.microsoft.com/office/drawing/2010/main" xmlns="">
                 <a:blipFill dpi="0" rotWithShape="0">
                   <a:blip/>
                   <a:srcRect/>
@@ -10848,7 +10889,7 @@
               </a14:hiddenFill>
             </a:ext>
             <a:ext uri="{91240B29-F687-4f45-9708-019B960494DF}">
-              <a14:hiddenLine xmlns="" xmlns:a14="http://schemas.microsoft.com/office/drawing/2010/main" w="9525" cap="flat">
+              <a14:hiddenLine xmlns:a14="http://schemas.microsoft.com/office/drawing/2010/main" xmlns="" w="9525" cap="flat">
                 <a:solidFill>
                   <a:srgbClr val="3465A4"/>
                 </a:solidFill>
@@ -10858,7 +10899,7 @@
               </a14:hiddenLine>
             </a:ext>
             <a:ext uri="{AF507438-7753-43e0-B8FC-AC1667EBCBE1}">
-              <a14:hiddenEffects xmlns="" xmlns:a14="http://schemas.microsoft.com/office/drawing/2010/main">
+              <a14:hiddenEffects xmlns:a14="http://schemas.microsoft.com/office/drawing/2010/main" xmlns="">
                 <a:effectLst>
                   <a:outerShdw blurRad="63500" dist="38099" dir="2700000" algn="ctr" rotWithShape="0">
                     <a:srgbClr val="000000">
@@ -10907,7 +10948,7 @@
           <a:effectLst/>
           <a:extLst>
             <a:ext uri="{909E8E84-426E-40dd-AFC4-6F175D3DCCD1}">
-              <a14:hiddenFill xmlns="" xmlns:a14="http://schemas.microsoft.com/office/drawing/2010/main">
+              <a14:hiddenFill xmlns:a14="http://schemas.microsoft.com/office/drawing/2010/main" xmlns="">
                 <a:blipFill dpi="0" rotWithShape="0">
                   <a:blip/>
                   <a:srcRect/>
@@ -10918,7 +10959,7 @@
               </a14:hiddenFill>
             </a:ext>
             <a:ext uri="{91240B29-F687-4f45-9708-019B960494DF}">
-              <a14:hiddenLine xmlns="" xmlns:a14="http://schemas.microsoft.com/office/drawing/2010/main" w="9525" cap="flat">
+              <a14:hiddenLine xmlns:a14="http://schemas.microsoft.com/office/drawing/2010/main" xmlns="" w="9525" cap="flat">
                 <a:solidFill>
                   <a:srgbClr val="3465A4"/>
                 </a:solidFill>
@@ -10928,7 +10969,7 @@
               </a14:hiddenLine>
             </a:ext>
             <a:ext uri="{AF507438-7753-43e0-B8FC-AC1667EBCBE1}">
-              <a14:hiddenEffects xmlns="" xmlns:a14="http://schemas.microsoft.com/office/drawing/2010/main">
+              <a14:hiddenEffects xmlns:a14="http://schemas.microsoft.com/office/drawing/2010/main" xmlns="">
                 <a:effectLst>
                   <a:outerShdw blurRad="63500" dist="38099" dir="2700000" algn="ctr" rotWithShape="0">
                     <a:srgbClr val="000000">
@@ -10969,12 +11010,12 @@
           <a:effectLst/>
           <a:extLst>
             <a:ext uri="{909E8E84-426E-40dd-AFC4-6F175D3DCCD1}">
-              <a14:hiddenFill xmlns="" xmlns:a14="http://schemas.microsoft.com/office/drawing/2010/main">
+              <a14:hiddenFill xmlns:a14="http://schemas.microsoft.com/office/drawing/2010/main" xmlns="">
                 <a:noFill/>
               </a14:hiddenFill>
             </a:ext>
             <a:ext uri="{AF507438-7753-43e0-B8FC-AC1667EBCBE1}">
-              <a14:hiddenEffects xmlns="" xmlns:a14="http://schemas.microsoft.com/office/drawing/2010/main">
+              <a14:hiddenEffects xmlns:a14="http://schemas.microsoft.com/office/drawing/2010/main" xmlns="">
                 <a:effectLst>
                   <a:outerShdw blurRad="63500" dist="38099" dir="2700000" algn="ctr" rotWithShape="0">
                     <a:srgbClr val="000000">
@@ -11017,14 +11058,14 @@
           <a:effectLst/>
           <a:extLst>
             <a:ext uri="{909E8E84-426E-40dd-AFC4-6F175D3DCCD1}">
-              <a14:hiddenFill xmlns="" xmlns:a14="http://schemas.microsoft.com/office/drawing/2010/main">
+              <a14:hiddenFill xmlns:a14="http://schemas.microsoft.com/office/drawing/2010/main" xmlns="">
                 <a:solidFill>
                   <a:srgbClr val="FFFFFF"/>
                 </a:solidFill>
               </a14:hiddenFill>
             </a:ext>
             <a:ext uri="{91240B29-F687-4f45-9708-019B960494DF}">
-              <a14:hiddenLine xmlns="" xmlns:a14="http://schemas.microsoft.com/office/drawing/2010/main" w="9525" cap="flat">
+              <a14:hiddenLine xmlns:a14="http://schemas.microsoft.com/office/drawing/2010/main" xmlns="" w="9525" cap="flat">
                 <a:solidFill>
                   <a:srgbClr val="000000"/>
                 </a:solidFill>
@@ -11034,7 +11075,7 @@
               </a14:hiddenLine>
             </a:ext>
             <a:ext uri="{AF507438-7753-43e0-B8FC-AC1667EBCBE1}">
-              <a14:hiddenEffects xmlns="" xmlns:a14="http://schemas.microsoft.com/office/drawing/2010/main">
+              <a14:hiddenEffects xmlns:a14="http://schemas.microsoft.com/office/drawing/2010/main" xmlns="">
                 <a:effectLst>
                   <a:outerShdw blurRad="63500" dist="38099" dir="2700000" algn="ctr" rotWithShape="0">
                     <a:srgbClr val="000000">
@@ -11350,7 +11391,7 @@
           <a:effectLst/>
           <a:extLst>
             <a:ext uri="{909E8E84-426E-40dd-AFC4-6F175D3DCCD1}">
-              <a14:hiddenFill xmlns="" xmlns:a14="http://schemas.microsoft.com/office/drawing/2010/main">
+              <a14:hiddenFill xmlns:a14="http://schemas.microsoft.com/office/drawing/2010/main" xmlns="">
                 <a:blipFill dpi="0" rotWithShape="0">
                   <a:blip/>
                   <a:srcRect/>
@@ -11361,7 +11402,7 @@
               </a14:hiddenFill>
             </a:ext>
             <a:ext uri="{91240B29-F687-4f45-9708-019B960494DF}">
-              <a14:hiddenLine xmlns="" xmlns:a14="http://schemas.microsoft.com/office/drawing/2010/main" w="9525" cap="flat">
+              <a14:hiddenLine xmlns:a14="http://schemas.microsoft.com/office/drawing/2010/main" xmlns="" w="9525" cap="flat">
                 <a:solidFill>
                   <a:srgbClr val="3465A4"/>
                 </a:solidFill>
@@ -11371,7 +11412,7 @@
               </a14:hiddenLine>
             </a:ext>
             <a:ext uri="{AF507438-7753-43e0-B8FC-AC1667EBCBE1}">
-              <a14:hiddenEffects xmlns="" xmlns:a14="http://schemas.microsoft.com/office/drawing/2010/main">
+              <a14:hiddenEffects xmlns:a14="http://schemas.microsoft.com/office/drawing/2010/main" xmlns="">
                 <a:effectLst>
                   <a:outerShdw blurRad="63500" dist="38099" dir="2700000" algn="ctr" rotWithShape="0">
                     <a:srgbClr val="000000">
@@ -11420,7 +11461,7 @@
           <a:effectLst/>
           <a:extLst>
             <a:ext uri="{909E8E84-426E-40dd-AFC4-6F175D3DCCD1}">
-              <a14:hiddenFill xmlns="" xmlns:a14="http://schemas.microsoft.com/office/drawing/2010/main">
+              <a14:hiddenFill xmlns:a14="http://schemas.microsoft.com/office/drawing/2010/main" xmlns="">
                 <a:blipFill dpi="0" rotWithShape="0">
                   <a:blip/>
                   <a:srcRect/>
@@ -11431,7 +11472,7 @@
               </a14:hiddenFill>
             </a:ext>
             <a:ext uri="{91240B29-F687-4f45-9708-019B960494DF}">
-              <a14:hiddenLine xmlns="" xmlns:a14="http://schemas.microsoft.com/office/drawing/2010/main" w="9525" cap="flat">
+              <a14:hiddenLine xmlns:a14="http://schemas.microsoft.com/office/drawing/2010/main" xmlns="" w="9525" cap="flat">
                 <a:solidFill>
                   <a:srgbClr val="3465A4"/>
                 </a:solidFill>
@@ -11441,7 +11482,7 @@
               </a14:hiddenLine>
             </a:ext>
             <a:ext uri="{AF507438-7753-43e0-B8FC-AC1667EBCBE1}">
-              <a14:hiddenEffects xmlns="" xmlns:a14="http://schemas.microsoft.com/office/drawing/2010/main">
+              <a14:hiddenEffects xmlns:a14="http://schemas.microsoft.com/office/drawing/2010/main" xmlns="">
                 <a:effectLst>
                   <a:outerShdw blurRad="63500" dist="38099" dir="2700000" algn="ctr" rotWithShape="0">
                     <a:srgbClr val="000000">
@@ -11477,14 +11518,14 @@
           <a:effectLst/>
           <a:extLst>
             <a:ext uri="{909E8E84-426E-40dd-AFC4-6F175D3DCCD1}">
-              <a14:hiddenFill xmlns="" xmlns:a14="http://schemas.microsoft.com/office/drawing/2010/main">
+              <a14:hiddenFill xmlns:a14="http://schemas.microsoft.com/office/drawing/2010/main" xmlns="">
                 <a:solidFill>
                   <a:srgbClr val="FFFFFF"/>
                 </a:solidFill>
               </a14:hiddenFill>
             </a:ext>
             <a:ext uri="{91240B29-F687-4f45-9708-019B960494DF}">
-              <a14:hiddenLine xmlns="" xmlns:a14="http://schemas.microsoft.com/office/drawing/2010/main" w="9525" cap="flat">
+              <a14:hiddenLine xmlns:a14="http://schemas.microsoft.com/office/drawing/2010/main" xmlns="" w="9525" cap="flat">
                 <a:solidFill>
                   <a:srgbClr val="000000"/>
                 </a:solidFill>
@@ -11494,7 +11535,7 @@
               </a14:hiddenLine>
             </a:ext>
             <a:ext uri="{AF507438-7753-43e0-B8FC-AC1667EBCBE1}">
-              <a14:hiddenEffects xmlns="" xmlns:a14="http://schemas.microsoft.com/office/drawing/2010/main">
+              <a14:hiddenEffects xmlns:a14="http://schemas.microsoft.com/office/drawing/2010/main" xmlns="">
                 <a:effectLst>
                   <a:outerShdw blurRad="63500" dist="38099" dir="2700000" algn="ctr" rotWithShape="0">
                     <a:srgbClr val="000000">
@@ -11816,14 +11857,14 @@
           <a:effectLst/>
           <a:extLst>
             <a:ext uri="{909E8E84-426E-40dd-AFC4-6F175D3DCCD1}">
-              <a14:hiddenFill xmlns="" xmlns:a14="http://schemas.microsoft.com/office/drawing/2010/main">
+              <a14:hiddenFill xmlns:a14="http://schemas.microsoft.com/office/drawing/2010/main" xmlns="">
                 <a:solidFill>
                   <a:srgbClr val="FFFFFF"/>
                 </a:solidFill>
               </a14:hiddenFill>
             </a:ext>
             <a:ext uri="{91240B29-F687-4f45-9708-019B960494DF}">
-              <a14:hiddenLine xmlns="" xmlns:a14="http://schemas.microsoft.com/office/drawing/2010/main" w="9525" cap="flat">
+              <a14:hiddenLine xmlns:a14="http://schemas.microsoft.com/office/drawing/2010/main" xmlns="" w="9525" cap="flat">
                 <a:solidFill>
                   <a:srgbClr val="000000"/>
                 </a:solidFill>
@@ -11833,7 +11874,7 @@
               </a14:hiddenLine>
             </a:ext>
             <a:ext uri="{AF507438-7753-43e0-B8FC-AC1667EBCBE1}">
-              <a14:hiddenEffects xmlns="" xmlns:a14="http://schemas.microsoft.com/office/drawing/2010/main">
+              <a14:hiddenEffects xmlns:a14="http://schemas.microsoft.com/office/drawing/2010/main" xmlns="">
                 <a:effectLst>
                   <a:outerShdw blurRad="63500" dist="38099" dir="2700000" algn="ctr" rotWithShape="0">
                     <a:srgbClr val="000000">
@@ -12275,7 +12316,7 @@
           <a:effectLst/>
           <a:extLst>
             <a:ext uri="{909E8E84-426E-40dd-AFC4-6F175D3DCCD1}">
-              <a14:hiddenFill xmlns:a14="http://schemas.microsoft.com/office/drawing/2010/main" xmlns="">
+              <a14:hiddenFill xmlns="" xmlns:a14="http://schemas.microsoft.com/office/drawing/2010/main">
                 <a:blipFill dpi="0" rotWithShape="0">
                   <a:blip/>
                   <a:srcRect/>
@@ -12286,7 +12327,7 @@
               </a14:hiddenFill>
             </a:ext>
             <a:ext uri="{91240B29-F687-4f45-9708-019B960494DF}">
-              <a14:hiddenLine xmlns:a14="http://schemas.microsoft.com/office/drawing/2010/main" xmlns="" w="9525" cap="flat">
+              <a14:hiddenLine xmlns="" xmlns:a14="http://schemas.microsoft.com/office/drawing/2010/main" w="9525" cap="flat">
                 <a:solidFill>
                   <a:srgbClr val="3465A4"/>
                 </a:solidFill>
@@ -12296,7 +12337,7 @@
               </a14:hiddenLine>
             </a:ext>
             <a:ext uri="{AF507438-7753-43e0-B8FC-AC1667EBCBE1}">
-              <a14:hiddenEffects xmlns:a14="http://schemas.microsoft.com/office/drawing/2010/main" xmlns="">
+              <a14:hiddenEffects xmlns="" xmlns:a14="http://schemas.microsoft.com/office/drawing/2010/main">
                 <a:effectLst>
                   <a:outerShdw blurRad="63500" dist="38099" dir="2700000" algn="ctr" rotWithShape="0">
                     <a:srgbClr val="000000">
@@ -12627,7 +12668,7 @@
           <a:effectLst/>
           <a:extLst>
             <a:ext uri="{909E8E84-426E-40dd-AFC4-6F175D3DCCD1}">
-              <a14:hiddenFill xmlns:a14="http://schemas.microsoft.com/office/drawing/2010/main" xmlns="">
+              <a14:hiddenFill xmlns="" xmlns:a14="http://schemas.microsoft.com/office/drawing/2010/main">
                 <a:blipFill dpi="0" rotWithShape="0">
                   <a:blip/>
                   <a:srcRect/>
@@ -12638,7 +12679,7 @@
               </a14:hiddenFill>
             </a:ext>
             <a:ext uri="{91240B29-F687-4f45-9708-019B960494DF}">
-              <a14:hiddenLine xmlns:a14="http://schemas.microsoft.com/office/drawing/2010/main" xmlns="" w="9525" cap="flat">
+              <a14:hiddenLine xmlns="" xmlns:a14="http://schemas.microsoft.com/office/drawing/2010/main" w="9525" cap="flat">
                 <a:solidFill>
                   <a:srgbClr val="3465A4"/>
                 </a:solidFill>
@@ -12648,7 +12689,7 @@
               </a14:hiddenLine>
             </a:ext>
             <a:ext uri="{AF507438-7753-43e0-B8FC-AC1667EBCBE1}">
-              <a14:hiddenEffects xmlns:a14="http://schemas.microsoft.com/office/drawing/2010/main" xmlns="">
+              <a14:hiddenEffects xmlns="" xmlns:a14="http://schemas.microsoft.com/office/drawing/2010/main">
                 <a:effectLst>
                   <a:outerShdw blurRad="63500" dist="38099" dir="2700000" algn="ctr" rotWithShape="0">
                     <a:srgbClr val="000000">
@@ -12690,14 +12731,14 @@
           <a:effectLst/>
           <a:extLst>
             <a:ext uri="{909E8E84-426E-40dd-AFC4-6F175D3DCCD1}">
-              <a14:hiddenFill xmlns:a14="http://schemas.microsoft.com/office/drawing/2010/main" xmlns="">
+              <a14:hiddenFill xmlns="" xmlns:a14="http://schemas.microsoft.com/office/drawing/2010/main">
                 <a:solidFill>
                   <a:srgbClr val="FFFFFF"/>
                 </a:solidFill>
               </a14:hiddenFill>
             </a:ext>
             <a:ext uri="{91240B29-F687-4f45-9708-019B960494DF}">
-              <a14:hiddenLine xmlns:a14="http://schemas.microsoft.com/office/drawing/2010/main" xmlns="" w="9525" cap="flat">
+              <a14:hiddenLine xmlns="" xmlns:a14="http://schemas.microsoft.com/office/drawing/2010/main" w="9525" cap="flat">
                 <a:solidFill>
                   <a:srgbClr val="3465A4"/>
                 </a:solidFill>
@@ -12707,7 +12748,7 @@
               </a14:hiddenLine>
             </a:ext>
             <a:ext uri="{AF507438-7753-43e0-B8FC-AC1667EBCBE1}">
-              <a14:hiddenEffects xmlns:a14="http://schemas.microsoft.com/office/drawing/2010/main" xmlns="">
+              <a14:hiddenEffects xmlns="" xmlns:a14="http://schemas.microsoft.com/office/drawing/2010/main">
                 <a:effectLst>
                   <a:outerShdw blurRad="63500" dist="38099" dir="2700000" algn="ctr" rotWithShape="0">
                     <a:srgbClr val="000000">

--- a/assets/lectures/cshl/2019/mini/RNASeq_MiniLecture_02_04_alignmentQC.pptx
+++ b/assets/lectures/cshl/2019/mini/RNASeq_MiniLecture_02_04_alignmentQC.pptx
@@ -516,14 +516,14 @@
           </a:ln>
           <a:extLst>
             <a:ext uri="{909E8E84-426E-40dd-AFC4-6F175D3DCCD1}">
-              <a14:hiddenFill xmlns:a14="http://schemas.microsoft.com/office/drawing/2010/main" xmlns="">
+              <a14:hiddenFill xmlns="" xmlns:a14="http://schemas.microsoft.com/office/drawing/2010/main">
                 <a:solidFill>
                   <a:srgbClr val="FFFFFF"/>
                 </a:solidFill>
               </a14:hiddenFill>
             </a:ext>
             <a:ext uri="{FAA26D3D-D897-4be2-8F04-BA451C77F1D7}">
-              <ma14:placeholderFlag xmlns:ma14="http://schemas.microsoft.com/office/mac/drawingml/2011/main" xmlns="" val="1"/>
+              <ma14:placeholderFlag xmlns="" xmlns:ma14="http://schemas.microsoft.com/office/mac/drawingml/2011/main" val="1"/>
             </a:ext>
           </a:extLst>
         </p:spPr>
@@ -542,14 +542,14 @@
           <a:noFill/>
           <a:extLst>
             <a:ext uri="{909E8E84-426E-40dd-AFC4-6F175D3DCCD1}">
-              <a14:hiddenFill xmlns:a14="http://schemas.microsoft.com/office/drawing/2010/main" xmlns="">
+              <a14:hiddenFill xmlns="" xmlns:a14="http://schemas.microsoft.com/office/drawing/2010/main">
                 <a:solidFill>
                   <a:srgbClr val="FFFFFF"/>
                 </a:solidFill>
               </a14:hiddenFill>
             </a:ext>
             <a:ext uri="{91240B29-F687-4f45-9708-019B960494DF}">
-              <a14:hiddenLine xmlns:a14="http://schemas.microsoft.com/office/drawing/2010/main" xmlns="" w="9525">
+              <a14:hiddenLine xmlns="" xmlns:a14="http://schemas.microsoft.com/office/drawing/2010/main" w="9525">
                 <a:solidFill>
                   <a:srgbClr val="000000"/>
                 </a:solidFill>
@@ -559,7 +559,7 @@
               </a14:hiddenLine>
             </a:ext>
             <a:ext uri="{FAA26D3D-D897-4be2-8F04-BA451C77F1D7}">
-              <ma14:placeholderFlag xmlns:ma14="http://schemas.microsoft.com/office/mac/drawingml/2011/main" xmlns="" val="1"/>
+              <ma14:placeholderFlag xmlns="" xmlns:ma14="http://schemas.microsoft.com/office/mac/drawingml/2011/main" val="1"/>
             </a:ext>
           </a:extLst>
         </p:spPr>
@@ -593,14 +593,14 @@
           <a:noFill/>
           <a:extLst>
             <a:ext uri="{909E8E84-426E-40dd-AFC4-6F175D3DCCD1}">
-              <a14:hiddenFill xmlns:a14="http://schemas.microsoft.com/office/drawing/2010/main" xmlns="">
+              <a14:hiddenFill xmlns="" xmlns:a14="http://schemas.microsoft.com/office/drawing/2010/main">
                 <a:solidFill>
                   <a:srgbClr val="FFFFFF"/>
                 </a:solidFill>
               </a14:hiddenFill>
             </a:ext>
             <a:ext uri="{91240B29-F687-4f45-9708-019B960494DF}">
-              <a14:hiddenLine xmlns:a14="http://schemas.microsoft.com/office/drawing/2010/main" xmlns="" w="9525">
+              <a14:hiddenLine xmlns="" xmlns:a14="http://schemas.microsoft.com/office/drawing/2010/main" w="9525">
                 <a:solidFill>
                   <a:srgbClr val="000000"/>
                 </a:solidFill>
@@ -927,43 +927,6 @@
       </p:sp>
       <p:sp>
         <p:nvSpPr>
-          <p:cNvPr id="6" name="Slide Number Placeholder 5">
-            <a:extLst>
-              <a:ext uri="{FF2B5EF4-FFF2-40B4-BE49-F238E27FC236}">
-                <a16:creationId xmlns:a16="http://schemas.microsoft.com/office/drawing/2014/main" id="{D7256FAD-87EC-594B-B262-2B748B57FD14}"/>
-              </a:ext>
-            </a:extLst>
-          </p:cNvPr>
-          <p:cNvSpPr>
-            <a:spLocks noGrp="1"/>
-          </p:cNvSpPr>
-          <p:nvPr>
-            <p:ph type="sldNum" sz="quarter" idx="12"/>
-          </p:nvPr>
-        </p:nvSpPr>
-        <p:spPr>
-          <a:xfrm>
-            <a:off x="9448800" y="6065837"/>
-            <a:ext cx="2743200" cy="365125"/>
-          </a:xfrm>
-          <a:prstGeom prst="rect">
-            <a:avLst/>
-          </a:prstGeom>
-        </p:spPr>
-        <p:txBody>
-          <a:bodyPr/>
-          <a:lstStyle/>
-          <a:p>
-            <a:fld id="{0B973F48-4628-F846-BA33-DDE653D83577}" type="slidenum">
-              <a:rPr lang="en-US" smtClean="0"/>
-              <a:t>‹#›</a:t>
-            </a:fld>
-            <a:endParaRPr lang="en-US"/>
-          </a:p>
-        </p:txBody>
-      </p:sp>
-      <p:sp>
-        <p:nvSpPr>
           <p:cNvPr id="7" name="Rectangle 6">
             <a:extLst>
               <a:ext uri="{FF2B5EF4-FFF2-40B4-BE49-F238E27FC236}">
@@ -1063,14 +1026,14 @@
           </a:ln>
           <a:extLst>
             <a:ext uri="{909E8E84-426E-40dd-AFC4-6F175D3DCCD1}">
-              <a14:hiddenFill xmlns="" xmlns:a14="http://schemas.microsoft.com/office/drawing/2010/main">
+              <a14:hiddenFill xmlns:a14="http://schemas.microsoft.com/office/drawing/2010/main" xmlns="">
                 <a:solidFill>
                   <a:srgbClr val="FFFFFF"/>
                 </a:solidFill>
               </a14:hiddenFill>
             </a:ext>
             <a:ext uri="{91240B29-F687-4f45-9708-019B960494DF}">
-              <a14:hiddenLine xmlns="" xmlns:a14="http://schemas.microsoft.com/office/drawing/2010/main" w="9525">
+              <a14:hiddenLine xmlns:a14="http://schemas.microsoft.com/office/drawing/2010/main" xmlns="" w="9525">
                 <a:solidFill>
                   <a:srgbClr val="000000"/>
                 </a:solidFill>
@@ -1197,43 +1160,6 @@
           </a:p>
         </p:txBody>
       </p:sp>
-      <p:sp>
-        <p:nvSpPr>
-          <p:cNvPr id="6" name="Slide Number Placeholder 5">
-            <a:extLst>
-              <a:ext uri="{FF2B5EF4-FFF2-40B4-BE49-F238E27FC236}">
-                <a16:creationId xmlns:a16="http://schemas.microsoft.com/office/drawing/2014/main" id="{CE0222C1-21B6-E14F-9F34-4E0C4221C434}"/>
-              </a:ext>
-            </a:extLst>
-          </p:cNvPr>
-          <p:cNvSpPr>
-            <a:spLocks noGrp="1"/>
-          </p:cNvSpPr>
-          <p:nvPr>
-            <p:ph type="sldNum" sz="quarter" idx="12"/>
-          </p:nvPr>
-        </p:nvSpPr>
-        <p:spPr>
-          <a:xfrm>
-            <a:off x="9448800" y="6065837"/>
-            <a:ext cx="2743200" cy="365125"/>
-          </a:xfrm>
-          <a:prstGeom prst="rect">
-            <a:avLst/>
-          </a:prstGeom>
-        </p:spPr>
-        <p:txBody>
-          <a:bodyPr/>
-          <a:lstStyle/>
-          <a:p>
-            <a:fld id="{0B973F48-4628-F846-BA33-DDE653D83577}" type="slidenum">
-              <a:rPr lang="en-US" smtClean="0"/>
-              <a:t>‹#›</a:t>
-            </a:fld>
-            <a:endParaRPr lang="en-US"/>
-          </a:p>
-        </p:txBody>
-      </p:sp>
     </p:spTree>
     <p:extLst>
       <p:ext uri="{BB962C8B-B14F-4D97-AF65-F5344CB8AC3E}">
@@ -1356,43 +1282,6 @@
               <a:rPr lang="en-US"/>
               <a:t>Fifth level</a:t>
             </a:r>
-          </a:p>
-        </p:txBody>
-      </p:sp>
-      <p:sp>
-        <p:nvSpPr>
-          <p:cNvPr id="6" name="Slide Number Placeholder 5">
-            <a:extLst>
-              <a:ext uri="{FF2B5EF4-FFF2-40B4-BE49-F238E27FC236}">
-                <a16:creationId xmlns:a16="http://schemas.microsoft.com/office/drawing/2014/main" id="{C4C2FCA7-7A48-5E4F-BC6A-8A3BDBEAC3C1}"/>
-              </a:ext>
-            </a:extLst>
-          </p:cNvPr>
-          <p:cNvSpPr>
-            <a:spLocks noGrp="1"/>
-          </p:cNvSpPr>
-          <p:nvPr>
-            <p:ph type="sldNum" sz="quarter" idx="12"/>
-          </p:nvPr>
-        </p:nvSpPr>
-        <p:spPr>
-          <a:xfrm>
-            <a:off x="9448800" y="6065837"/>
-            <a:ext cx="2743200" cy="365125"/>
-          </a:xfrm>
-          <a:prstGeom prst="rect">
-            <a:avLst/>
-          </a:prstGeom>
-        </p:spPr>
-        <p:txBody>
-          <a:bodyPr/>
-          <a:lstStyle/>
-          <a:p>
-            <a:fld id="{0B973F48-4628-F846-BA33-DDE653D83577}" type="slidenum">
-              <a:rPr lang="en-US" smtClean="0"/>
-              <a:t>‹#›</a:t>
-            </a:fld>
-            <a:endParaRPr lang="en-US"/>
           </a:p>
         </p:txBody>
       </p:sp>
@@ -1639,14 +1528,14 @@
           </a:ln>
           <a:extLst>
             <a:ext uri="{909E8E84-426E-40dd-AFC4-6F175D3DCCD1}">
-              <a14:hiddenFill xmlns="" xmlns:a14="http://schemas.microsoft.com/office/drawing/2010/main">
+              <a14:hiddenFill xmlns:a14="http://schemas.microsoft.com/office/drawing/2010/main" xmlns="">
                 <a:solidFill>
                   <a:srgbClr val="FFFFFF"/>
                 </a:solidFill>
               </a14:hiddenFill>
             </a:ext>
             <a:ext uri="{91240B29-F687-4f45-9708-019B960494DF}">
-              <a14:hiddenLine xmlns="" xmlns:a14="http://schemas.microsoft.com/office/drawing/2010/main" w="9525">
+              <a14:hiddenLine xmlns:a14="http://schemas.microsoft.com/office/drawing/2010/main" xmlns="" w="9525">
                 <a:solidFill>
                   <a:srgbClr val="000000"/>
                 </a:solidFill>
@@ -1770,43 +1659,6 @@
               <a:rPr lang="en-US"/>
               <a:t>Fifth level</a:t>
             </a:r>
-          </a:p>
-        </p:txBody>
-      </p:sp>
-      <p:sp>
-        <p:nvSpPr>
-          <p:cNvPr id="6" name="Slide Number Placeholder 5">
-            <a:extLst>
-              <a:ext uri="{FF2B5EF4-FFF2-40B4-BE49-F238E27FC236}">
-                <a16:creationId xmlns:a16="http://schemas.microsoft.com/office/drawing/2014/main" id="{BBA7E5F7-C396-4941-BBC4-7BEAF927C071}"/>
-              </a:ext>
-            </a:extLst>
-          </p:cNvPr>
-          <p:cNvSpPr>
-            <a:spLocks noGrp="1"/>
-          </p:cNvSpPr>
-          <p:nvPr>
-            <p:ph type="sldNum" sz="quarter" idx="12"/>
-          </p:nvPr>
-        </p:nvSpPr>
-        <p:spPr>
-          <a:xfrm>
-            <a:off x="9448800" y="6065837"/>
-            <a:ext cx="2743200" cy="365125"/>
-          </a:xfrm>
-          <a:prstGeom prst="rect">
-            <a:avLst/>
-          </a:prstGeom>
-        </p:spPr>
-        <p:txBody>
-          <a:bodyPr/>
-          <a:lstStyle/>
-          <a:p>
-            <a:fld id="{0B973F48-4628-F846-BA33-DDE653D83577}" type="slidenum">
-              <a:rPr lang="en-US" smtClean="0"/>
-              <a:t>‹#›</a:t>
-            </a:fld>
-            <a:endParaRPr lang="en-US"/>
           </a:p>
         </p:txBody>
       </p:sp>
@@ -2002,43 +1854,6 @@
           </a:p>
         </p:txBody>
       </p:sp>
-      <p:sp>
-        <p:nvSpPr>
-          <p:cNvPr id="6" name="Slide Number Placeholder 5">
-            <a:extLst>
-              <a:ext uri="{FF2B5EF4-FFF2-40B4-BE49-F238E27FC236}">
-                <a16:creationId xmlns:a16="http://schemas.microsoft.com/office/drawing/2014/main" id="{E5EEE93E-C8A1-354A-AF1E-19A5283E305A}"/>
-              </a:ext>
-            </a:extLst>
-          </p:cNvPr>
-          <p:cNvSpPr>
-            <a:spLocks noGrp="1"/>
-          </p:cNvSpPr>
-          <p:nvPr>
-            <p:ph type="sldNum" sz="quarter" idx="12"/>
-          </p:nvPr>
-        </p:nvSpPr>
-        <p:spPr>
-          <a:xfrm>
-            <a:off x="9448800" y="6065837"/>
-            <a:ext cx="2743200" cy="365125"/>
-          </a:xfrm>
-          <a:prstGeom prst="rect">
-            <a:avLst/>
-          </a:prstGeom>
-        </p:spPr>
-        <p:txBody>
-          <a:bodyPr/>
-          <a:lstStyle/>
-          <a:p>
-            <a:fld id="{0B973F48-4628-F846-BA33-DDE653D83577}" type="slidenum">
-              <a:rPr lang="en-US" smtClean="0"/>
-              <a:t>‹#›</a:t>
-            </a:fld>
-            <a:endParaRPr lang="en-US"/>
-          </a:p>
-        </p:txBody>
-      </p:sp>
     </p:spTree>
     <p:extLst>
       <p:ext uri="{BB962C8B-B14F-4D97-AF65-F5344CB8AC3E}">
@@ -2218,43 +2033,6 @@
               <a:rPr lang="en-US"/>
               <a:t>Fifth level</a:t>
             </a:r>
-          </a:p>
-        </p:txBody>
-      </p:sp>
-      <p:sp>
-        <p:nvSpPr>
-          <p:cNvPr id="7" name="Slide Number Placeholder 6">
-            <a:extLst>
-              <a:ext uri="{FF2B5EF4-FFF2-40B4-BE49-F238E27FC236}">
-                <a16:creationId xmlns:a16="http://schemas.microsoft.com/office/drawing/2014/main" id="{FB759064-C295-474C-91BC-B8179C14C201}"/>
-              </a:ext>
-            </a:extLst>
-          </p:cNvPr>
-          <p:cNvSpPr>
-            <a:spLocks noGrp="1"/>
-          </p:cNvSpPr>
-          <p:nvPr>
-            <p:ph type="sldNum" sz="quarter" idx="12"/>
-          </p:nvPr>
-        </p:nvSpPr>
-        <p:spPr>
-          <a:xfrm>
-            <a:off x="9448800" y="6065837"/>
-            <a:ext cx="2743200" cy="365125"/>
-          </a:xfrm>
-          <a:prstGeom prst="rect">
-            <a:avLst/>
-          </a:prstGeom>
-        </p:spPr>
-        <p:txBody>
-          <a:bodyPr/>
-          <a:lstStyle/>
-          <a:p>
-            <a:fld id="{0B973F48-4628-F846-BA33-DDE653D83577}" type="slidenum">
-              <a:rPr lang="en-US" smtClean="0"/>
-              <a:t>‹#›</a:t>
-            </a:fld>
-            <a:endParaRPr lang="en-US"/>
           </a:p>
         </p:txBody>
       </p:sp>
@@ -2587,43 +2365,6 @@
           </a:p>
         </p:txBody>
       </p:sp>
-      <p:sp>
-        <p:nvSpPr>
-          <p:cNvPr id="9" name="Slide Number Placeholder 8">
-            <a:extLst>
-              <a:ext uri="{FF2B5EF4-FFF2-40B4-BE49-F238E27FC236}">
-                <a16:creationId xmlns:a16="http://schemas.microsoft.com/office/drawing/2014/main" id="{B72AE139-D882-D94E-B377-D84A207665BF}"/>
-              </a:ext>
-            </a:extLst>
-          </p:cNvPr>
-          <p:cNvSpPr>
-            <a:spLocks noGrp="1"/>
-          </p:cNvSpPr>
-          <p:nvPr>
-            <p:ph type="sldNum" sz="quarter" idx="12"/>
-          </p:nvPr>
-        </p:nvSpPr>
-        <p:spPr>
-          <a:xfrm>
-            <a:off x="9448800" y="6065837"/>
-            <a:ext cx="2743200" cy="365125"/>
-          </a:xfrm>
-          <a:prstGeom prst="rect">
-            <a:avLst/>
-          </a:prstGeom>
-        </p:spPr>
-        <p:txBody>
-          <a:bodyPr/>
-          <a:lstStyle/>
-          <a:p>
-            <a:fld id="{0B973F48-4628-F846-BA33-DDE653D83577}" type="slidenum">
-              <a:rPr lang="en-US" smtClean="0"/>
-              <a:t>‹#›</a:t>
-            </a:fld>
-            <a:endParaRPr lang="en-US"/>
-          </a:p>
-        </p:txBody>
-      </p:sp>
     </p:spTree>
     <p:extLst>
       <p:ext uri="{BB962C8B-B14F-4D97-AF65-F5344CB8AC3E}">
@@ -2682,43 +2423,6 @@
           </a:p>
         </p:txBody>
       </p:sp>
-      <p:sp>
-        <p:nvSpPr>
-          <p:cNvPr id="5" name="Slide Number Placeholder 4">
-            <a:extLst>
-              <a:ext uri="{FF2B5EF4-FFF2-40B4-BE49-F238E27FC236}">
-                <a16:creationId xmlns:a16="http://schemas.microsoft.com/office/drawing/2014/main" id="{81EC7837-FC7B-6043-8182-02D7718729CA}"/>
-              </a:ext>
-            </a:extLst>
-          </p:cNvPr>
-          <p:cNvSpPr>
-            <a:spLocks noGrp="1"/>
-          </p:cNvSpPr>
-          <p:nvPr>
-            <p:ph type="sldNum" sz="quarter" idx="12"/>
-          </p:nvPr>
-        </p:nvSpPr>
-        <p:spPr>
-          <a:xfrm>
-            <a:off x="9448800" y="6065837"/>
-            <a:ext cx="2743200" cy="365125"/>
-          </a:xfrm>
-          <a:prstGeom prst="rect">
-            <a:avLst/>
-          </a:prstGeom>
-        </p:spPr>
-        <p:txBody>
-          <a:bodyPr/>
-          <a:lstStyle/>
-          <a:p>
-            <a:fld id="{0B973F48-4628-F846-BA33-DDE653D83577}" type="slidenum">
-              <a:rPr lang="en-US" smtClean="0"/>
-              <a:t>‹#›</a:t>
-            </a:fld>
-            <a:endParaRPr lang="en-US"/>
-          </a:p>
-        </p:txBody>
-      </p:sp>
     </p:spTree>
     <p:extLst>
       <p:ext uri="{BB962C8B-B14F-4D97-AF65-F5344CB8AC3E}">
@@ -2749,43 +2453,6 @@
           <a:chExt cx="0" cy="0"/>
         </a:xfrm>
       </p:grpSpPr>
-      <p:sp>
-        <p:nvSpPr>
-          <p:cNvPr id="4" name="Slide Number Placeholder 3">
-            <a:extLst>
-              <a:ext uri="{FF2B5EF4-FFF2-40B4-BE49-F238E27FC236}">
-                <a16:creationId xmlns:a16="http://schemas.microsoft.com/office/drawing/2014/main" id="{D575A9DD-FA0A-D64B-B42E-72A4B0E3557A}"/>
-              </a:ext>
-            </a:extLst>
-          </p:cNvPr>
-          <p:cNvSpPr>
-            <a:spLocks noGrp="1"/>
-          </p:cNvSpPr>
-          <p:nvPr>
-            <p:ph type="sldNum" sz="quarter" idx="12"/>
-          </p:nvPr>
-        </p:nvSpPr>
-        <p:spPr>
-          <a:xfrm>
-            <a:off x="9448800" y="6065837"/>
-            <a:ext cx="2743200" cy="365125"/>
-          </a:xfrm>
-          <a:prstGeom prst="rect">
-            <a:avLst/>
-          </a:prstGeom>
-        </p:spPr>
-        <p:txBody>
-          <a:bodyPr/>
-          <a:lstStyle/>
-          <a:p>
-            <a:fld id="{0B973F48-4628-F846-BA33-DDE653D83577}" type="slidenum">
-              <a:rPr lang="en-US" smtClean="0"/>
-              <a:t>‹#›</a:t>
-            </a:fld>
-            <a:endParaRPr lang="en-US"/>
-          </a:p>
-        </p:txBody>
-      </p:sp>
     </p:spTree>
     <p:extLst>
       <p:ext uri="{BB962C8B-B14F-4D97-AF65-F5344CB8AC3E}">
@@ -3014,43 +2681,6 @@
           </a:p>
         </p:txBody>
       </p:sp>
-      <p:sp>
-        <p:nvSpPr>
-          <p:cNvPr id="7" name="Slide Number Placeholder 6">
-            <a:extLst>
-              <a:ext uri="{FF2B5EF4-FFF2-40B4-BE49-F238E27FC236}">
-                <a16:creationId xmlns:a16="http://schemas.microsoft.com/office/drawing/2014/main" id="{3BCAFAD0-D61F-3F4F-8E0D-9A64CA7C4640}"/>
-              </a:ext>
-            </a:extLst>
-          </p:cNvPr>
-          <p:cNvSpPr>
-            <a:spLocks noGrp="1"/>
-          </p:cNvSpPr>
-          <p:nvPr>
-            <p:ph type="sldNum" sz="quarter" idx="12"/>
-          </p:nvPr>
-        </p:nvSpPr>
-        <p:spPr>
-          <a:xfrm>
-            <a:off x="9448800" y="6065837"/>
-            <a:ext cx="2743200" cy="365125"/>
-          </a:xfrm>
-          <a:prstGeom prst="rect">
-            <a:avLst/>
-          </a:prstGeom>
-        </p:spPr>
-        <p:txBody>
-          <a:bodyPr/>
-          <a:lstStyle/>
-          <a:p>
-            <a:fld id="{0B973F48-4628-F846-BA33-DDE653D83577}" type="slidenum">
-              <a:rPr lang="en-US" smtClean="0"/>
-              <a:t>‹#›</a:t>
-            </a:fld>
-            <a:endParaRPr lang="en-US"/>
-          </a:p>
-        </p:txBody>
-      </p:sp>
     </p:spTree>
     <p:extLst>
       <p:ext uri="{BB962C8B-B14F-4D97-AF65-F5344CB8AC3E}">
@@ -3253,43 +2883,6 @@
               <a:rPr lang="en-US"/>
               <a:t>Edit Master text styles</a:t>
             </a:r>
-          </a:p>
-        </p:txBody>
-      </p:sp>
-      <p:sp>
-        <p:nvSpPr>
-          <p:cNvPr id="7" name="Slide Number Placeholder 6">
-            <a:extLst>
-              <a:ext uri="{FF2B5EF4-FFF2-40B4-BE49-F238E27FC236}">
-                <a16:creationId xmlns:a16="http://schemas.microsoft.com/office/drawing/2014/main" id="{7E12F28C-AB7A-EF4C-84CD-F4B5CE4282E4}"/>
-              </a:ext>
-            </a:extLst>
-          </p:cNvPr>
-          <p:cNvSpPr>
-            <a:spLocks noGrp="1"/>
-          </p:cNvSpPr>
-          <p:nvPr>
-            <p:ph type="sldNum" sz="quarter" idx="12"/>
-          </p:nvPr>
-        </p:nvSpPr>
-        <p:spPr>
-          <a:xfrm>
-            <a:off x="9448800" y="6065837"/>
-            <a:ext cx="2743200" cy="365125"/>
-          </a:xfrm>
-          <a:prstGeom prst="rect">
-            <a:avLst/>
-          </a:prstGeom>
-        </p:spPr>
-        <p:txBody>
-          <a:bodyPr/>
-          <a:lstStyle/>
-          <a:p>
-            <a:fld id="{0B973F48-4628-F846-BA33-DDE653D83577}" type="slidenum">
-              <a:rPr lang="en-US" smtClean="0"/>
-              <a:t>‹#›</a:t>
-            </a:fld>
-            <a:endParaRPr lang="en-US"/>
           </a:p>
         </p:txBody>
       </p:sp>
@@ -3660,14 +3253,14 @@
           </a:ln>
           <a:extLst>
             <a:ext uri="{909E8E84-426E-40dd-AFC4-6F175D3DCCD1}">
-              <a14:hiddenFill xmlns:a14="http://schemas.microsoft.com/office/drawing/2010/main" xmlns="">
+              <a14:hiddenFill xmlns="" xmlns:a14="http://schemas.microsoft.com/office/drawing/2010/main">
                 <a:solidFill>
                   <a:srgbClr val="FFFFFF"/>
                 </a:solidFill>
               </a14:hiddenFill>
             </a:ext>
             <a:ext uri="{91240B29-F687-4f45-9708-019B960494DF}">
-              <a14:hiddenLine xmlns:a14="http://schemas.microsoft.com/office/drawing/2010/main" xmlns="" w="9525">
+              <a14:hiddenLine xmlns="" xmlns:a14="http://schemas.microsoft.com/office/drawing/2010/main" w="9525">
                 <a:solidFill>
                   <a:srgbClr val="000000"/>
                 </a:solidFill>
@@ -3946,7 +3539,7 @@
               <a:defRPr/>
             </a:pPr>
             <a:r>
-              <a:rPr lang="en-US" b="1" dirty="0" err="1">
+              <a:rPr lang="en-US" b="1" dirty="0">
                 <a:cs typeface="Arial" charset="0"/>
               </a:rPr>
               <a:t>rnabio.org</a:t>
@@ -4758,14 +4351,14 @@
             </a:ln>
             <a:extLst>
               <a:ext uri="{909E8E84-426E-40dd-AFC4-6F175D3DCCD1}">
-                <a14:hiddenFill xmlns:a14="http://schemas.microsoft.com/office/drawing/2010/main" xmlns="">
+                <a14:hiddenFill xmlns="" xmlns:a14="http://schemas.microsoft.com/office/drawing/2010/main">
                   <a:solidFill>
                     <a:srgbClr val="FFFFFF"/>
                   </a:solidFill>
                 </a14:hiddenFill>
               </a:ext>
               <a:ext uri="{91240B29-F687-4f45-9708-019B960494DF}">
-                <a14:hiddenLine xmlns:a14="http://schemas.microsoft.com/office/drawing/2010/main" xmlns="" w="9525">
+                <a14:hiddenLine xmlns="" xmlns:a14="http://schemas.microsoft.com/office/drawing/2010/main" w="9525">
                   <a:solidFill>
                     <a:srgbClr val="000000"/>
                   </a:solidFill>
@@ -4909,14 +4502,14 @@
             </a:ln>
             <a:extLst>
               <a:ext uri="{909E8E84-426E-40dd-AFC4-6F175D3DCCD1}">
-                <a14:hiddenFill xmlns:a14="http://schemas.microsoft.com/office/drawing/2010/main" xmlns="">
+                <a14:hiddenFill xmlns="" xmlns:a14="http://schemas.microsoft.com/office/drawing/2010/main">
                   <a:solidFill>
                     <a:srgbClr val="FFFFFF"/>
                   </a:solidFill>
                 </a14:hiddenFill>
               </a:ext>
               <a:ext uri="{91240B29-F687-4f45-9708-019B960494DF}">
-                <a14:hiddenLine xmlns:a14="http://schemas.microsoft.com/office/drawing/2010/main" xmlns="" w="9525">
+                <a14:hiddenLine xmlns="" xmlns:a14="http://schemas.microsoft.com/office/drawing/2010/main" w="9525">
                   <a:solidFill>
                     <a:srgbClr val="000000"/>
                   </a:solidFill>
@@ -5136,7 +4729,7 @@
           <a:effectLst/>
           <a:extLst>
             <a:ext uri="{909E8E84-426E-40dd-AFC4-6F175D3DCCD1}">
-              <a14:hiddenFill xmlns="" xmlns:a14="http://schemas.microsoft.com/office/drawing/2010/main">
+              <a14:hiddenFill xmlns:a14="http://schemas.microsoft.com/office/drawing/2010/main" xmlns="">
                 <a:blipFill dpi="0" rotWithShape="0">
                   <a:blip/>
                   <a:srcRect/>
@@ -5147,7 +4740,7 @@
               </a14:hiddenFill>
             </a:ext>
             <a:ext uri="{91240B29-F687-4f45-9708-019B960494DF}">
-              <a14:hiddenLine xmlns="" xmlns:a14="http://schemas.microsoft.com/office/drawing/2010/main" w="9525" cap="flat">
+              <a14:hiddenLine xmlns:a14="http://schemas.microsoft.com/office/drawing/2010/main" xmlns="" w="9525" cap="flat">
                 <a:solidFill>
                   <a:srgbClr val="3465A4"/>
                 </a:solidFill>
@@ -5157,7 +4750,7 @@
               </a14:hiddenLine>
             </a:ext>
             <a:ext uri="{AF507438-7753-43e0-B8FC-AC1667EBCBE1}">
-              <a14:hiddenEffects xmlns="" xmlns:a14="http://schemas.microsoft.com/office/drawing/2010/main">
+              <a14:hiddenEffects xmlns:a14="http://schemas.microsoft.com/office/drawing/2010/main" xmlns="">
                 <a:effectLst>
                   <a:outerShdw blurRad="63500" dist="38099" dir="2700000" algn="ctr" rotWithShape="0">
                     <a:srgbClr val="000000">
@@ -5255,14 +4848,14 @@
           <a:effectLst/>
           <a:extLst>
             <a:ext uri="{909E8E84-426E-40dd-AFC4-6F175D3DCCD1}">
-              <a14:hiddenFill xmlns="" xmlns:a14="http://schemas.microsoft.com/office/drawing/2010/main">
+              <a14:hiddenFill xmlns:a14="http://schemas.microsoft.com/office/drawing/2010/main" xmlns="">
                 <a:solidFill>
                   <a:srgbClr val="FFFFFF"/>
                 </a:solidFill>
               </a14:hiddenFill>
             </a:ext>
             <a:ext uri="{91240B29-F687-4f45-9708-019B960494DF}">
-              <a14:hiddenLine xmlns="" xmlns:a14="http://schemas.microsoft.com/office/drawing/2010/main" w="9525" cap="flat">
+              <a14:hiddenLine xmlns:a14="http://schemas.microsoft.com/office/drawing/2010/main" xmlns="" w="9525" cap="flat">
                 <a:solidFill>
                   <a:srgbClr val="000000"/>
                 </a:solidFill>
@@ -5272,7 +4865,7 @@
               </a14:hiddenLine>
             </a:ext>
             <a:ext uri="{AF507438-7753-43e0-B8FC-AC1667EBCBE1}">
-              <a14:hiddenEffects xmlns="" xmlns:a14="http://schemas.microsoft.com/office/drawing/2010/main">
+              <a14:hiddenEffects xmlns:a14="http://schemas.microsoft.com/office/drawing/2010/main" xmlns="">
                 <a:effectLst>
                   <a:outerShdw blurRad="63500" dist="38099" dir="2700000" algn="ctr" rotWithShape="0">
                     <a:srgbClr val="000000">
@@ -5686,7 +5279,7 @@
           <a:effectLst/>
           <a:extLst>
             <a:ext uri="{909E8E84-426E-40dd-AFC4-6F175D3DCCD1}">
-              <a14:hiddenFill xmlns="" xmlns:a14="http://schemas.microsoft.com/office/drawing/2010/main">
+              <a14:hiddenFill xmlns:a14="http://schemas.microsoft.com/office/drawing/2010/main" xmlns="">
                 <a:blipFill dpi="0" rotWithShape="0">
                   <a:blip/>
                   <a:srcRect/>
@@ -5697,7 +5290,7 @@
               </a14:hiddenFill>
             </a:ext>
             <a:ext uri="{91240B29-F687-4f45-9708-019B960494DF}">
-              <a14:hiddenLine xmlns="" xmlns:a14="http://schemas.microsoft.com/office/drawing/2010/main" w="9525" cap="flat">
+              <a14:hiddenLine xmlns:a14="http://schemas.microsoft.com/office/drawing/2010/main" xmlns="" w="9525" cap="flat">
                 <a:solidFill>
                   <a:srgbClr val="3465A4"/>
                 </a:solidFill>
@@ -5707,7 +5300,7 @@
               </a14:hiddenLine>
             </a:ext>
             <a:ext uri="{AF507438-7753-43e0-B8FC-AC1667EBCBE1}">
-              <a14:hiddenEffects xmlns="" xmlns:a14="http://schemas.microsoft.com/office/drawing/2010/main">
+              <a14:hiddenEffects xmlns:a14="http://schemas.microsoft.com/office/drawing/2010/main" xmlns="">
                 <a:effectLst>
                   <a:outerShdw blurRad="63500" dist="38099" dir="2700000" algn="ctr" rotWithShape="0">
                     <a:srgbClr val="000000">
@@ -5762,7 +5355,7 @@
           <a:effectLst/>
           <a:extLst>
             <a:ext uri="{909E8E84-426E-40dd-AFC4-6F175D3DCCD1}">
-              <a14:hiddenFill xmlns="" xmlns:a14="http://schemas.microsoft.com/office/drawing/2010/main">
+              <a14:hiddenFill xmlns:a14="http://schemas.microsoft.com/office/drawing/2010/main" xmlns="">
                 <a:blipFill dpi="0" rotWithShape="0">
                   <a:blip/>
                   <a:srcRect/>
@@ -5773,7 +5366,7 @@
               </a14:hiddenFill>
             </a:ext>
             <a:ext uri="{91240B29-F687-4f45-9708-019B960494DF}">
-              <a14:hiddenLine xmlns="" xmlns:a14="http://schemas.microsoft.com/office/drawing/2010/main" w="9525" cap="flat">
+              <a14:hiddenLine xmlns:a14="http://schemas.microsoft.com/office/drawing/2010/main" xmlns="" w="9525" cap="flat">
                 <a:solidFill>
                   <a:srgbClr val="3465A4"/>
                 </a:solidFill>
@@ -5783,7 +5376,7 @@
               </a14:hiddenLine>
             </a:ext>
             <a:ext uri="{AF507438-7753-43e0-B8FC-AC1667EBCBE1}">
-              <a14:hiddenEffects xmlns="" xmlns:a14="http://schemas.microsoft.com/office/drawing/2010/main">
+              <a14:hiddenEffects xmlns:a14="http://schemas.microsoft.com/office/drawing/2010/main" xmlns="">
                 <a:effectLst>
                   <a:outerShdw blurRad="63500" dist="38099" dir="2700000" algn="ctr" rotWithShape="0">
                     <a:srgbClr val="000000">
@@ -5825,14 +5418,14 @@
           <a:effectLst/>
           <a:extLst>
             <a:ext uri="{909E8E84-426E-40dd-AFC4-6F175D3DCCD1}">
-              <a14:hiddenFill xmlns="" xmlns:a14="http://schemas.microsoft.com/office/drawing/2010/main">
+              <a14:hiddenFill xmlns:a14="http://schemas.microsoft.com/office/drawing/2010/main" xmlns="">
                 <a:solidFill>
                   <a:srgbClr val="FFFFFF"/>
                 </a:solidFill>
               </a14:hiddenFill>
             </a:ext>
             <a:ext uri="{91240B29-F687-4f45-9708-019B960494DF}">
-              <a14:hiddenLine xmlns="" xmlns:a14="http://schemas.microsoft.com/office/drawing/2010/main" w="9525" cap="flat">
+              <a14:hiddenLine xmlns:a14="http://schemas.microsoft.com/office/drawing/2010/main" xmlns="" w="9525" cap="flat">
                 <a:solidFill>
                   <a:srgbClr val="000000"/>
                 </a:solidFill>
@@ -5842,7 +5435,7 @@
               </a14:hiddenLine>
             </a:ext>
             <a:ext uri="{AF507438-7753-43e0-B8FC-AC1667EBCBE1}">
-              <a14:hiddenEffects xmlns="" xmlns:a14="http://schemas.microsoft.com/office/drawing/2010/main">
+              <a14:hiddenEffects xmlns:a14="http://schemas.microsoft.com/office/drawing/2010/main" xmlns="">
                 <a:effectLst>
                   <a:outerShdw blurRad="63500" dist="38099" dir="2700000" algn="ctr" rotWithShape="0">
                     <a:srgbClr val="000000">
@@ -6103,14 +5696,14 @@
           <a:effectLst/>
           <a:extLst>
             <a:ext uri="{909E8E84-426E-40dd-AFC4-6F175D3DCCD1}">
-              <a14:hiddenFill xmlns="" xmlns:a14="http://schemas.microsoft.com/office/drawing/2010/main">
+              <a14:hiddenFill xmlns:a14="http://schemas.microsoft.com/office/drawing/2010/main" xmlns="">
                 <a:solidFill>
                   <a:srgbClr val="FFFFFF"/>
                 </a:solidFill>
               </a14:hiddenFill>
             </a:ext>
             <a:ext uri="{91240B29-F687-4f45-9708-019B960494DF}">
-              <a14:hiddenLine xmlns="" xmlns:a14="http://schemas.microsoft.com/office/drawing/2010/main" w="9525" cap="flat">
+              <a14:hiddenLine xmlns:a14="http://schemas.microsoft.com/office/drawing/2010/main" xmlns="" w="9525" cap="flat">
                 <a:solidFill>
                   <a:srgbClr val="000000"/>
                 </a:solidFill>
@@ -6120,7 +5713,7 @@
               </a14:hiddenLine>
             </a:ext>
             <a:ext uri="{AF507438-7753-43e0-B8FC-AC1667EBCBE1}">
-              <a14:hiddenEffects xmlns="" xmlns:a14="http://schemas.microsoft.com/office/drawing/2010/main">
+              <a14:hiddenEffects xmlns:a14="http://schemas.microsoft.com/office/drawing/2010/main" xmlns="">
                 <a:effectLst>
                   <a:outerShdw blurRad="63500" dist="38099" dir="2700000" algn="ctr" rotWithShape="0">
                     <a:srgbClr val="000000">
@@ -6427,7 +6020,7 @@
           <a:effectLst/>
           <a:extLst>
             <a:ext uri="{909E8E84-426E-40dd-AFC4-6F175D3DCCD1}">
-              <a14:hiddenFill xmlns:a14="http://schemas.microsoft.com/office/drawing/2010/main" xmlns="">
+              <a14:hiddenFill xmlns="" xmlns:a14="http://schemas.microsoft.com/office/drawing/2010/main">
                 <a:blipFill dpi="0" rotWithShape="0">
                   <a:blip/>
                   <a:srcRect/>
@@ -6438,7 +6031,7 @@
               </a14:hiddenFill>
             </a:ext>
             <a:ext uri="{91240B29-F687-4f45-9708-019B960494DF}">
-              <a14:hiddenLine xmlns:a14="http://schemas.microsoft.com/office/drawing/2010/main" xmlns="" w="9525" cap="flat">
+              <a14:hiddenLine xmlns="" xmlns:a14="http://schemas.microsoft.com/office/drawing/2010/main" w="9525" cap="flat">
                 <a:solidFill>
                   <a:srgbClr val="3465A4"/>
                 </a:solidFill>
@@ -6448,7 +6041,7 @@
               </a14:hiddenLine>
             </a:ext>
             <a:ext uri="{AF507438-7753-43e0-B8FC-AC1667EBCBE1}">
-              <a14:hiddenEffects xmlns:a14="http://schemas.microsoft.com/office/drawing/2010/main" xmlns="">
+              <a14:hiddenEffects xmlns="" xmlns:a14="http://schemas.microsoft.com/office/drawing/2010/main">
                 <a:effectLst>
                   <a:outerShdw blurRad="63500" dist="38099" dir="2700000" algn="ctr" rotWithShape="0">
                     <a:srgbClr val="000000">
@@ -6497,7 +6090,7 @@
           <a:effectLst/>
           <a:extLst>
             <a:ext uri="{909E8E84-426E-40dd-AFC4-6F175D3DCCD1}">
-              <a14:hiddenFill xmlns:a14="http://schemas.microsoft.com/office/drawing/2010/main" xmlns="">
+              <a14:hiddenFill xmlns="" xmlns:a14="http://schemas.microsoft.com/office/drawing/2010/main">
                 <a:blipFill dpi="0" rotWithShape="0">
                   <a:blip/>
                   <a:srcRect/>
@@ -6508,7 +6101,7 @@
               </a14:hiddenFill>
             </a:ext>
             <a:ext uri="{91240B29-F687-4f45-9708-019B960494DF}">
-              <a14:hiddenLine xmlns:a14="http://schemas.microsoft.com/office/drawing/2010/main" xmlns="" w="9525" cap="flat">
+              <a14:hiddenLine xmlns="" xmlns:a14="http://schemas.microsoft.com/office/drawing/2010/main" w="9525" cap="flat">
                 <a:solidFill>
                   <a:srgbClr val="3465A4"/>
                 </a:solidFill>
@@ -6518,7 +6111,7 @@
               </a14:hiddenLine>
             </a:ext>
             <a:ext uri="{AF507438-7753-43e0-B8FC-AC1667EBCBE1}">
-              <a14:hiddenEffects xmlns:a14="http://schemas.microsoft.com/office/drawing/2010/main" xmlns="">
+              <a14:hiddenEffects xmlns="" xmlns:a14="http://schemas.microsoft.com/office/drawing/2010/main">
                 <a:effectLst>
                   <a:outerShdw blurRad="63500" dist="38099" dir="2700000" algn="ctr" rotWithShape="0">
                     <a:srgbClr val="000000">
@@ -6554,14 +6147,14 @@
           <a:effectLst/>
           <a:extLst>
             <a:ext uri="{909E8E84-426E-40dd-AFC4-6F175D3DCCD1}">
-              <a14:hiddenFill xmlns:a14="http://schemas.microsoft.com/office/drawing/2010/main" xmlns="">
+              <a14:hiddenFill xmlns="" xmlns:a14="http://schemas.microsoft.com/office/drawing/2010/main">
                 <a:solidFill>
                   <a:srgbClr val="FFFFFF"/>
                 </a:solidFill>
               </a14:hiddenFill>
             </a:ext>
             <a:ext uri="{91240B29-F687-4f45-9708-019B960494DF}">
-              <a14:hiddenLine xmlns:a14="http://schemas.microsoft.com/office/drawing/2010/main" xmlns="" w="9525" cap="flat">
+              <a14:hiddenLine xmlns="" xmlns:a14="http://schemas.microsoft.com/office/drawing/2010/main" w="9525" cap="flat">
                 <a:solidFill>
                   <a:srgbClr val="000000"/>
                 </a:solidFill>
@@ -6571,7 +6164,7 @@
               </a14:hiddenLine>
             </a:ext>
             <a:ext uri="{AF507438-7753-43e0-B8FC-AC1667EBCBE1}">
-              <a14:hiddenEffects xmlns:a14="http://schemas.microsoft.com/office/drawing/2010/main" xmlns="">
+              <a14:hiddenEffects xmlns="" xmlns:a14="http://schemas.microsoft.com/office/drawing/2010/main">
                 <a:effectLst>
                   <a:outerShdw blurRad="63500" dist="38099" dir="2700000" algn="ctr" rotWithShape="0">
                     <a:srgbClr val="000000">
@@ -6972,7 +6565,7 @@
           <a:effectLst/>
           <a:extLst>
             <a:ext uri="{909E8E84-426E-40dd-AFC4-6F175D3DCCD1}">
-              <a14:hiddenFill xmlns:a14="http://schemas.microsoft.com/office/drawing/2010/main" xmlns="">
+              <a14:hiddenFill xmlns="" xmlns:a14="http://schemas.microsoft.com/office/drawing/2010/main">
                 <a:blipFill dpi="0" rotWithShape="0">
                   <a:blip/>
                   <a:srcRect/>
@@ -6983,7 +6576,7 @@
               </a14:hiddenFill>
             </a:ext>
             <a:ext uri="{91240B29-F687-4f45-9708-019B960494DF}">
-              <a14:hiddenLine xmlns:a14="http://schemas.microsoft.com/office/drawing/2010/main" xmlns="" w="9525" cap="flat">
+              <a14:hiddenLine xmlns="" xmlns:a14="http://schemas.microsoft.com/office/drawing/2010/main" w="9525" cap="flat">
                 <a:solidFill>
                   <a:srgbClr val="3465A4"/>
                 </a:solidFill>
@@ -6993,7 +6586,7 @@
               </a14:hiddenLine>
             </a:ext>
             <a:ext uri="{AF507438-7753-43e0-B8FC-AC1667EBCBE1}">
-              <a14:hiddenEffects xmlns:a14="http://schemas.microsoft.com/office/drawing/2010/main" xmlns="">
+              <a14:hiddenEffects xmlns="" xmlns:a14="http://schemas.microsoft.com/office/drawing/2010/main">
                 <a:effectLst>
                   <a:outerShdw blurRad="63500" dist="38099" dir="2700000" algn="ctr" rotWithShape="0">
                     <a:srgbClr val="000000">
@@ -7029,14 +6622,14 @@
           <a:effectLst/>
           <a:extLst>
             <a:ext uri="{909E8E84-426E-40dd-AFC4-6F175D3DCCD1}">
-              <a14:hiddenFill xmlns:a14="http://schemas.microsoft.com/office/drawing/2010/main" xmlns="">
+              <a14:hiddenFill xmlns="" xmlns:a14="http://schemas.microsoft.com/office/drawing/2010/main">
                 <a:solidFill>
                   <a:srgbClr val="FFFFFF"/>
                 </a:solidFill>
               </a14:hiddenFill>
             </a:ext>
             <a:ext uri="{91240B29-F687-4f45-9708-019B960494DF}">
-              <a14:hiddenLine xmlns:a14="http://schemas.microsoft.com/office/drawing/2010/main" xmlns="" w="9525" cap="flat">
+              <a14:hiddenLine xmlns="" xmlns:a14="http://schemas.microsoft.com/office/drawing/2010/main" w="9525" cap="flat">
                 <a:solidFill>
                   <a:srgbClr val="000000"/>
                 </a:solidFill>
@@ -7046,7 +6639,7 @@
               </a14:hiddenLine>
             </a:ext>
             <a:ext uri="{AF507438-7753-43e0-B8FC-AC1667EBCBE1}">
-              <a14:hiddenEffects xmlns:a14="http://schemas.microsoft.com/office/drawing/2010/main" xmlns="">
+              <a14:hiddenEffects xmlns="" xmlns:a14="http://schemas.microsoft.com/office/drawing/2010/main">
                 <a:effectLst>
                   <a:outerShdw blurRad="63500" dist="38099" dir="2700000" algn="ctr" rotWithShape="0">
                     <a:srgbClr val="000000">
@@ -7329,14 +6922,14 @@
           <a:effectLst/>
           <a:extLst>
             <a:ext uri="{909E8E84-426E-40dd-AFC4-6F175D3DCCD1}">
-              <a14:hiddenFill xmlns:a14="http://schemas.microsoft.com/office/drawing/2010/main" xmlns="">
+              <a14:hiddenFill xmlns="" xmlns:a14="http://schemas.microsoft.com/office/drawing/2010/main">
                 <a:solidFill>
                   <a:srgbClr val="FFFFFF"/>
                 </a:solidFill>
               </a14:hiddenFill>
             </a:ext>
             <a:ext uri="{91240B29-F687-4f45-9708-019B960494DF}">
-              <a14:hiddenLine xmlns:a14="http://schemas.microsoft.com/office/drawing/2010/main" xmlns="" w="9525" cap="flat">
+              <a14:hiddenLine xmlns="" xmlns:a14="http://schemas.microsoft.com/office/drawing/2010/main" w="9525" cap="flat">
                 <a:solidFill>
                   <a:srgbClr val="3465A4"/>
                 </a:solidFill>
@@ -7346,7 +6939,7 @@
               </a14:hiddenLine>
             </a:ext>
             <a:ext uri="{AF507438-7753-43e0-B8FC-AC1667EBCBE1}">
-              <a14:hiddenEffects xmlns:a14="http://schemas.microsoft.com/office/drawing/2010/main" xmlns="">
+              <a14:hiddenEffects xmlns="" xmlns:a14="http://schemas.microsoft.com/office/drawing/2010/main">
                 <a:effectLst>
                   <a:outerShdw blurRad="63500" dist="38099" dir="2700000" algn="ctr" rotWithShape="0">
                     <a:srgbClr val="000000">
@@ -7708,14 +7301,14 @@
           </a:ln>
           <a:extLst>
             <a:ext uri="{909E8E84-426E-40dd-AFC4-6F175D3DCCD1}">
-              <a14:hiddenFill xmlns:a14="http://schemas.microsoft.com/office/drawing/2010/main" xmlns="">
+              <a14:hiddenFill xmlns="" xmlns:a14="http://schemas.microsoft.com/office/drawing/2010/main">
                 <a:solidFill>
                   <a:srgbClr val="FFFFFF"/>
                 </a:solidFill>
               </a14:hiddenFill>
             </a:ext>
             <a:ext uri="{91240B29-F687-4f45-9708-019B960494DF}">
-              <a14:hiddenLine xmlns:a14="http://schemas.microsoft.com/office/drawing/2010/main" xmlns="" w="9525">
+              <a14:hiddenLine xmlns="" xmlns:a14="http://schemas.microsoft.com/office/drawing/2010/main" w="9525">
                 <a:solidFill>
                   <a:srgbClr val="000000"/>
                 </a:solidFill>
@@ -8200,14 +7793,14 @@
           </a:ln>
           <a:extLst>
             <a:ext uri="{909E8E84-426E-40dd-AFC4-6F175D3DCCD1}">
-              <a14:hiddenFill xmlns:a14="http://schemas.microsoft.com/office/drawing/2010/main" xmlns="">
+              <a14:hiddenFill xmlns="" xmlns:a14="http://schemas.microsoft.com/office/drawing/2010/main">
                 <a:solidFill>
                   <a:srgbClr val="FFFFFF"/>
                 </a:solidFill>
               </a14:hiddenFill>
             </a:ext>
             <a:ext uri="{91240B29-F687-4f45-9708-019B960494DF}">
-              <a14:hiddenLine xmlns:a14="http://schemas.microsoft.com/office/drawing/2010/main" xmlns="" w="9525">
+              <a14:hiddenLine xmlns="" xmlns:a14="http://schemas.microsoft.com/office/drawing/2010/main" w="9525">
                 <a:solidFill>
                   <a:srgbClr val="000000"/>
                 </a:solidFill>
@@ -8396,14 +7989,14 @@
           </a:ln>
           <a:extLst>
             <a:ext uri="{909E8E84-426E-40dd-AFC4-6F175D3DCCD1}">
-              <a14:hiddenFill xmlns:a14="http://schemas.microsoft.com/office/drawing/2010/main" xmlns="">
+              <a14:hiddenFill xmlns="" xmlns:a14="http://schemas.microsoft.com/office/drawing/2010/main">
                 <a:solidFill>
                   <a:srgbClr val="FFFFFF"/>
                 </a:solidFill>
               </a14:hiddenFill>
             </a:ext>
             <a:ext uri="{91240B29-F687-4f45-9708-019B960494DF}">
-              <a14:hiddenLine xmlns:a14="http://schemas.microsoft.com/office/drawing/2010/main" xmlns="" w="9525">
+              <a14:hiddenLine xmlns="" xmlns:a14="http://schemas.microsoft.com/office/drawing/2010/main" w="9525">
                 <a:solidFill>
                   <a:srgbClr val="000000"/>
                 </a:solidFill>
@@ -8592,14 +8185,14 @@
           </a:ln>
           <a:extLst>
             <a:ext uri="{909E8E84-426E-40dd-AFC4-6F175D3DCCD1}">
-              <a14:hiddenFill xmlns:a14="http://schemas.microsoft.com/office/drawing/2010/main" xmlns="">
+              <a14:hiddenFill xmlns="" xmlns:a14="http://schemas.microsoft.com/office/drawing/2010/main">
                 <a:solidFill>
                   <a:srgbClr val="FFFFFF"/>
                 </a:solidFill>
               </a14:hiddenFill>
             </a:ext>
             <a:ext uri="{91240B29-F687-4f45-9708-019B960494DF}">
-              <a14:hiddenLine xmlns:a14="http://schemas.microsoft.com/office/drawing/2010/main" xmlns="" w="9525">
+              <a14:hiddenLine xmlns="" xmlns:a14="http://schemas.microsoft.com/office/drawing/2010/main" w="9525">
                 <a:solidFill>
                   <a:srgbClr val="000000"/>
                 </a:solidFill>
@@ -8753,14 +8346,14 @@
           </a:ln>
           <a:extLst>
             <a:ext uri="{909E8E84-426E-40dd-AFC4-6F175D3DCCD1}">
-              <a14:hiddenFill xmlns:a14="http://schemas.microsoft.com/office/drawing/2010/main" xmlns="">
+              <a14:hiddenFill xmlns="" xmlns:a14="http://schemas.microsoft.com/office/drawing/2010/main">
                 <a:solidFill>
                   <a:srgbClr val="FFFFFF"/>
                 </a:solidFill>
               </a14:hiddenFill>
             </a:ext>
             <a:ext uri="{91240B29-F687-4f45-9708-019B960494DF}">
-              <a14:hiddenLine xmlns:a14="http://schemas.microsoft.com/office/drawing/2010/main" xmlns="" w="9525">
+              <a14:hiddenLine xmlns="" xmlns:a14="http://schemas.microsoft.com/office/drawing/2010/main" w="9525">
                 <a:solidFill>
                   <a:srgbClr val="000000"/>
                 </a:solidFill>
@@ -8949,14 +8542,14 @@
           </a:ln>
           <a:extLst>
             <a:ext uri="{909E8E84-426E-40dd-AFC4-6F175D3DCCD1}">
-              <a14:hiddenFill xmlns:a14="http://schemas.microsoft.com/office/drawing/2010/main" xmlns="">
+              <a14:hiddenFill xmlns="" xmlns:a14="http://schemas.microsoft.com/office/drawing/2010/main">
                 <a:solidFill>
                   <a:srgbClr val="FFFFFF"/>
                 </a:solidFill>
               </a14:hiddenFill>
             </a:ext>
             <a:ext uri="{91240B29-F687-4f45-9708-019B960494DF}">
-              <a14:hiddenLine xmlns:a14="http://schemas.microsoft.com/office/drawing/2010/main" xmlns="" w="9525">
+              <a14:hiddenLine xmlns="" xmlns:a14="http://schemas.microsoft.com/office/drawing/2010/main" w="9525">
                 <a:solidFill>
                   <a:srgbClr val="000000"/>
                 </a:solidFill>
@@ -9187,14 +8780,14 @@
           </a:ln>
           <a:extLst>
             <a:ext uri="{909E8E84-426E-40dd-AFC4-6F175D3DCCD1}">
-              <a14:hiddenFill xmlns:a14="http://schemas.microsoft.com/office/drawing/2010/main" xmlns="">
+              <a14:hiddenFill xmlns="" xmlns:a14="http://schemas.microsoft.com/office/drawing/2010/main">
                 <a:solidFill>
                   <a:srgbClr val="FFFFFF"/>
                 </a:solidFill>
               </a14:hiddenFill>
             </a:ext>
             <a:ext uri="{91240B29-F687-4f45-9708-019B960494DF}">
-              <a14:hiddenLine xmlns:a14="http://schemas.microsoft.com/office/drawing/2010/main" xmlns="" w="9525">
+              <a14:hiddenLine xmlns="" xmlns:a14="http://schemas.microsoft.com/office/drawing/2010/main" w="9525">
                 <a:solidFill>
                   <a:srgbClr val="000000"/>
                 </a:solidFill>
@@ -9383,14 +8976,14 @@
           </a:ln>
           <a:extLst>
             <a:ext uri="{909E8E84-426E-40dd-AFC4-6F175D3DCCD1}">
-              <a14:hiddenFill xmlns:a14="http://schemas.microsoft.com/office/drawing/2010/main" xmlns="">
+              <a14:hiddenFill xmlns="" xmlns:a14="http://schemas.microsoft.com/office/drawing/2010/main">
                 <a:solidFill>
                   <a:srgbClr val="FFFFFF"/>
                 </a:solidFill>
               </a14:hiddenFill>
             </a:ext>
             <a:ext uri="{91240B29-F687-4f45-9708-019B960494DF}">
-              <a14:hiddenLine xmlns:a14="http://schemas.microsoft.com/office/drawing/2010/main" xmlns="" w="9525">
+              <a14:hiddenLine xmlns="" xmlns:a14="http://schemas.microsoft.com/office/drawing/2010/main" w="9525">
                 <a:solidFill>
                   <a:srgbClr val="000000"/>
                 </a:solidFill>
@@ -9579,14 +9172,14 @@
           </a:ln>
           <a:extLst>
             <a:ext uri="{909E8E84-426E-40dd-AFC4-6F175D3DCCD1}">
-              <a14:hiddenFill xmlns:a14="http://schemas.microsoft.com/office/drawing/2010/main" xmlns="">
+              <a14:hiddenFill xmlns="" xmlns:a14="http://schemas.microsoft.com/office/drawing/2010/main">
                 <a:solidFill>
                   <a:srgbClr val="FFFFFF"/>
                 </a:solidFill>
               </a14:hiddenFill>
             </a:ext>
             <a:ext uri="{91240B29-F687-4f45-9708-019B960494DF}">
-              <a14:hiddenLine xmlns:a14="http://schemas.microsoft.com/office/drawing/2010/main" xmlns="" w="9525">
+              <a14:hiddenLine xmlns="" xmlns:a14="http://schemas.microsoft.com/office/drawing/2010/main" w="9525">
                 <a:solidFill>
                   <a:srgbClr val="000000"/>
                 </a:solidFill>
@@ -9782,14 +9375,14 @@
           </a:ln>
           <a:extLst>
             <a:ext uri="{909E8E84-426E-40dd-AFC4-6F175D3DCCD1}">
-              <a14:hiddenFill xmlns:a14="http://schemas.microsoft.com/office/drawing/2010/main" xmlns="">
+              <a14:hiddenFill xmlns="" xmlns:a14="http://schemas.microsoft.com/office/drawing/2010/main">
                 <a:solidFill>
                   <a:srgbClr val="FFFFFF"/>
                 </a:solidFill>
               </a14:hiddenFill>
             </a:ext>
             <a:ext uri="{91240B29-F687-4f45-9708-019B960494DF}">
-              <a14:hiddenLine xmlns:a14="http://schemas.microsoft.com/office/drawing/2010/main" xmlns="" w="9525">
+              <a14:hiddenLine xmlns="" xmlns:a14="http://schemas.microsoft.com/office/drawing/2010/main" w="9525">
                 <a:solidFill>
                   <a:srgbClr val="000000"/>
                 </a:solidFill>
@@ -9978,14 +9571,14 @@
           </a:ln>
           <a:extLst>
             <a:ext uri="{909E8E84-426E-40dd-AFC4-6F175D3DCCD1}">
-              <a14:hiddenFill xmlns:a14="http://schemas.microsoft.com/office/drawing/2010/main" xmlns="">
+              <a14:hiddenFill xmlns="" xmlns:a14="http://schemas.microsoft.com/office/drawing/2010/main">
                 <a:solidFill>
                   <a:srgbClr val="FFFFFF"/>
                 </a:solidFill>
               </a14:hiddenFill>
             </a:ext>
             <a:ext uri="{91240B29-F687-4f45-9708-019B960494DF}">
-              <a14:hiddenLine xmlns:a14="http://schemas.microsoft.com/office/drawing/2010/main" xmlns="" w="9525">
+              <a14:hiddenLine xmlns="" xmlns:a14="http://schemas.microsoft.com/office/drawing/2010/main" w="9525">
                 <a:solidFill>
                   <a:srgbClr val="000000"/>
                 </a:solidFill>
@@ -10181,14 +9774,14 @@
           </a:ln>
           <a:extLst>
             <a:ext uri="{909E8E84-426E-40dd-AFC4-6F175D3DCCD1}">
-              <a14:hiddenFill xmlns:a14="http://schemas.microsoft.com/office/drawing/2010/main" xmlns="">
+              <a14:hiddenFill xmlns="" xmlns:a14="http://schemas.microsoft.com/office/drawing/2010/main">
                 <a:solidFill>
                   <a:srgbClr val="FFFFFF"/>
                 </a:solidFill>
               </a14:hiddenFill>
             </a:ext>
             <a:ext uri="{91240B29-F687-4f45-9708-019B960494DF}">
-              <a14:hiddenLine xmlns:a14="http://schemas.microsoft.com/office/drawing/2010/main" xmlns="" w="9525">
+              <a14:hiddenLine xmlns="" xmlns:a14="http://schemas.microsoft.com/office/drawing/2010/main" w="9525">
                 <a:solidFill>
                   <a:srgbClr val="000000"/>
                 </a:solidFill>
@@ -10384,14 +9977,14 @@
           </a:ln>
           <a:extLst>
             <a:ext uri="{909E8E84-426E-40dd-AFC4-6F175D3DCCD1}">
-              <a14:hiddenFill xmlns:a14="http://schemas.microsoft.com/office/drawing/2010/main" xmlns="">
+              <a14:hiddenFill xmlns="" xmlns:a14="http://schemas.microsoft.com/office/drawing/2010/main">
                 <a:solidFill>
                   <a:srgbClr val="FFFFFF"/>
                 </a:solidFill>
               </a14:hiddenFill>
             </a:ext>
             <a:ext uri="{91240B29-F687-4f45-9708-019B960494DF}">
-              <a14:hiddenLine xmlns:a14="http://schemas.microsoft.com/office/drawing/2010/main" xmlns="" w="9525">
+              <a14:hiddenLine xmlns="" xmlns:a14="http://schemas.microsoft.com/office/drawing/2010/main" w="9525">
                 <a:solidFill>
                   <a:srgbClr val="000000"/>
                 </a:solidFill>
@@ -10878,7 +10471,7 @@
           <a:effectLst/>
           <a:extLst>
             <a:ext uri="{909E8E84-426E-40dd-AFC4-6F175D3DCCD1}">
-              <a14:hiddenFill xmlns:a14="http://schemas.microsoft.com/office/drawing/2010/main" xmlns="">
+              <a14:hiddenFill xmlns="" xmlns:a14="http://schemas.microsoft.com/office/drawing/2010/main">
                 <a:blipFill dpi="0" rotWithShape="0">
                   <a:blip/>
                   <a:srcRect/>
@@ -10889,7 +10482,7 @@
               </a14:hiddenFill>
             </a:ext>
             <a:ext uri="{91240B29-F687-4f45-9708-019B960494DF}">
-              <a14:hiddenLine xmlns:a14="http://schemas.microsoft.com/office/drawing/2010/main" xmlns="" w="9525" cap="flat">
+              <a14:hiddenLine xmlns="" xmlns:a14="http://schemas.microsoft.com/office/drawing/2010/main" w="9525" cap="flat">
                 <a:solidFill>
                   <a:srgbClr val="3465A4"/>
                 </a:solidFill>
@@ -10899,7 +10492,7 @@
               </a14:hiddenLine>
             </a:ext>
             <a:ext uri="{AF507438-7753-43e0-B8FC-AC1667EBCBE1}">
-              <a14:hiddenEffects xmlns:a14="http://schemas.microsoft.com/office/drawing/2010/main" xmlns="">
+              <a14:hiddenEffects xmlns="" xmlns:a14="http://schemas.microsoft.com/office/drawing/2010/main">
                 <a:effectLst>
                   <a:outerShdw blurRad="63500" dist="38099" dir="2700000" algn="ctr" rotWithShape="0">
                     <a:srgbClr val="000000">
@@ -10948,7 +10541,7 @@
           <a:effectLst/>
           <a:extLst>
             <a:ext uri="{909E8E84-426E-40dd-AFC4-6F175D3DCCD1}">
-              <a14:hiddenFill xmlns:a14="http://schemas.microsoft.com/office/drawing/2010/main" xmlns="">
+              <a14:hiddenFill xmlns="" xmlns:a14="http://schemas.microsoft.com/office/drawing/2010/main">
                 <a:blipFill dpi="0" rotWithShape="0">
                   <a:blip/>
                   <a:srcRect/>
@@ -10959,7 +10552,7 @@
               </a14:hiddenFill>
             </a:ext>
             <a:ext uri="{91240B29-F687-4f45-9708-019B960494DF}">
-              <a14:hiddenLine xmlns:a14="http://schemas.microsoft.com/office/drawing/2010/main" xmlns="" w="9525" cap="flat">
+              <a14:hiddenLine xmlns="" xmlns:a14="http://schemas.microsoft.com/office/drawing/2010/main" w="9525" cap="flat">
                 <a:solidFill>
                   <a:srgbClr val="3465A4"/>
                 </a:solidFill>
@@ -10969,7 +10562,7 @@
               </a14:hiddenLine>
             </a:ext>
             <a:ext uri="{AF507438-7753-43e0-B8FC-AC1667EBCBE1}">
-              <a14:hiddenEffects xmlns:a14="http://schemas.microsoft.com/office/drawing/2010/main" xmlns="">
+              <a14:hiddenEffects xmlns="" xmlns:a14="http://schemas.microsoft.com/office/drawing/2010/main">
                 <a:effectLst>
                   <a:outerShdw blurRad="63500" dist="38099" dir="2700000" algn="ctr" rotWithShape="0">
                     <a:srgbClr val="000000">
@@ -11010,12 +10603,12 @@
           <a:effectLst/>
           <a:extLst>
             <a:ext uri="{909E8E84-426E-40dd-AFC4-6F175D3DCCD1}">
-              <a14:hiddenFill xmlns:a14="http://schemas.microsoft.com/office/drawing/2010/main" xmlns="">
+              <a14:hiddenFill xmlns="" xmlns:a14="http://schemas.microsoft.com/office/drawing/2010/main">
                 <a:noFill/>
               </a14:hiddenFill>
             </a:ext>
             <a:ext uri="{AF507438-7753-43e0-B8FC-AC1667EBCBE1}">
-              <a14:hiddenEffects xmlns:a14="http://schemas.microsoft.com/office/drawing/2010/main" xmlns="">
+              <a14:hiddenEffects xmlns="" xmlns:a14="http://schemas.microsoft.com/office/drawing/2010/main">
                 <a:effectLst>
                   <a:outerShdw blurRad="63500" dist="38099" dir="2700000" algn="ctr" rotWithShape="0">
                     <a:srgbClr val="000000">
@@ -11058,14 +10651,14 @@
           <a:effectLst/>
           <a:extLst>
             <a:ext uri="{909E8E84-426E-40dd-AFC4-6F175D3DCCD1}">
-              <a14:hiddenFill xmlns:a14="http://schemas.microsoft.com/office/drawing/2010/main" xmlns="">
+              <a14:hiddenFill xmlns="" xmlns:a14="http://schemas.microsoft.com/office/drawing/2010/main">
                 <a:solidFill>
                   <a:srgbClr val="FFFFFF"/>
                 </a:solidFill>
               </a14:hiddenFill>
             </a:ext>
             <a:ext uri="{91240B29-F687-4f45-9708-019B960494DF}">
-              <a14:hiddenLine xmlns:a14="http://schemas.microsoft.com/office/drawing/2010/main" xmlns="" w="9525" cap="flat">
+              <a14:hiddenLine xmlns="" xmlns:a14="http://schemas.microsoft.com/office/drawing/2010/main" w="9525" cap="flat">
                 <a:solidFill>
                   <a:srgbClr val="000000"/>
                 </a:solidFill>
@@ -11075,7 +10668,7 @@
               </a14:hiddenLine>
             </a:ext>
             <a:ext uri="{AF507438-7753-43e0-B8FC-AC1667EBCBE1}">
-              <a14:hiddenEffects xmlns:a14="http://schemas.microsoft.com/office/drawing/2010/main" xmlns="">
+              <a14:hiddenEffects xmlns="" xmlns:a14="http://schemas.microsoft.com/office/drawing/2010/main">
                 <a:effectLst>
                   <a:outerShdw blurRad="63500" dist="38099" dir="2700000" algn="ctr" rotWithShape="0">
                     <a:srgbClr val="000000">
@@ -11391,7 +10984,7 @@
           <a:effectLst/>
           <a:extLst>
             <a:ext uri="{909E8E84-426E-40dd-AFC4-6F175D3DCCD1}">
-              <a14:hiddenFill xmlns:a14="http://schemas.microsoft.com/office/drawing/2010/main" xmlns="">
+              <a14:hiddenFill xmlns="" xmlns:a14="http://schemas.microsoft.com/office/drawing/2010/main">
                 <a:blipFill dpi="0" rotWithShape="0">
                   <a:blip/>
                   <a:srcRect/>
@@ -11402,7 +10995,7 @@
               </a14:hiddenFill>
             </a:ext>
             <a:ext uri="{91240B29-F687-4f45-9708-019B960494DF}">
-              <a14:hiddenLine xmlns:a14="http://schemas.microsoft.com/office/drawing/2010/main" xmlns="" w="9525" cap="flat">
+              <a14:hiddenLine xmlns="" xmlns:a14="http://schemas.microsoft.com/office/drawing/2010/main" w="9525" cap="flat">
                 <a:solidFill>
                   <a:srgbClr val="3465A4"/>
                 </a:solidFill>
@@ -11412,7 +11005,7 @@
               </a14:hiddenLine>
             </a:ext>
             <a:ext uri="{AF507438-7753-43e0-B8FC-AC1667EBCBE1}">
-              <a14:hiddenEffects xmlns:a14="http://schemas.microsoft.com/office/drawing/2010/main" xmlns="">
+              <a14:hiddenEffects xmlns="" xmlns:a14="http://schemas.microsoft.com/office/drawing/2010/main">
                 <a:effectLst>
                   <a:outerShdw blurRad="63500" dist="38099" dir="2700000" algn="ctr" rotWithShape="0">
                     <a:srgbClr val="000000">
@@ -11461,7 +11054,7 @@
           <a:effectLst/>
           <a:extLst>
             <a:ext uri="{909E8E84-426E-40dd-AFC4-6F175D3DCCD1}">
-              <a14:hiddenFill xmlns:a14="http://schemas.microsoft.com/office/drawing/2010/main" xmlns="">
+              <a14:hiddenFill xmlns="" xmlns:a14="http://schemas.microsoft.com/office/drawing/2010/main">
                 <a:blipFill dpi="0" rotWithShape="0">
                   <a:blip/>
                   <a:srcRect/>
@@ -11472,7 +11065,7 @@
               </a14:hiddenFill>
             </a:ext>
             <a:ext uri="{91240B29-F687-4f45-9708-019B960494DF}">
-              <a14:hiddenLine xmlns:a14="http://schemas.microsoft.com/office/drawing/2010/main" xmlns="" w="9525" cap="flat">
+              <a14:hiddenLine xmlns="" xmlns:a14="http://schemas.microsoft.com/office/drawing/2010/main" w="9525" cap="flat">
                 <a:solidFill>
                   <a:srgbClr val="3465A4"/>
                 </a:solidFill>
@@ -11482,7 +11075,7 @@
               </a14:hiddenLine>
             </a:ext>
             <a:ext uri="{AF507438-7753-43e0-B8FC-AC1667EBCBE1}">
-              <a14:hiddenEffects xmlns:a14="http://schemas.microsoft.com/office/drawing/2010/main" xmlns="">
+              <a14:hiddenEffects xmlns="" xmlns:a14="http://schemas.microsoft.com/office/drawing/2010/main">
                 <a:effectLst>
                   <a:outerShdw blurRad="63500" dist="38099" dir="2700000" algn="ctr" rotWithShape="0">
                     <a:srgbClr val="000000">
@@ -11518,14 +11111,14 @@
           <a:effectLst/>
           <a:extLst>
             <a:ext uri="{909E8E84-426E-40dd-AFC4-6F175D3DCCD1}">
-              <a14:hiddenFill xmlns:a14="http://schemas.microsoft.com/office/drawing/2010/main" xmlns="">
+              <a14:hiddenFill xmlns="" xmlns:a14="http://schemas.microsoft.com/office/drawing/2010/main">
                 <a:solidFill>
                   <a:srgbClr val="FFFFFF"/>
                 </a:solidFill>
               </a14:hiddenFill>
             </a:ext>
             <a:ext uri="{91240B29-F687-4f45-9708-019B960494DF}">
-              <a14:hiddenLine xmlns:a14="http://schemas.microsoft.com/office/drawing/2010/main" xmlns="" w="9525" cap="flat">
+              <a14:hiddenLine xmlns="" xmlns:a14="http://schemas.microsoft.com/office/drawing/2010/main" w="9525" cap="flat">
                 <a:solidFill>
                   <a:srgbClr val="000000"/>
                 </a:solidFill>
@@ -11535,7 +11128,7 @@
               </a14:hiddenLine>
             </a:ext>
             <a:ext uri="{AF507438-7753-43e0-B8FC-AC1667EBCBE1}">
-              <a14:hiddenEffects xmlns:a14="http://schemas.microsoft.com/office/drawing/2010/main" xmlns="">
+              <a14:hiddenEffects xmlns="" xmlns:a14="http://schemas.microsoft.com/office/drawing/2010/main">
                 <a:effectLst>
                   <a:outerShdw blurRad="63500" dist="38099" dir="2700000" algn="ctr" rotWithShape="0">
                     <a:srgbClr val="000000">
@@ -11857,14 +11450,14 @@
           <a:effectLst/>
           <a:extLst>
             <a:ext uri="{909E8E84-426E-40dd-AFC4-6F175D3DCCD1}">
-              <a14:hiddenFill xmlns:a14="http://schemas.microsoft.com/office/drawing/2010/main" xmlns="">
+              <a14:hiddenFill xmlns="" xmlns:a14="http://schemas.microsoft.com/office/drawing/2010/main">
                 <a:solidFill>
                   <a:srgbClr val="FFFFFF"/>
                 </a:solidFill>
               </a14:hiddenFill>
             </a:ext>
             <a:ext uri="{91240B29-F687-4f45-9708-019B960494DF}">
-              <a14:hiddenLine xmlns:a14="http://schemas.microsoft.com/office/drawing/2010/main" xmlns="" w="9525" cap="flat">
+              <a14:hiddenLine xmlns="" xmlns:a14="http://schemas.microsoft.com/office/drawing/2010/main" w="9525" cap="flat">
                 <a:solidFill>
                   <a:srgbClr val="000000"/>
                 </a:solidFill>
@@ -11874,7 +11467,7 @@
               </a14:hiddenLine>
             </a:ext>
             <a:ext uri="{AF507438-7753-43e0-B8FC-AC1667EBCBE1}">
-              <a14:hiddenEffects xmlns:a14="http://schemas.microsoft.com/office/drawing/2010/main" xmlns="">
+              <a14:hiddenEffects xmlns="" xmlns:a14="http://schemas.microsoft.com/office/drawing/2010/main">
                 <a:effectLst>
                   <a:outerShdw blurRad="63500" dist="38099" dir="2700000" algn="ctr" rotWithShape="0">
                     <a:srgbClr val="000000">
@@ -12316,7 +11909,7 @@
           <a:effectLst/>
           <a:extLst>
             <a:ext uri="{909E8E84-426E-40dd-AFC4-6F175D3DCCD1}">
-              <a14:hiddenFill xmlns="" xmlns:a14="http://schemas.microsoft.com/office/drawing/2010/main">
+              <a14:hiddenFill xmlns:a14="http://schemas.microsoft.com/office/drawing/2010/main" xmlns="">
                 <a:blipFill dpi="0" rotWithShape="0">
                   <a:blip/>
                   <a:srcRect/>
@@ -12327,7 +11920,7 @@
               </a14:hiddenFill>
             </a:ext>
             <a:ext uri="{91240B29-F687-4f45-9708-019B960494DF}">
-              <a14:hiddenLine xmlns="" xmlns:a14="http://schemas.microsoft.com/office/drawing/2010/main" w="9525" cap="flat">
+              <a14:hiddenLine xmlns:a14="http://schemas.microsoft.com/office/drawing/2010/main" xmlns="" w="9525" cap="flat">
                 <a:solidFill>
                   <a:srgbClr val="3465A4"/>
                 </a:solidFill>
@@ -12337,7 +11930,7 @@
               </a14:hiddenLine>
             </a:ext>
             <a:ext uri="{AF507438-7753-43e0-B8FC-AC1667EBCBE1}">
-              <a14:hiddenEffects xmlns="" xmlns:a14="http://schemas.microsoft.com/office/drawing/2010/main">
+              <a14:hiddenEffects xmlns:a14="http://schemas.microsoft.com/office/drawing/2010/main" xmlns="">
                 <a:effectLst>
                   <a:outerShdw blurRad="63500" dist="38099" dir="2700000" algn="ctr" rotWithShape="0">
                     <a:srgbClr val="000000">
@@ -12668,7 +12261,7 @@
           <a:effectLst/>
           <a:extLst>
             <a:ext uri="{909E8E84-426E-40dd-AFC4-6F175D3DCCD1}">
-              <a14:hiddenFill xmlns="" xmlns:a14="http://schemas.microsoft.com/office/drawing/2010/main">
+              <a14:hiddenFill xmlns:a14="http://schemas.microsoft.com/office/drawing/2010/main" xmlns="">
                 <a:blipFill dpi="0" rotWithShape="0">
                   <a:blip/>
                   <a:srcRect/>
@@ -12679,7 +12272,7 @@
               </a14:hiddenFill>
             </a:ext>
             <a:ext uri="{91240B29-F687-4f45-9708-019B960494DF}">
-              <a14:hiddenLine xmlns="" xmlns:a14="http://schemas.microsoft.com/office/drawing/2010/main" w="9525" cap="flat">
+              <a14:hiddenLine xmlns:a14="http://schemas.microsoft.com/office/drawing/2010/main" xmlns="" w="9525" cap="flat">
                 <a:solidFill>
                   <a:srgbClr val="3465A4"/>
                 </a:solidFill>
@@ -12689,7 +12282,7 @@
               </a14:hiddenLine>
             </a:ext>
             <a:ext uri="{AF507438-7753-43e0-B8FC-AC1667EBCBE1}">
-              <a14:hiddenEffects xmlns="" xmlns:a14="http://schemas.microsoft.com/office/drawing/2010/main">
+              <a14:hiddenEffects xmlns:a14="http://schemas.microsoft.com/office/drawing/2010/main" xmlns="">
                 <a:effectLst>
                   <a:outerShdw blurRad="63500" dist="38099" dir="2700000" algn="ctr" rotWithShape="0">
                     <a:srgbClr val="000000">
@@ -12731,14 +12324,14 @@
           <a:effectLst/>
           <a:extLst>
             <a:ext uri="{909E8E84-426E-40dd-AFC4-6F175D3DCCD1}">
-              <a14:hiddenFill xmlns="" xmlns:a14="http://schemas.microsoft.com/office/drawing/2010/main">
+              <a14:hiddenFill xmlns:a14="http://schemas.microsoft.com/office/drawing/2010/main" xmlns="">
                 <a:solidFill>
                   <a:srgbClr val="FFFFFF"/>
                 </a:solidFill>
               </a14:hiddenFill>
             </a:ext>
             <a:ext uri="{91240B29-F687-4f45-9708-019B960494DF}">
-              <a14:hiddenLine xmlns="" xmlns:a14="http://schemas.microsoft.com/office/drawing/2010/main" w="9525" cap="flat">
+              <a14:hiddenLine xmlns:a14="http://schemas.microsoft.com/office/drawing/2010/main" xmlns="" w="9525" cap="flat">
                 <a:solidFill>
                   <a:srgbClr val="3465A4"/>
                 </a:solidFill>
@@ -12748,7 +12341,7 @@
               </a14:hiddenLine>
             </a:ext>
             <a:ext uri="{AF507438-7753-43e0-B8FC-AC1667EBCBE1}">
-              <a14:hiddenEffects xmlns="" xmlns:a14="http://schemas.microsoft.com/office/drawing/2010/main">
+              <a14:hiddenEffects xmlns:a14="http://schemas.microsoft.com/office/drawing/2010/main" xmlns="">
                 <a:effectLst>
                   <a:outerShdw blurRad="63500" dist="38099" dir="2700000" algn="ctr" rotWithShape="0">
                     <a:srgbClr val="000000">

--- a/assets/lectures/cshl/2019/mini/RNASeq_MiniLecture_02_04_alignmentQC.pptx
+++ b/assets/lectures/cshl/2019/mini/RNASeq_MiniLecture_02_04_alignmentQC.pptx
@@ -516,14 +516,14 @@
           </a:ln>
           <a:extLst>
             <a:ext uri="{909E8E84-426E-40dd-AFC4-6F175D3DCCD1}">
-              <a14:hiddenFill xmlns="" xmlns:a14="http://schemas.microsoft.com/office/drawing/2010/main">
+              <a14:hiddenFill xmlns:a14="http://schemas.microsoft.com/office/drawing/2010/main" xmlns="">
                 <a:solidFill>
                   <a:srgbClr val="FFFFFF"/>
                 </a:solidFill>
               </a14:hiddenFill>
             </a:ext>
             <a:ext uri="{FAA26D3D-D897-4be2-8F04-BA451C77F1D7}">
-              <ma14:placeholderFlag xmlns="" xmlns:ma14="http://schemas.microsoft.com/office/mac/drawingml/2011/main" val="1"/>
+              <ma14:placeholderFlag xmlns:ma14="http://schemas.microsoft.com/office/mac/drawingml/2011/main" xmlns="" val="1"/>
             </a:ext>
           </a:extLst>
         </p:spPr>
@@ -542,14 +542,14 @@
           <a:noFill/>
           <a:extLst>
             <a:ext uri="{909E8E84-426E-40dd-AFC4-6F175D3DCCD1}">
-              <a14:hiddenFill xmlns="" xmlns:a14="http://schemas.microsoft.com/office/drawing/2010/main">
+              <a14:hiddenFill xmlns:a14="http://schemas.microsoft.com/office/drawing/2010/main" xmlns="">
                 <a:solidFill>
                   <a:srgbClr val="FFFFFF"/>
                 </a:solidFill>
               </a14:hiddenFill>
             </a:ext>
             <a:ext uri="{91240B29-F687-4f45-9708-019B960494DF}">
-              <a14:hiddenLine xmlns="" xmlns:a14="http://schemas.microsoft.com/office/drawing/2010/main" w="9525">
+              <a14:hiddenLine xmlns:a14="http://schemas.microsoft.com/office/drawing/2010/main" xmlns="" w="9525">
                 <a:solidFill>
                   <a:srgbClr val="000000"/>
                 </a:solidFill>
@@ -559,7 +559,7 @@
               </a14:hiddenLine>
             </a:ext>
             <a:ext uri="{FAA26D3D-D897-4be2-8F04-BA451C77F1D7}">
-              <ma14:placeholderFlag xmlns="" xmlns:ma14="http://schemas.microsoft.com/office/mac/drawingml/2011/main" val="1"/>
+              <ma14:placeholderFlag xmlns:ma14="http://schemas.microsoft.com/office/mac/drawingml/2011/main" xmlns="" val="1"/>
             </a:ext>
           </a:extLst>
         </p:spPr>
@@ -593,14 +593,14 @@
           <a:noFill/>
           <a:extLst>
             <a:ext uri="{909E8E84-426E-40dd-AFC4-6F175D3DCCD1}">
-              <a14:hiddenFill xmlns="" xmlns:a14="http://schemas.microsoft.com/office/drawing/2010/main">
+              <a14:hiddenFill xmlns:a14="http://schemas.microsoft.com/office/drawing/2010/main" xmlns="">
                 <a:solidFill>
                   <a:srgbClr val="FFFFFF"/>
                 </a:solidFill>
               </a14:hiddenFill>
             </a:ext>
             <a:ext uri="{91240B29-F687-4f45-9708-019B960494DF}">
-              <a14:hiddenLine xmlns="" xmlns:a14="http://schemas.microsoft.com/office/drawing/2010/main" w="9525">
+              <a14:hiddenLine xmlns:a14="http://schemas.microsoft.com/office/drawing/2010/main" xmlns="" w="9525">
                 <a:solidFill>
                   <a:srgbClr val="000000"/>
                 </a:solidFill>
@@ -1026,14 +1026,14 @@
           </a:ln>
           <a:extLst>
             <a:ext uri="{909E8E84-426E-40dd-AFC4-6F175D3DCCD1}">
-              <a14:hiddenFill xmlns:a14="http://schemas.microsoft.com/office/drawing/2010/main" xmlns="">
+              <a14:hiddenFill xmlns="" xmlns:a14="http://schemas.microsoft.com/office/drawing/2010/main">
                 <a:solidFill>
                   <a:srgbClr val="FFFFFF"/>
                 </a:solidFill>
               </a14:hiddenFill>
             </a:ext>
             <a:ext uri="{91240B29-F687-4f45-9708-019B960494DF}">
-              <a14:hiddenLine xmlns:a14="http://schemas.microsoft.com/office/drawing/2010/main" xmlns="" w="9525">
+              <a14:hiddenLine xmlns="" xmlns:a14="http://schemas.microsoft.com/office/drawing/2010/main" w="9525">
                 <a:solidFill>
                   <a:srgbClr val="000000"/>
                 </a:solidFill>
@@ -1528,14 +1528,14 @@
           </a:ln>
           <a:extLst>
             <a:ext uri="{909E8E84-426E-40dd-AFC4-6F175D3DCCD1}">
-              <a14:hiddenFill xmlns:a14="http://schemas.microsoft.com/office/drawing/2010/main" xmlns="">
+              <a14:hiddenFill xmlns="" xmlns:a14="http://schemas.microsoft.com/office/drawing/2010/main">
                 <a:solidFill>
                   <a:srgbClr val="FFFFFF"/>
                 </a:solidFill>
               </a14:hiddenFill>
             </a:ext>
             <a:ext uri="{91240B29-F687-4f45-9708-019B960494DF}">
-              <a14:hiddenLine xmlns:a14="http://schemas.microsoft.com/office/drawing/2010/main" xmlns="" w="9525">
+              <a14:hiddenLine xmlns="" xmlns:a14="http://schemas.microsoft.com/office/drawing/2010/main" w="9525">
                 <a:solidFill>
                   <a:srgbClr val="000000"/>
                 </a:solidFill>
@@ -3227,10 +3227,10 @@
       </p:sp>
       <p:sp>
         <p:nvSpPr>
-          <p:cNvPr id="11" name="TextBox 10">
+          <p:cNvPr id="8" name="TextBox 7">
             <a:extLst>
               <a:ext uri="{FF2B5EF4-FFF2-40B4-BE49-F238E27FC236}">
-                <a16:creationId xmlns:a16="http://schemas.microsoft.com/office/drawing/2014/main" id="{2CE4FBA7-EA83-4B4B-A7C6-F0F5766917AC}"/>
+                <a16:creationId xmlns:a16="http://schemas.microsoft.com/office/drawing/2014/main" id="{B439FE3D-E66A-D846-8CED-86B6A46ED63F}"/>
               </a:ext>
             </a:extLst>
           </p:cNvPr>
@@ -3241,8 +3241,8 @@
         </p:nvSpPr>
         <p:spPr bwMode="auto">
           <a:xfrm>
-            <a:off x="0" y="6430962"/>
-            <a:ext cx="6705600" cy="396875"/>
+            <a:off x="111760" y="6447904"/>
+            <a:ext cx="2521392" cy="369332"/>
           </a:xfrm>
           <a:prstGeom prst="rect">
             <a:avLst/>
@@ -3253,14 +3253,14 @@
           </a:ln>
           <a:extLst>
             <a:ext uri="{909E8E84-426E-40dd-AFC4-6F175D3DCCD1}">
-              <a14:hiddenFill xmlns="" xmlns:a14="http://schemas.microsoft.com/office/drawing/2010/main">
+              <a14:hiddenFill xmlns:a14="http://schemas.microsoft.com/office/drawing/2010/main" xmlns="">
                 <a:solidFill>
                   <a:srgbClr val="FFFFFF"/>
                 </a:solidFill>
               </a14:hiddenFill>
             </a:ext>
             <a:ext uri="{91240B29-F687-4f45-9708-019B960494DF}">
-              <a14:hiddenLine xmlns="" xmlns:a14="http://schemas.microsoft.com/office/drawing/2010/main" w="9525">
+              <a14:hiddenLine xmlns:a14="http://schemas.microsoft.com/office/drawing/2010/main" xmlns="" w="9525">
                 <a:solidFill>
                   <a:srgbClr val="000000"/>
                 </a:solidFill>
@@ -3272,7 +3272,7 @@
           </a:extLst>
         </p:spPr>
         <p:txBody>
-          <a:bodyPr>
+          <a:bodyPr wrap="square">
             <a:spAutoFit/>
           </a:bodyPr>
           <a:lstStyle>
@@ -3388,7 +3388,7 @@
               <a:defRPr/>
             </a:pPr>
             <a:r>
-              <a:rPr lang="en-US" sz="2000" b="1" dirty="0">
+              <a:rPr lang="en-US" sz="1800" b="1" dirty="0">
                 <a:solidFill>
                   <a:schemeClr val="bg1"/>
                 </a:solidFill>
@@ -3402,10 +3402,10 @@
       </p:sp>
       <p:sp>
         <p:nvSpPr>
-          <p:cNvPr id="12" name="TextBox 11">
+          <p:cNvPr id="13" name="TextBox 12">
             <a:extLst>
               <a:ext uri="{FF2B5EF4-FFF2-40B4-BE49-F238E27FC236}">
-                <a16:creationId xmlns:a16="http://schemas.microsoft.com/office/drawing/2014/main" id="{8EB12434-FD9E-4242-B813-5136B9D05A8A}"/>
+                <a16:creationId xmlns:a16="http://schemas.microsoft.com/office/drawing/2014/main" id="{F0BFEF27-1D17-894D-87BB-89FE5BB77D7F}"/>
               </a:ext>
             </a:extLst>
           </p:cNvPr>
@@ -3414,8 +3414,8 @@
         </p:nvSpPr>
         <p:spPr>
           <a:xfrm>
-            <a:off x="9639300" y="6400800"/>
-            <a:ext cx="2362200" cy="457200"/>
+            <a:off x="9721408" y="6447904"/>
+            <a:ext cx="2362200" cy="369332"/>
           </a:xfrm>
           <a:prstGeom prst="rect">
             <a:avLst/>
@@ -3539,13 +3539,65 @@
               <a:defRPr/>
             </a:pPr>
             <a:r>
-              <a:rPr lang="en-US" b="1" dirty="0">
+              <a:rPr lang="en-US" sz="1800" b="1" dirty="0">
+                <a:solidFill>
+                  <a:schemeClr val="bg1"/>
+                </a:solidFill>
                 <a:cs typeface="Arial" charset="0"/>
               </a:rPr>
               <a:t>rnabio.org</a:t>
             </a:r>
-            <a:endParaRPr lang="en-US" dirty="0">
+            <a:endParaRPr lang="en-US" sz="1800" dirty="0">
+              <a:solidFill>
+                <a:schemeClr val="bg1"/>
+              </a:solidFill>
               <a:cs typeface="Arial" charset="0"/>
+            </a:endParaRPr>
+          </a:p>
+        </p:txBody>
+      </p:sp>
+      <p:sp>
+        <p:nvSpPr>
+          <p:cNvPr id="14" name="TextBox 13">
+            <a:extLst>
+              <a:ext uri="{FF2B5EF4-FFF2-40B4-BE49-F238E27FC236}">
+                <a16:creationId xmlns:a16="http://schemas.microsoft.com/office/drawing/2014/main" id="{6AD07625-866B-374D-841B-97B19CEBA6AC}"/>
+              </a:ext>
+            </a:extLst>
+          </p:cNvPr>
+          <p:cNvSpPr txBox="1"/>
+          <p:nvPr userDrawn="1"/>
+        </p:nvSpPr>
+        <p:spPr>
+          <a:xfrm>
+            <a:off x="5867412" y="6447904"/>
+            <a:ext cx="457176" cy="369332"/>
+          </a:xfrm>
+          <a:prstGeom prst="rect">
+            <a:avLst/>
+          </a:prstGeom>
+          <a:noFill/>
+        </p:spPr>
+        <p:txBody>
+          <a:bodyPr wrap="none" rtlCol="0" anchor="ctr">
+            <a:spAutoFit/>
+          </a:bodyPr>
+          <a:lstStyle/>
+          <a:p>
+            <a:pPr algn="ctr"/>
+            <a:fld id="{0153C3B2-0654-1049-821D-A9450C27E9C9}" type="slidenum">
+              <a:rPr lang="en-US" sz="1800" smtClean="0">
+                <a:solidFill>
+                  <a:schemeClr val="bg1"/>
+                </a:solidFill>
+              </a:rPr>
+              <a:pPr algn="ctr"/>
+              <a:t>‹#›</a:t>
+            </a:fld>
+            <a:endParaRPr lang="en-US" sz="1800" dirty="0">
+              <a:solidFill>
+                <a:schemeClr val="bg1"/>
+              </a:solidFill>
             </a:endParaRPr>
           </a:p>
         </p:txBody>
@@ -4351,14 +4403,14 @@
             </a:ln>
             <a:extLst>
               <a:ext uri="{909E8E84-426E-40dd-AFC4-6F175D3DCCD1}">
-                <a14:hiddenFill xmlns="" xmlns:a14="http://schemas.microsoft.com/office/drawing/2010/main">
+                <a14:hiddenFill xmlns:a14="http://schemas.microsoft.com/office/drawing/2010/main" xmlns="">
                   <a:solidFill>
                     <a:srgbClr val="FFFFFF"/>
                   </a:solidFill>
                 </a14:hiddenFill>
               </a:ext>
               <a:ext uri="{91240B29-F687-4f45-9708-019B960494DF}">
-                <a14:hiddenLine xmlns="" xmlns:a14="http://schemas.microsoft.com/office/drawing/2010/main" w="9525">
+                <a14:hiddenLine xmlns:a14="http://schemas.microsoft.com/office/drawing/2010/main" xmlns="" w="9525">
                   <a:solidFill>
                     <a:srgbClr val="000000"/>
                   </a:solidFill>
@@ -4502,14 +4554,14 @@
             </a:ln>
             <a:extLst>
               <a:ext uri="{909E8E84-426E-40dd-AFC4-6F175D3DCCD1}">
-                <a14:hiddenFill xmlns="" xmlns:a14="http://schemas.microsoft.com/office/drawing/2010/main">
+                <a14:hiddenFill xmlns:a14="http://schemas.microsoft.com/office/drawing/2010/main" xmlns="">
                   <a:solidFill>
                     <a:srgbClr val="FFFFFF"/>
                   </a:solidFill>
                 </a14:hiddenFill>
               </a:ext>
               <a:ext uri="{91240B29-F687-4f45-9708-019B960494DF}">
-                <a14:hiddenLine xmlns="" xmlns:a14="http://schemas.microsoft.com/office/drawing/2010/main" w="9525">
+                <a14:hiddenLine xmlns:a14="http://schemas.microsoft.com/office/drawing/2010/main" xmlns="" w="9525">
                   <a:solidFill>
                     <a:srgbClr val="000000"/>
                   </a:solidFill>
@@ -4729,7 +4781,7 @@
           <a:effectLst/>
           <a:extLst>
             <a:ext uri="{909E8E84-426E-40dd-AFC4-6F175D3DCCD1}">
-              <a14:hiddenFill xmlns:a14="http://schemas.microsoft.com/office/drawing/2010/main" xmlns="">
+              <a14:hiddenFill xmlns="" xmlns:a14="http://schemas.microsoft.com/office/drawing/2010/main">
                 <a:blipFill dpi="0" rotWithShape="0">
                   <a:blip/>
                   <a:srcRect/>
@@ -4740,7 +4792,7 @@
               </a14:hiddenFill>
             </a:ext>
             <a:ext uri="{91240B29-F687-4f45-9708-019B960494DF}">
-              <a14:hiddenLine xmlns:a14="http://schemas.microsoft.com/office/drawing/2010/main" xmlns="" w="9525" cap="flat">
+              <a14:hiddenLine xmlns="" xmlns:a14="http://schemas.microsoft.com/office/drawing/2010/main" w="9525" cap="flat">
                 <a:solidFill>
                   <a:srgbClr val="3465A4"/>
                 </a:solidFill>
@@ -4750,7 +4802,7 @@
               </a14:hiddenLine>
             </a:ext>
             <a:ext uri="{AF507438-7753-43e0-B8FC-AC1667EBCBE1}">
-              <a14:hiddenEffects xmlns:a14="http://schemas.microsoft.com/office/drawing/2010/main" xmlns="">
+              <a14:hiddenEffects xmlns="" xmlns:a14="http://schemas.microsoft.com/office/drawing/2010/main">
                 <a:effectLst>
                   <a:outerShdw blurRad="63500" dist="38099" dir="2700000" algn="ctr" rotWithShape="0">
                     <a:srgbClr val="000000">
@@ -4848,14 +4900,14 @@
           <a:effectLst/>
           <a:extLst>
             <a:ext uri="{909E8E84-426E-40dd-AFC4-6F175D3DCCD1}">
-              <a14:hiddenFill xmlns:a14="http://schemas.microsoft.com/office/drawing/2010/main" xmlns="">
+              <a14:hiddenFill xmlns="" xmlns:a14="http://schemas.microsoft.com/office/drawing/2010/main">
                 <a:solidFill>
                   <a:srgbClr val="FFFFFF"/>
                 </a:solidFill>
               </a14:hiddenFill>
             </a:ext>
             <a:ext uri="{91240B29-F687-4f45-9708-019B960494DF}">
-              <a14:hiddenLine xmlns:a14="http://schemas.microsoft.com/office/drawing/2010/main" xmlns="" w="9525" cap="flat">
+              <a14:hiddenLine xmlns="" xmlns:a14="http://schemas.microsoft.com/office/drawing/2010/main" w="9525" cap="flat">
                 <a:solidFill>
                   <a:srgbClr val="000000"/>
                 </a:solidFill>
@@ -4865,7 +4917,7 @@
               </a14:hiddenLine>
             </a:ext>
             <a:ext uri="{AF507438-7753-43e0-B8FC-AC1667EBCBE1}">
-              <a14:hiddenEffects xmlns:a14="http://schemas.microsoft.com/office/drawing/2010/main" xmlns="">
+              <a14:hiddenEffects xmlns="" xmlns:a14="http://schemas.microsoft.com/office/drawing/2010/main">
                 <a:effectLst>
                   <a:outerShdw blurRad="63500" dist="38099" dir="2700000" algn="ctr" rotWithShape="0">
                     <a:srgbClr val="000000">
@@ -5279,7 +5331,7 @@
           <a:effectLst/>
           <a:extLst>
             <a:ext uri="{909E8E84-426E-40dd-AFC4-6F175D3DCCD1}">
-              <a14:hiddenFill xmlns:a14="http://schemas.microsoft.com/office/drawing/2010/main" xmlns="">
+              <a14:hiddenFill xmlns="" xmlns:a14="http://schemas.microsoft.com/office/drawing/2010/main">
                 <a:blipFill dpi="0" rotWithShape="0">
                   <a:blip/>
                   <a:srcRect/>
@@ -5290,7 +5342,7 @@
               </a14:hiddenFill>
             </a:ext>
             <a:ext uri="{91240B29-F687-4f45-9708-019B960494DF}">
-              <a14:hiddenLine xmlns:a14="http://schemas.microsoft.com/office/drawing/2010/main" xmlns="" w="9525" cap="flat">
+              <a14:hiddenLine xmlns="" xmlns:a14="http://schemas.microsoft.com/office/drawing/2010/main" w="9525" cap="flat">
                 <a:solidFill>
                   <a:srgbClr val="3465A4"/>
                 </a:solidFill>
@@ -5300,7 +5352,7 @@
               </a14:hiddenLine>
             </a:ext>
             <a:ext uri="{AF507438-7753-43e0-B8FC-AC1667EBCBE1}">
-              <a14:hiddenEffects xmlns:a14="http://schemas.microsoft.com/office/drawing/2010/main" xmlns="">
+              <a14:hiddenEffects xmlns="" xmlns:a14="http://schemas.microsoft.com/office/drawing/2010/main">
                 <a:effectLst>
                   <a:outerShdw blurRad="63500" dist="38099" dir="2700000" algn="ctr" rotWithShape="0">
                     <a:srgbClr val="000000">
@@ -5355,7 +5407,7 @@
           <a:effectLst/>
           <a:extLst>
             <a:ext uri="{909E8E84-426E-40dd-AFC4-6F175D3DCCD1}">
-              <a14:hiddenFill xmlns:a14="http://schemas.microsoft.com/office/drawing/2010/main" xmlns="">
+              <a14:hiddenFill xmlns="" xmlns:a14="http://schemas.microsoft.com/office/drawing/2010/main">
                 <a:blipFill dpi="0" rotWithShape="0">
                   <a:blip/>
                   <a:srcRect/>
@@ -5366,7 +5418,7 @@
               </a14:hiddenFill>
             </a:ext>
             <a:ext uri="{91240B29-F687-4f45-9708-019B960494DF}">
-              <a14:hiddenLine xmlns:a14="http://schemas.microsoft.com/office/drawing/2010/main" xmlns="" w="9525" cap="flat">
+              <a14:hiddenLine xmlns="" xmlns:a14="http://schemas.microsoft.com/office/drawing/2010/main" w="9525" cap="flat">
                 <a:solidFill>
                   <a:srgbClr val="3465A4"/>
                 </a:solidFill>
@@ -5376,7 +5428,7 @@
               </a14:hiddenLine>
             </a:ext>
             <a:ext uri="{AF507438-7753-43e0-B8FC-AC1667EBCBE1}">
-              <a14:hiddenEffects xmlns:a14="http://schemas.microsoft.com/office/drawing/2010/main" xmlns="">
+              <a14:hiddenEffects xmlns="" xmlns:a14="http://schemas.microsoft.com/office/drawing/2010/main">
                 <a:effectLst>
                   <a:outerShdw blurRad="63500" dist="38099" dir="2700000" algn="ctr" rotWithShape="0">
                     <a:srgbClr val="000000">
@@ -5418,14 +5470,14 @@
           <a:effectLst/>
           <a:extLst>
             <a:ext uri="{909E8E84-426E-40dd-AFC4-6F175D3DCCD1}">
-              <a14:hiddenFill xmlns:a14="http://schemas.microsoft.com/office/drawing/2010/main" xmlns="">
+              <a14:hiddenFill xmlns="" xmlns:a14="http://schemas.microsoft.com/office/drawing/2010/main">
                 <a:solidFill>
                   <a:srgbClr val="FFFFFF"/>
                 </a:solidFill>
               </a14:hiddenFill>
             </a:ext>
             <a:ext uri="{91240B29-F687-4f45-9708-019B960494DF}">
-              <a14:hiddenLine xmlns:a14="http://schemas.microsoft.com/office/drawing/2010/main" xmlns="" w="9525" cap="flat">
+              <a14:hiddenLine xmlns="" xmlns:a14="http://schemas.microsoft.com/office/drawing/2010/main" w="9525" cap="flat">
                 <a:solidFill>
                   <a:srgbClr val="000000"/>
                 </a:solidFill>
@@ -5435,7 +5487,7 @@
               </a14:hiddenLine>
             </a:ext>
             <a:ext uri="{AF507438-7753-43e0-B8FC-AC1667EBCBE1}">
-              <a14:hiddenEffects xmlns:a14="http://schemas.microsoft.com/office/drawing/2010/main" xmlns="">
+              <a14:hiddenEffects xmlns="" xmlns:a14="http://schemas.microsoft.com/office/drawing/2010/main">
                 <a:effectLst>
                   <a:outerShdw blurRad="63500" dist="38099" dir="2700000" algn="ctr" rotWithShape="0">
                     <a:srgbClr val="000000">
@@ -5696,14 +5748,14 @@
           <a:effectLst/>
           <a:extLst>
             <a:ext uri="{909E8E84-426E-40dd-AFC4-6F175D3DCCD1}">
-              <a14:hiddenFill xmlns:a14="http://schemas.microsoft.com/office/drawing/2010/main" xmlns="">
+              <a14:hiddenFill xmlns="" xmlns:a14="http://schemas.microsoft.com/office/drawing/2010/main">
                 <a:solidFill>
                   <a:srgbClr val="FFFFFF"/>
                 </a:solidFill>
               </a14:hiddenFill>
             </a:ext>
             <a:ext uri="{91240B29-F687-4f45-9708-019B960494DF}">
-              <a14:hiddenLine xmlns:a14="http://schemas.microsoft.com/office/drawing/2010/main" xmlns="" w="9525" cap="flat">
+              <a14:hiddenLine xmlns="" xmlns:a14="http://schemas.microsoft.com/office/drawing/2010/main" w="9525" cap="flat">
                 <a:solidFill>
                   <a:srgbClr val="000000"/>
                 </a:solidFill>
@@ -5713,7 +5765,7 @@
               </a14:hiddenLine>
             </a:ext>
             <a:ext uri="{AF507438-7753-43e0-B8FC-AC1667EBCBE1}">
-              <a14:hiddenEffects xmlns:a14="http://schemas.microsoft.com/office/drawing/2010/main" xmlns="">
+              <a14:hiddenEffects xmlns="" xmlns:a14="http://schemas.microsoft.com/office/drawing/2010/main">
                 <a:effectLst>
                   <a:outerShdw blurRad="63500" dist="38099" dir="2700000" algn="ctr" rotWithShape="0">
                     <a:srgbClr val="000000">
@@ -6020,7 +6072,7 @@
           <a:effectLst/>
           <a:extLst>
             <a:ext uri="{909E8E84-426E-40dd-AFC4-6F175D3DCCD1}">
-              <a14:hiddenFill xmlns="" xmlns:a14="http://schemas.microsoft.com/office/drawing/2010/main">
+              <a14:hiddenFill xmlns:a14="http://schemas.microsoft.com/office/drawing/2010/main" xmlns="">
                 <a:blipFill dpi="0" rotWithShape="0">
                   <a:blip/>
                   <a:srcRect/>
@@ -6031,7 +6083,7 @@
               </a14:hiddenFill>
             </a:ext>
             <a:ext uri="{91240B29-F687-4f45-9708-019B960494DF}">
-              <a14:hiddenLine xmlns="" xmlns:a14="http://schemas.microsoft.com/office/drawing/2010/main" w="9525" cap="flat">
+              <a14:hiddenLine xmlns:a14="http://schemas.microsoft.com/office/drawing/2010/main" xmlns="" w="9525" cap="flat">
                 <a:solidFill>
                   <a:srgbClr val="3465A4"/>
                 </a:solidFill>
@@ -6041,7 +6093,7 @@
               </a14:hiddenLine>
             </a:ext>
             <a:ext uri="{AF507438-7753-43e0-B8FC-AC1667EBCBE1}">
-              <a14:hiddenEffects xmlns="" xmlns:a14="http://schemas.microsoft.com/office/drawing/2010/main">
+              <a14:hiddenEffects xmlns:a14="http://schemas.microsoft.com/office/drawing/2010/main" xmlns="">
                 <a:effectLst>
                   <a:outerShdw blurRad="63500" dist="38099" dir="2700000" algn="ctr" rotWithShape="0">
                     <a:srgbClr val="000000">
@@ -6090,7 +6142,7 @@
           <a:effectLst/>
           <a:extLst>
             <a:ext uri="{909E8E84-426E-40dd-AFC4-6F175D3DCCD1}">
-              <a14:hiddenFill xmlns="" xmlns:a14="http://schemas.microsoft.com/office/drawing/2010/main">
+              <a14:hiddenFill xmlns:a14="http://schemas.microsoft.com/office/drawing/2010/main" xmlns="">
                 <a:blipFill dpi="0" rotWithShape="0">
                   <a:blip/>
                   <a:srcRect/>
@@ -6101,7 +6153,7 @@
               </a14:hiddenFill>
             </a:ext>
             <a:ext uri="{91240B29-F687-4f45-9708-019B960494DF}">
-              <a14:hiddenLine xmlns="" xmlns:a14="http://schemas.microsoft.com/office/drawing/2010/main" w="9525" cap="flat">
+              <a14:hiddenLine xmlns:a14="http://schemas.microsoft.com/office/drawing/2010/main" xmlns="" w="9525" cap="flat">
                 <a:solidFill>
                   <a:srgbClr val="3465A4"/>
                 </a:solidFill>
@@ -6111,7 +6163,7 @@
               </a14:hiddenLine>
             </a:ext>
             <a:ext uri="{AF507438-7753-43e0-B8FC-AC1667EBCBE1}">
-              <a14:hiddenEffects xmlns="" xmlns:a14="http://schemas.microsoft.com/office/drawing/2010/main">
+              <a14:hiddenEffects xmlns:a14="http://schemas.microsoft.com/office/drawing/2010/main" xmlns="">
                 <a:effectLst>
                   <a:outerShdw blurRad="63500" dist="38099" dir="2700000" algn="ctr" rotWithShape="0">
                     <a:srgbClr val="000000">
@@ -6147,14 +6199,14 @@
           <a:effectLst/>
           <a:extLst>
             <a:ext uri="{909E8E84-426E-40dd-AFC4-6F175D3DCCD1}">
-              <a14:hiddenFill xmlns="" xmlns:a14="http://schemas.microsoft.com/office/drawing/2010/main">
+              <a14:hiddenFill xmlns:a14="http://schemas.microsoft.com/office/drawing/2010/main" xmlns="">
                 <a:solidFill>
                   <a:srgbClr val="FFFFFF"/>
                 </a:solidFill>
               </a14:hiddenFill>
             </a:ext>
             <a:ext uri="{91240B29-F687-4f45-9708-019B960494DF}">
-              <a14:hiddenLine xmlns="" xmlns:a14="http://schemas.microsoft.com/office/drawing/2010/main" w="9525" cap="flat">
+              <a14:hiddenLine xmlns:a14="http://schemas.microsoft.com/office/drawing/2010/main" xmlns="" w="9525" cap="flat">
                 <a:solidFill>
                   <a:srgbClr val="000000"/>
                 </a:solidFill>
@@ -6164,7 +6216,7 @@
               </a14:hiddenLine>
             </a:ext>
             <a:ext uri="{AF507438-7753-43e0-B8FC-AC1667EBCBE1}">
-              <a14:hiddenEffects xmlns="" xmlns:a14="http://schemas.microsoft.com/office/drawing/2010/main">
+              <a14:hiddenEffects xmlns:a14="http://schemas.microsoft.com/office/drawing/2010/main" xmlns="">
                 <a:effectLst>
                   <a:outerShdw blurRad="63500" dist="38099" dir="2700000" algn="ctr" rotWithShape="0">
                     <a:srgbClr val="000000">
@@ -6565,7 +6617,7 @@
           <a:effectLst/>
           <a:extLst>
             <a:ext uri="{909E8E84-426E-40dd-AFC4-6F175D3DCCD1}">
-              <a14:hiddenFill xmlns="" xmlns:a14="http://schemas.microsoft.com/office/drawing/2010/main">
+              <a14:hiddenFill xmlns:a14="http://schemas.microsoft.com/office/drawing/2010/main" xmlns="">
                 <a:blipFill dpi="0" rotWithShape="0">
                   <a:blip/>
                   <a:srcRect/>
@@ -6576,7 +6628,7 @@
               </a14:hiddenFill>
             </a:ext>
             <a:ext uri="{91240B29-F687-4f45-9708-019B960494DF}">
-              <a14:hiddenLine xmlns="" xmlns:a14="http://schemas.microsoft.com/office/drawing/2010/main" w="9525" cap="flat">
+              <a14:hiddenLine xmlns:a14="http://schemas.microsoft.com/office/drawing/2010/main" xmlns="" w="9525" cap="flat">
                 <a:solidFill>
                   <a:srgbClr val="3465A4"/>
                 </a:solidFill>
@@ -6586,7 +6638,7 @@
               </a14:hiddenLine>
             </a:ext>
             <a:ext uri="{AF507438-7753-43e0-B8FC-AC1667EBCBE1}">
-              <a14:hiddenEffects xmlns="" xmlns:a14="http://schemas.microsoft.com/office/drawing/2010/main">
+              <a14:hiddenEffects xmlns:a14="http://schemas.microsoft.com/office/drawing/2010/main" xmlns="">
                 <a:effectLst>
                   <a:outerShdw blurRad="63500" dist="38099" dir="2700000" algn="ctr" rotWithShape="0">
                     <a:srgbClr val="000000">
@@ -6622,14 +6674,14 @@
           <a:effectLst/>
           <a:extLst>
             <a:ext uri="{909E8E84-426E-40dd-AFC4-6F175D3DCCD1}">
-              <a14:hiddenFill xmlns="" xmlns:a14="http://schemas.microsoft.com/office/drawing/2010/main">
+              <a14:hiddenFill xmlns:a14="http://schemas.microsoft.com/office/drawing/2010/main" xmlns="">
                 <a:solidFill>
                   <a:srgbClr val="FFFFFF"/>
                 </a:solidFill>
               </a14:hiddenFill>
             </a:ext>
             <a:ext uri="{91240B29-F687-4f45-9708-019B960494DF}">
-              <a14:hiddenLine xmlns="" xmlns:a14="http://schemas.microsoft.com/office/drawing/2010/main" w="9525" cap="flat">
+              <a14:hiddenLine xmlns:a14="http://schemas.microsoft.com/office/drawing/2010/main" xmlns="" w="9525" cap="flat">
                 <a:solidFill>
                   <a:srgbClr val="000000"/>
                 </a:solidFill>
@@ -6639,7 +6691,7 @@
               </a14:hiddenLine>
             </a:ext>
             <a:ext uri="{AF507438-7753-43e0-B8FC-AC1667EBCBE1}">
-              <a14:hiddenEffects xmlns="" xmlns:a14="http://schemas.microsoft.com/office/drawing/2010/main">
+              <a14:hiddenEffects xmlns:a14="http://schemas.microsoft.com/office/drawing/2010/main" xmlns="">
                 <a:effectLst>
                   <a:outerShdw blurRad="63500" dist="38099" dir="2700000" algn="ctr" rotWithShape="0">
                     <a:srgbClr val="000000">
@@ -6922,14 +6974,14 @@
           <a:effectLst/>
           <a:extLst>
             <a:ext uri="{909E8E84-426E-40dd-AFC4-6F175D3DCCD1}">
-              <a14:hiddenFill xmlns="" xmlns:a14="http://schemas.microsoft.com/office/drawing/2010/main">
+              <a14:hiddenFill xmlns:a14="http://schemas.microsoft.com/office/drawing/2010/main" xmlns="">
                 <a:solidFill>
                   <a:srgbClr val="FFFFFF"/>
                 </a:solidFill>
               </a14:hiddenFill>
             </a:ext>
             <a:ext uri="{91240B29-F687-4f45-9708-019B960494DF}">
-              <a14:hiddenLine xmlns="" xmlns:a14="http://schemas.microsoft.com/office/drawing/2010/main" w="9525" cap="flat">
+              <a14:hiddenLine xmlns:a14="http://schemas.microsoft.com/office/drawing/2010/main" xmlns="" w="9525" cap="flat">
                 <a:solidFill>
                   <a:srgbClr val="3465A4"/>
                 </a:solidFill>
@@ -6939,7 +6991,7 @@
               </a14:hiddenLine>
             </a:ext>
             <a:ext uri="{AF507438-7753-43e0-B8FC-AC1667EBCBE1}">
-              <a14:hiddenEffects xmlns="" xmlns:a14="http://schemas.microsoft.com/office/drawing/2010/main">
+              <a14:hiddenEffects xmlns:a14="http://schemas.microsoft.com/office/drawing/2010/main" xmlns="">
                 <a:effectLst>
                   <a:outerShdw blurRad="63500" dist="38099" dir="2700000" algn="ctr" rotWithShape="0">
                     <a:srgbClr val="000000">
@@ -7301,14 +7353,14 @@
           </a:ln>
           <a:extLst>
             <a:ext uri="{909E8E84-426E-40dd-AFC4-6F175D3DCCD1}">
-              <a14:hiddenFill xmlns="" xmlns:a14="http://schemas.microsoft.com/office/drawing/2010/main">
+              <a14:hiddenFill xmlns:a14="http://schemas.microsoft.com/office/drawing/2010/main" xmlns="">
                 <a:solidFill>
                   <a:srgbClr val="FFFFFF"/>
                 </a:solidFill>
               </a14:hiddenFill>
             </a:ext>
             <a:ext uri="{91240B29-F687-4f45-9708-019B960494DF}">
-              <a14:hiddenLine xmlns="" xmlns:a14="http://schemas.microsoft.com/office/drawing/2010/main" w="9525">
+              <a14:hiddenLine xmlns:a14="http://schemas.microsoft.com/office/drawing/2010/main" xmlns="" w="9525">
                 <a:solidFill>
                   <a:srgbClr val="000000"/>
                 </a:solidFill>
@@ -7793,14 +7845,14 @@
           </a:ln>
           <a:extLst>
             <a:ext uri="{909E8E84-426E-40dd-AFC4-6F175D3DCCD1}">
-              <a14:hiddenFill xmlns="" xmlns:a14="http://schemas.microsoft.com/office/drawing/2010/main">
+              <a14:hiddenFill xmlns:a14="http://schemas.microsoft.com/office/drawing/2010/main" xmlns="">
                 <a:solidFill>
                   <a:srgbClr val="FFFFFF"/>
                 </a:solidFill>
               </a14:hiddenFill>
             </a:ext>
             <a:ext uri="{91240B29-F687-4f45-9708-019B960494DF}">
-              <a14:hiddenLine xmlns="" xmlns:a14="http://schemas.microsoft.com/office/drawing/2010/main" w="9525">
+              <a14:hiddenLine xmlns:a14="http://schemas.microsoft.com/office/drawing/2010/main" xmlns="" w="9525">
                 <a:solidFill>
                   <a:srgbClr val="000000"/>
                 </a:solidFill>
@@ -7989,14 +8041,14 @@
           </a:ln>
           <a:extLst>
             <a:ext uri="{909E8E84-426E-40dd-AFC4-6F175D3DCCD1}">
-              <a14:hiddenFill xmlns="" xmlns:a14="http://schemas.microsoft.com/office/drawing/2010/main">
+              <a14:hiddenFill xmlns:a14="http://schemas.microsoft.com/office/drawing/2010/main" xmlns="">
                 <a:solidFill>
                   <a:srgbClr val="FFFFFF"/>
                 </a:solidFill>
               </a14:hiddenFill>
             </a:ext>
             <a:ext uri="{91240B29-F687-4f45-9708-019B960494DF}">
-              <a14:hiddenLine xmlns="" xmlns:a14="http://schemas.microsoft.com/office/drawing/2010/main" w="9525">
+              <a14:hiddenLine xmlns:a14="http://schemas.microsoft.com/office/drawing/2010/main" xmlns="" w="9525">
                 <a:solidFill>
                   <a:srgbClr val="000000"/>
                 </a:solidFill>
@@ -8185,14 +8237,14 @@
           </a:ln>
           <a:extLst>
             <a:ext uri="{909E8E84-426E-40dd-AFC4-6F175D3DCCD1}">
-              <a14:hiddenFill xmlns="" xmlns:a14="http://schemas.microsoft.com/office/drawing/2010/main">
+              <a14:hiddenFill xmlns:a14="http://schemas.microsoft.com/office/drawing/2010/main" xmlns="">
                 <a:solidFill>
                   <a:srgbClr val="FFFFFF"/>
                 </a:solidFill>
               </a14:hiddenFill>
             </a:ext>
             <a:ext uri="{91240B29-F687-4f45-9708-019B960494DF}">
-              <a14:hiddenLine xmlns="" xmlns:a14="http://schemas.microsoft.com/office/drawing/2010/main" w="9525">
+              <a14:hiddenLine xmlns:a14="http://schemas.microsoft.com/office/drawing/2010/main" xmlns="" w="9525">
                 <a:solidFill>
                   <a:srgbClr val="000000"/>
                 </a:solidFill>
@@ -8346,14 +8398,14 @@
           </a:ln>
           <a:extLst>
             <a:ext uri="{909E8E84-426E-40dd-AFC4-6F175D3DCCD1}">
-              <a14:hiddenFill xmlns="" xmlns:a14="http://schemas.microsoft.com/office/drawing/2010/main">
+              <a14:hiddenFill xmlns:a14="http://schemas.microsoft.com/office/drawing/2010/main" xmlns="">
                 <a:solidFill>
                   <a:srgbClr val="FFFFFF"/>
                 </a:solidFill>
               </a14:hiddenFill>
             </a:ext>
             <a:ext uri="{91240B29-F687-4f45-9708-019B960494DF}">
-              <a14:hiddenLine xmlns="" xmlns:a14="http://schemas.microsoft.com/office/drawing/2010/main" w="9525">
+              <a14:hiddenLine xmlns:a14="http://schemas.microsoft.com/office/drawing/2010/main" xmlns="" w="9525">
                 <a:solidFill>
                   <a:srgbClr val="000000"/>
                 </a:solidFill>
@@ -8542,14 +8594,14 @@
           </a:ln>
           <a:extLst>
             <a:ext uri="{909E8E84-426E-40dd-AFC4-6F175D3DCCD1}">
-              <a14:hiddenFill xmlns="" xmlns:a14="http://schemas.microsoft.com/office/drawing/2010/main">
+              <a14:hiddenFill xmlns:a14="http://schemas.microsoft.com/office/drawing/2010/main" xmlns="">
                 <a:solidFill>
                   <a:srgbClr val="FFFFFF"/>
                 </a:solidFill>
               </a14:hiddenFill>
             </a:ext>
             <a:ext uri="{91240B29-F687-4f45-9708-019B960494DF}">
-              <a14:hiddenLine xmlns="" xmlns:a14="http://schemas.microsoft.com/office/drawing/2010/main" w="9525">
+              <a14:hiddenLine xmlns:a14="http://schemas.microsoft.com/office/drawing/2010/main" xmlns="" w="9525">
                 <a:solidFill>
                   <a:srgbClr val="000000"/>
                 </a:solidFill>
@@ -8780,14 +8832,14 @@
           </a:ln>
           <a:extLst>
             <a:ext uri="{909E8E84-426E-40dd-AFC4-6F175D3DCCD1}">
-              <a14:hiddenFill xmlns="" xmlns:a14="http://schemas.microsoft.com/office/drawing/2010/main">
+              <a14:hiddenFill xmlns:a14="http://schemas.microsoft.com/office/drawing/2010/main" xmlns="">
                 <a:solidFill>
                   <a:srgbClr val="FFFFFF"/>
                 </a:solidFill>
               </a14:hiddenFill>
             </a:ext>
             <a:ext uri="{91240B29-F687-4f45-9708-019B960494DF}">
-              <a14:hiddenLine xmlns="" xmlns:a14="http://schemas.microsoft.com/office/drawing/2010/main" w="9525">
+              <a14:hiddenLine xmlns:a14="http://schemas.microsoft.com/office/drawing/2010/main" xmlns="" w="9525">
                 <a:solidFill>
                   <a:srgbClr val="000000"/>
                 </a:solidFill>
@@ -8976,14 +9028,14 @@
           </a:ln>
           <a:extLst>
             <a:ext uri="{909E8E84-426E-40dd-AFC4-6F175D3DCCD1}">
-              <a14:hiddenFill xmlns="" xmlns:a14="http://schemas.microsoft.com/office/drawing/2010/main">
+              <a14:hiddenFill xmlns:a14="http://schemas.microsoft.com/office/drawing/2010/main" xmlns="">
                 <a:solidFill>
                   <a:srgbClr val="FFFFFF"/>
                 </a:solidFill>
               </a14:hiddenFill>
             </a:ext>
             <a:ext uri="{91240B29-F687-4f45-9708-019B960494DF}">
-              <a14:hiddenLine xmlns="" xmlns:a14="http://schemas.microsoft.com/office/drawing/2010/main" w="9525">
+              <a14:hiddenLine xmlns:a14="http://schemas.microsoft.com/office/drawing/2010/main" xmlns="" w="9525">
                 <a:solidFill>
                   <a:srgbClr val="000000"/>
                 </a:solidFill>
@@ -9172,14 +9224,14 @@
           </a:ln>
           <a:extLst>
             <a:ext uri="{909E8E84-426E-40dd-AFC4-6F175D3DCCD1}">
-              <a14:hiddenFill xmlns="" xmlns:a14="http://schemas.microsoft.com/office/drawing/2010/main">
+              <a14:hiddenFill xmlns:a14="http://schemas.microsoft.com/office/drawing/2010/main" xmlns="">
                 <a:solidFill>
                   <a:srgbClr val="FFFFFF"/>
                 </a:solidFill>
               </a14:hiddenFill>
             </a:ext>
             <a:ext uri="{91240B29-F687-4f45-9708-019B960494DF}">
-              <a14:hiddenLine xmlns="" xmlns:a14="http://schemas.microsoft.com/office/drawing/2010/main" w="9525">
+              <a14:hiddenLine xmlns:a14="http://schemas.microsoft.com/office/drawing/2010/main" xmlns="" w="9525">
                 <a:solidFill>
                   <a:srgbClr val="000000"/>
                 </a:solidFill>
@@ -9375,14 +9427,14 @@
           </a:ln>
           <a:extLst>
             <a:ext uri="{909E8E84-426E-40dd-AFC4-6F175D3DCCD1}">
-              <a14:hiddenFill xmlns="" xmlns:a14="http://schemas.microsoft.com/office/drawing/2010/main">
+              <a14:hiddenFill xmlns:a14="http://schemas.microsoft.com/office/drawing/2010/main" xmlns="">
                 <a:solidFill>
                   <a:srgbClr val="FFFFFF"/>
                 </a:solidFill>
               </a14:hiddenFill>
             </a:ext>
             <a:ext uri="{91240B29-F687-4f45-9708-019B960494DF}">
-              <a14:hiddenLine xmlns="" xmlns:a14="http://schemas.microsoft.com/office/drawing/2010/main" w="9525">
+              <a14:hiddenLine xmlns:a14="http://schemas.microsoft.com/office/drawing/2010/main" xmlns="" w="9525">
                 <a:solidFill>
                   <a:srgbClr val="000000"/>
                 </a:solidFill>
@@ -9571,14 +9623,14 @@
           </a:ln>
           <a:extLst>
             <a:ext uri="{909E8E84-426E-40dd-AFC4-6F175D3DCCD1}">
-              <a14:hiddenFill xmlns="" xmlns:a14="http://schemas.microsoft.com/office/drawing/2010/main">
+              <a14:hiddenFill xmlns:a14="http://schemas.microsoft.com/office/drawing/2010/main" xmlns="">
                 <a:solidFill>
                   <a:srgbClr val="FFFFFF"/>
                 </a:solidFill>
               </a14:hiddenFill>
             </a:ext>
             <a:ext uri="{91240B29-F687-4f45-9708-019B960494DF}">
-              <a14:hiddenLine xmlns="" xmlns:a14="http://schemas.microsoft.com/office/drawing/2010/main" w="9525">
+              <a14:hiddenLine xmlns:a14="http://schemas.microsoft.com/office/drawing/2010/main" xmlns="" w="9525">
                 <a:solidFill>
                   <a:srgbClr val="000000"/>
                 </a:solidFill>
@@ -9774,14 +9826,14 @@
           </a:ln>
           <a:extLst>
             <a:ext uri="{909E8E84-426E-40dd-AFC4-6F175D3DCCD1}">
-              <a14:hiddenFill xmlns="" xmlns:a14="http://schemas.microsoft.com/office/drawing/2010/main">
+              <a14:hiddenFill xmlns:a14="http://schemas.microsoft.com/office/drawing/2010/main" xmlns="">
                 <a:solidFill>
                   <a:srgbClr val="FFFFFF"/>
                 </a:solidFill>
               </a14:hiddenFill>
             </a:ext>
             <a:ext uri="{91240B29-F687-4f45-9708-019B960494DF}">
-              <a14:hiddenLine xmlns="" xmlns:a14="http://schemas.microsoft.com/office/drawing/2010/main" w="9525">
+              <a14:hiddenLine xmlns:a14="http://schemas.microsoft.com/office/drawing/2010/main" xmlns="" w="9525">
                 <a:solidFill>
                   <a:srgbClr val="000000"/>
                 </a:solidFill>
@@ -9977,14 +10029,14 @@
           </a:ln>
           <a:extLst>
             <a:ext uri="{909E8E84-426E-40dd-AFC4-6F175D3DCCD1}">
-              <a14:hiddenFill xmlns="" xmlns:a14="http://schemas.microsoft.com/office/drawing/2010/main">
+              <a14:hiddenFill xmlns:a14="http://schemas.microsoft.com/office/drawing/2010/main" xmlns="">
                 <a:solidFill>
                   <a:srgbClr val="FFFFFF"/>
                 </a:solidFill>
               </a14:hiddenFill>
             </a:ext>
             <a:ext uri="{91240B29-F687-4f45-9708-019B960494DF}">
-              <a14:hiddenLine xmlns="" xmlns:a14="http://schemas.microsoft.com/office/drawing/2010/main" w="9525">
+              <a14:hiddenLine xmlns:a14="http://schemas.microsoft.com/office/drawing/2010/main" xmlns="" w="9525">
                 <a:solidFill>
                   <a:srgbClr val="000000"/>
                 </a:solidFill>
@@ -10471,7 +10523,7 @@
           <a:effectLst/>
           <a:extLst>
             <a:ext uri="{909E8E84-426E-40dd-AFC4-6F175D3DCCD1}">
-              <a14:hiddenFill xmlns="" xmlns:a14="http://schemas.microsoft.com/office/drawing/2010/main">
+              <a14:hiddenFill xmlns:a14="http://schemas.microsoft.com/office/drawing/2010/main" xmlns="">
                 <a:blipFill dpi="0" rotWithShape="0">
                   <a:blip/>
                   <a:srcRect/>
@@ -10482,7 +10534,7 @@
               </a14:hiddenFill>
             </a:ext>
             <a:ext uri="{91240B29-F687-4f45-9708-019B960494DF}">
-              <a14:hiddenLine xmlns="" xmlns:a14="http://schemas.microsoft.com/office/drawing/2010/main" w="9525" cap="flat">
+              <a14:hiddenLine xmlns:a14="http://schemas.microsoft.com/office/drawing/2010/main" xmlns="" w="9525" cap="flat">
                 <a:solidFill>
                   <a:srgbClr val="3465A4"/>
                 </a:solidFill>
@@ -10492,7 +10544,7 @@
               </a14:hiddenLine>
             </a:ext>
             <a:ext uri="{AF507438-7753-43e0-B8FC-AC1667EBCBE1}">
-              <a14:hiddenEffects xmlns="" xmlns:a14="http://schemas.microsoft.com/office/drawing/2010/main">
+              <a14:hiddenEffects xmlns:a14="http://schemas.microsoft.com/office/drawing/2010/main" xmlns="">
                 <a:effectLst>
                   <a:outerShdw blurRad="63500" dist="38099" dir="2700000" algn="ctr" rotWithShape="0">
                     <a:srgbClr val="000000">
@@ -10541,7 +10593,7 @@
           <a:effectLst/>
           <a:extLst>
             <a:ext uri="{909E8E84-426E-40dd-AFC4-6F175D3DCCD1}">
-              <a14:hiddenFill xmlns="" xmlns:a14="http://schemas.microsoft.com/office/drawing/2010/main">
+              <a14:hiddenFill xmlns:a14="http://schemas.microsoft.com/office/drawing/2010/main" xmlns="">
                 <a:blipFill dpi="0" rotWithShape="0">
                   <a:blip/>
                   <a:srcRect/>
@@ -10552,7 +10604,7 @@
               </a14:hiddenFill>
             </a:ext>
             <a:ext uri="{91240B29-F687-4f45-9708-019B960494DF}">
-              <a14:hiddenLine xmlns="" xmlns:a14="http://schemas.microsoft.com/office/drawing/2010/main" w="9525" cap="flat">
+              <a14:hiddenLine xmlns:a14="http://schemas.microsoft.com/office/drawing/2010/main" xmlns="" w="9525" cap="flat">
                 <a:solidFill>
                   <a:srgbClr val="3465A4"/>
                 </a:solidFill>
@@ -10562,7 +10614,7 @@
               </a14:hiddenLine>
             </a:ext>
             <a:ext uri="{AF507438-7753-43e0-B8FC-AC1667EBCBE1}">
-              <a14:hiddenEffects xmlns="" xmlns:a14="http://schemas.microsoft.com/office/drawing/2010/main">
+              <a14:hiddenEffects xmlns:a14="http://schemas.microsoft.com/office/drawing/2010/main" xmlns="">
                 <a:effectLst>
                   <a:outerShdw blurRad="63500" dist="38099" dir="2700000" algn="ctr" rotWithShape="0">
                     <a:srgbClr val="000000">
@@ -10603,12 +10655,12 @@
           <a:effectLst/>
           <a:extLst>
             <a:ext uri="{909E8E84-426E-40dd-AFC4-6F175D3DCCD1}">
-              <a14:hiddenFill xmlns="" xmlns:a14="http://schemas.microsoft.com/office/drawing/2010/main">
+              <a14:hiddenFill xmlns:a14="http://schemas.microsoft.com/office/drawing/2010/main" xmlns="">
                 <a:noFill/>
               </a14:hiddenFill>
             </a:ext>
             <a:ext uri="{AF507438-7753-43e0-B8FC-AC1667EBCBE1}">
-              <a14:hiddenEffects xmlns="" xmlns:a14="http://schemas.microsoft.com/office/drawing/2010/main">
+              <a14:hiddenEffects xmlns:a14="http://schemas.microsoft.com/office/drawing/2010/main" xmlns="">
                 <a:effectLst>
                   <a:outerShdw blurRad="63500" dist="38099" dir="2700000" algn="ctr" rotWithShape="0">
                     <a:srgbClr val="000000">
@@ -10651,14 +10703,14 @@
           <a:effectLst/>
           <a:extLst>
             <a:ext uri="{909E8E84-426E-40dd-AFC4-6F175D3DCCD1}">
-              <a14:hiddenFill xmlns="" xmlns:a14="http://schemas.microsoft.com/office/drawing/2010/main">
+              <a14:hiddenFill xmlns:a14="http://schemas.microsoft.com/office/drawing/2010/main" xmlns="">
                 <a:solidFill>
                   <a:srgbClr val="FFFFFF"/>
                 </a:solidFill>
               </a14:hiddenFill>
             </a:ext>
             <a:ext uri="{91240B29-F687-4f45-9708-019B960494DF}">
-              <a14:hiddenLine xmlns="" xmlns:a14="http://schemas.microsoft.com/office/drawing/2010/main" w="9525" cap="flat">
+              <a14:hiddenLine xmlns:a14="http://schemas.microsoft.com/office/drawing/2010/main" xmlns="" w="9525" cap="flat">
                 <a:solidFill>
                   <a:srgbClr val="000000"/>
                 </a:solidFill>
@@ -10668,7 +10720,7 @@
               </a14:hiddenLine>
             </a:ext>
             <a:ext uri="{AF507438-7753-43e0-B8FC-AC1667EBCBE1}">
-              <a14:hiddenEffects xmlns="" xmlns:a14="http://schemas.microsoft.com/office/drawing/2010/main">
+              <a14:hiddenEffects xmlns:a14="http://schemas.microsoft.com/office/drawing/2010/main" xmlns="">
                 <a:effectLst>
                   <a:outerShdw blurRad="63500" dist="38099" dir="2700000" algn="ctr" rotWithShape="0">
                     <a:srgbClr val="000000">
@@ -10984,7 +11036,7 @@
           <a:effectLst/>
           <a:extLst>
             <a:ext uri="{909E8E84-426E-40dd-AFC4-6F175D3DCCD1}">
-              <a14:hiddenFill xmlns="" xmlns:a14="http://schemas.microsoft.com/office/drawing/2010/main">
+              <a14:hiddenFill xmlns:a14="http://schemas.microsoft.com/office/drawing/2010/main" xmlns="">
                 <a:blipFill dpi="0" rotWithShape="0">
                   <a:blip/>
                   <a:srcRect/>
@@ -10995,7 +11047,7 @@
               </a14:hiddenFill>
             </a:ext>
             <a:ext uri="{91240B29-F687-4f45-9708-019B960494DF}">
-              <a14:hiddenLine xmlns="" xmlns:a14="http://schemas.microsoft.com/office/drawing/2010/main" w="9525" cap="flat">
+              <a14:hiddenLine xmlns:a14="http://schemas.microsoft.com/office/drawing/2010/main" xmlns="" w="9525" cap="flat">
                 <a:solidFill>
                   <a:srgbClr val="3465A4"/>
                 </a:solidFill>
@@ -11005,7 +11057,7 @@
               </a14:hiddenLine>
             </a:ext>
             <a:ext uri="{AF507438-7753-43e0-B8FC-AC1667EBCBE1}">
-              <a14:hiddenEffects xmlns="" xmlns:a14="http://schemas.microsoft.com/office/drawing/2010/main">
+              <a14:hiddenEffects xmlns:a14="http://schemas.microsoft.com/office/drawing/2010/main" xmlns="">
                 <a:effectLst>
                   <a:outerShdw blurRad="63500" dist="38099" dir="2700000" algn="ctr" rotWithShape="0">
                     <a:srgbClr val="000000">
@@ -11054,7 +11106,7 @@
           <a:effectLst/>
           <a:extLst>
             <a:ext uri="{909E8E84-426E-40dd-AFC4-6F175D3DCCD1}">
-              <a14:hiddenFill xmlns="" xmlns:a14="http://schemas.microsoft.com/office/drawing/2010/main">
+              <a14:hiddenFill xmlns:a14="http://schemas.microsoft.com/office/drawing/2010/main" xmlns="">
                 <a:blipFill dpi="0" rotWithShape="0">
                   <a:blip/>
                   <a:srcRect/>
@@ -11065,7 +11117,7 @@
               </a14:hiddenFill>
             </a:ext>
             <a:ext uri="{91240B29-F687-4f45-9708-019B960494DF}">
-              <a14:hiddenLine xmlns="" xmlns:a14="http://schemas.microsoft.com/office/drawing/2010/main" w="9525" cap="flat">
+              <a14:hiddenLine xmlns:a14="http://schemas.microsoft.com/office/drawing/2010/main" xmlns="" w="9525" cap="flat">
                 <a:solidFill>
                   <a:srgbClr val="3465A4"/>
                 </a:solidFill>
@@ -11075,7 +11127,7 @@
               </a14:hiddenLine>
             </a:ext>
             <a:ext uri="{AF507438-7753-43e0-B8FC-AC1667EBCBE1}">
-              <a14:hiddenEffects xmlns="" xmlns:a14="http://schemas.microsoft.com/office/drawing/2010/main">
+              <a14:hiddenEffects xmlns:a14="http://schemas.microsoft.com/office/drawing/2010/main" xmlns="">
                 <a:effectLst>
                   <a:outerShdw blurRad="63500" dist="38099" dir="2700000" algn="ctr" rotWithShape="0">
                     <a:srgbClr val="000000">
@@ -11111,14 +11163,14 @@
           <a:effectLst/>
           <a:extLst>
             <a:ext uri="{909E8E84-426E-40dd-AFC4-6F175D3DCCD1}">
-              <a14:hiddenFill xmlns="" xmlns:a14="http://schemas.microsoft.com/office/drawing/2010/main">
+              <a14:hiddenFill xmlns:a14="http://schemas.microsoft.com/office/drawing/2010/main" xmlns="">
                 <a:solidFill>
                   <a:srgbClr val="FFFFFF"/>
                 </a:solidFill>
               </a14:hiddenFill>
             </a:ext>
             <a:ext uri="{91240B29-F687-4f45-9708-019B960494DF}">
-              <a14:hiddenLine xmlns="" xmlns:a14="http://schemas.microsoft.com/office/drawing/2010/main" w="9525" cap="flat">
+              <a14:hiddenLine xmlns:a14="http://schemas.microsoft.com/office/drawing/2010/main" xmlns="" w="9525" cap="flat">
                 <a:solidFill>
                   <a:srgbClr val="000000"/>
                 </a:solidFill>
@@ -11128,7 +11180,7 @@
               </a14:hiddenLine>
             </a:ext>
             <a:ext uri="{AF507438-7753-43e0-B8FC-AC1667EBCBE1}">
-              <a14:hiddenEffects xmlns="" xmlns:a14="http://schemas.microsoft.com/office/drawing/2010/main">
+              <a14:hiddenEffects xmlns:a14="http://schemas.microsoft.com/office/drawing/2010/main" xmlns="">
                 <a:effectLst>
                   <a:outerShdw blurRad="63500" dist="38099" dir="2700000" algn="ctr" rotWithShape="0">
                     <a:srgbClr val="000000">
@@ -11450,14 +11502,14 @@
           <a:effectLst/>
           <a:extLst>
             <a:ext uri="{909E8E84-426E-40dd-AFC4-6F175D3DCCD1}">
-              <a14:hiddenFill xmlns="" xmlns:a14="http://schemas.microsoft.com/office/drawing/2010/main">
+              <a14:hiddenFill xmlns:a14="http://schemas.microsoft.com/office/drawing/2010/main" xmlns="">
                 <a:solidFill>
                   <a:srgbClr val="FFFFFF"/>
                 </a:solidFill>
               </a14:hiddenFill>
             </a:ext>
             <a:ext uri="{91240B29-F687-4f45-9708-019B960494DF}">
-              <a14:hiddenLine xmlns="" xmlns:a14="http://schemas.microsoft.com/office/drawing/2010/main" w="9525" cap="flat">
+              <a14:hiddenLine xmlns:a14="http://schemas.microsoft.com/office/drawing/2010/main" xmlns="" w="9525" cap="flat">
                 <a:solidFill>
                   <a:srgbClr val="000000"/>
                 </a:solidFill>
@@ -11467,7 +11519,7 @@
               </a14:hiddenLine>
             </a:ext>
             <a:ext uri="{AF507438-7753-43e0-B8FC-AC1667EBCBE1}">
-              <a14:hiddenEffects xmlns="" xmlns:a14="http://schemas.microsoft.com/office/drawing/2010/main">
+              <a14:hiddenEffects xmlns:a14="http://schemas.microsoft.com/office/drawing/2010/main" xmlns="">
                 <a:effectLst>
                   <a:outerShdw blurRad="63500" dist="38099" dir="2700000" algn="ctr" rotWithShape="0">
                     <a:srgbClr val="000000">
@@ -11909,7 +11961,7 @@
           <a:effectLst/>
           <a:extLst>
             <a:ext uri="{909E8E84-426E-40dd-AFC4-6F175D3DCCD1}">
-              <a14:hiddenFill xmlns:a14="http://schemas.microsoft.com/office/drawing/2010/main" xmlns="">
+              <a14:hiddenFill xmlns="" xmlns:a14="http://schemas.microsoft.com/office/drawing/2010/main">
                 <a:blipFill dpi="0" rotWithShape="0">
                   <a:blip/>
                   <a:srcRect/>
@@ -11920,7 +11972,7 @@
               </a14:hiddenFill>
             </a:ext>
             <a:ext uri="{91240B29-F687-4f45-9708-019B960494DF}">
-              <a14:hiddenLine xmlns:a14="http://schemas.microsoft.com/office/drawing/2010/main" xmlns="" w="9525" cap="flat">
+              <a14:hiddenLine xmlns="" xmlns:a14="http://schemas.microsoft.com/office/drawing/2010/main" w="9525" cap="flat">
                 <a:solidFill>
                   <a:srgbClr val="3465A4"/>
                 </a:solidFill>
@@ -11930,7 +11982,7 @@
               </a14:hiddenLine>
             </a:ext>
             <a:ext uri="{AF507438-7753-43e0-B8FC-AC1667EBCBE1}">
-              <a14:hiddenEffects xmlns:a14="http://schemas.microsoft.com/office/drawing/2010/main" xmlns="">
+              <a14:hiddenEffects xmlns="" xmlns:a14="http://schemas.microsoft.com/office/drawing/2010/main">
                 <a:effectLst>
                   <a:outerShdw blurRad="63500" dist="38099" dir="2700000" algn="ctr" rotWithShape="0">
                     <a:srgbClr val="000000">
@@ -12261,7 +12313,7 @@
           <a:effectLst/>
           <a:extLst>
             <a:ext uri="{909E8E84-426E-40dd-AFC4-6F175D3DCCD1}">
-              <a14:hiddenFill xmlns:a14="http://schemas.microsoft.com/office/drawing/2010/main" xmlns="">
+              <a14:hiddenFill xmlns="" xmlns:a14="http://schemas.microsoft.com/office/drawing/2010/main">
                 <a:blipFill dpi="0" rotWithShape="0">
                   <a:blip/>
                   <a:srcRect/>
@@ -12272,7 +12324,7 @@
               </a14:hiddenFill>
             </a:ext>
             <a:ext uri="{91240B29-F687-4f45-9708-019B960494DF}">
-              <a14:hiddenLine xmlns:a14="http://schemas.microsoft.com/office/drawing/2010/main" xmlns="" w="9525" cap="flat">
+              <a14:hiddenLine xmlns="" xmlns:a14="http://schemas.microsoft.com/office/drawing/2010/main" w="9525" cap="flat">
                 <a:solidFill>
                   <a:srgbClr val="3465A4"/>
                 </a:solidFill>
@@ -12282,7 +12334,7 @@
               </a14:hiddenLine>
             </a:ext>
             <a:ext uri="{AF507438-7753-43e0-B8FC-AC1667EBCBE1}">
-              <a14:hiddenEffects xmlns:a14="http://schemas.microsoft.com/office/drawing/2010/main" xmlns="">
+              <a14:hiddenEffects xmlns="" xmlns:a14="http://schemas.microsoft.com/office/drawing/2010/main">
                 <a:effectLst>
                   <a:outerShdw blurRad="63500" dist="38099" dir="2700000" algn="ctr" rotWithShape="0">
                     <a:srgbClr val="000000">
@@ -12324,14 +12376,14 @@
           <a:effectLst/>
           <a:extLst>
             <a:ext uri="{909E8E84-426E-40dd-AFC4-6F175D3DCCD1}">
-              <a14:hiddenFill xmlns:a14="http://schemas.microsoft.com/office/drawing/2010/main" xmlns="">
+              <a14:hiddenFill xmlns="" xmlns:a14="http://schemas.microsoft.com/office/drawing/2010/main">
                 <a:solidFill>
                   <a:srgbClr val="FFFFFF"/>
                 </a:solidFill>
               </a14:hiddenFill>
             </a:ext>
             <a:ext uri="{91240B29-F687-4f45-9708-019B960494DF}">
-              <a14:hiddenLine xmlns:a14="http://schemas.microsoft.com/office/drawing/2010/main" xmlns="" w="9525" cap="flat">
+              <a14:hiddenLine xmlns="" xmlns:a14="http://schemas.microsoft.com/office/drawing/2010/main" w="9525" cap="flat">
                 <a:solidFill>
                   <a:srgbClr val="3465A4"/>
                 </a:solidFill>
@@ -12341,7 +12393,7 @@
               </a14:hiddenLine>
             </a:ext>
             <a:ext uri="{AF507438-7753-43e0-B8FC-AC1667EBCBE1}">
-              <a14:hiddenEffects xmlns:a14="http://schemas.microsoft.com/office/drawing/2010/main" xmlns="">
+              <a14:hiddenEffects xmlns="" xmlns:a14="http://schemas.microsoft.com/office/drawing/2010/main">
                 <a:effectLst>
                   <a:outerShdw blurRad="63500" dist="38099" dir="2700000" algn="ctr" rotWithShape="0">
                     <a:srgbClr val="000000">
